--- a/angular-js/Getting Started with AngularJS.pptx
+++ b/angular-js/Getting Started with AngularJS.pptx
@@ -249,7 +249,7 @@
           <a:p>
             <a:fld id="{1FBC307E-BFDF-4D62-B554-0C8B7619B15D}" type="datetimeFigureOut">
               <a:rPr lang="en-US" smtClean="0"/>
-              <a:t>10/21/2014</a:t>
+              <a:t>11/5/2014</a:t>
             </a:fld>
             <a:endParaRPr lang="en-US"/>
           </a:p>
@@ -419,7 +419,7 @@
           <a:p>
             <a:fld id="{1FBC307E-BFDF-4D62-B554-0C8B7619B15D}" type="datetimeFigureOut">
               <a:rPr lang="en-US" smtClean="0"/>
-              <a:t>10/21/2014</a:t>
+              <a:t>11/5/2014</a:t>
             </a:fld>
             <a:endParaRPr lang="en-US"/>
           </a:p>
@@ -599,7 +599,7 @@
           <a:p>
             <a:fld id="{1FBC307E-BFDF-4D62-B554-0C8B7619B15D}" type="datetimeFigureOut">
               <a:rPr lang="en-US" smtClean="0"/>
-              <a:t>10/21/2014</a:t>
+              <a:t>11/5/2014</a:t>
             </a:fld>
             <a:endParaRPr lang="en-US"/>
           </a:p>
@@ -769,7 +769,7 @@
           <a:p>
             <a:fld id="{1FBC307E-BFDF-4D62-B554-0C8B7619B15D}" type="datetimeFigureOut">
               <a:rPr lang="en-US" smtClean="0"/>
-              <a:t>10/21/2014</a:t>
+              <a:t>11/5/2014</a:t>
             </a:fld>
             <a:endParaRPr lang="en-US"/>
           </a:p>
@@ -1015,7 +1015,7 @@
           <a:p>
             <a:fld id="{1FBC307E-BFDF-4D62-B554-0C8B7619B15D}" type="datetimeFigureOut">
               <a:rPr lang="en-US" smtClean="0"/>
-              <a:t>10/21/2014</a:t>
+              <a:t>11/5/2014</a:t>
             </a:fld>
             <a:endParaRPr lang="en-US"/>
           </a:p>
@@ -1247,7 +1247,7 @@
           <a:p>
             <a:fld id="{1FBC307E-BFDF-4D62-B554-0C8B7619B15D}" type="datetimeFigureOut">
               <a:rPr lang="en-US" smtClean="0"/>
-              <a:t>10/21/2014</a:t>
+              <a:t>11/5/2014</a:t>
             </a:fld>
             <a:endParaRPr lang="en-US"/>
           </a:p>
@@ -1614,7 +1614,7 @@
           <a:p>
             <a:fld id="{1FBC307E-BFDF-4D62-B554-0C8B7619B15D}" type="datetimeFigureOut">
               <a:rPr lang="en-US" smtClean="0"/>
-              <a:t>10/21/2014</a:t>
+              <a:t>11/5/2014</a:t>
             </a:fld>
             <a:endParaRPr lang="en-US"/>
           </a:p>
@@ -1732,7 +1732,7 @@
           <a:p>
             <a:fld id="{1FBC307E-BFDF-4D62-B554-0C8B7619B15D}" type="datetimeFigureOut">
               <a:rPr lang="en-US" smtClean="0"/>
-              <a:t>10/21/2014</a:t>
+              <a:t>11/5/2014</a:t>
             </a:fld>
             <a:endParaRPr lang="en-US"/>
           </a:p>
@@ -1827,7 +1827,7 @@
           <a:p>
             <a:fld id="{1FBC307E-BFDF-4D62-B554-0C8B7619B15D}" type="datetimeFigureOut">
               <a:rPr lang="en-US" smtClean="0"/>
-              <a:t>10/21/2014</a:t>
+              <a:t>11/5/2014</a:t>
             </a:fld>
             <a:endParaRPr lang="en-US"/>
           </a:p>
@@ -2104,7 +2104,7 @@
           <a:p>
             <a:fld id="{1FBC307E-BFDF-4D62-B554-0C8B7619B15D}" type="datetimeFigureOut">
               <a:rPr lang="en-US" smtClean="0"/>
-              <a:t>10/21/2014</a:t>
+              <a:t>11/5/2014</a:t>
             </a:fld>
             <a:endParaRPr lang="en-US"/>
           </a:p>
@@ -2357,7 +2357,7 @@
           <a:p>
             <a:fld id="{1FBC307E-BFDF-4D62-B554-0C8B7619B15D}" type="datetimeFigureOut">
               <a:rPr lang="en-US" smtClean="0"/>
-              <a:t>10/21/2014</a:t>
+              <a:t>11/5/2014</a:t>
             </a:fld>
             <a:endParaRPr lang="en-US"/>
           </a:p>
@@ -2570,7 +2570,7 @@
           <a:p>
             <a:fld id="{1FBC307E-BFDF-4D62-B554-0C8B7619B15D}" type="datetimeFigureOut">
               <a:rPr lang="en-US" smtClean="0"/>
-              <a:t>10/21/2014</a:t>
+              <a:t>11/5/2014</a:t>
             </a:fld>
             <a:endParaRPr lang="en-US"/>
           </a:p>
@@ -3353,8 +3353,16 @@
           <a:lstStyle/>
           <a:p>
             <a:r>
+              <a:rPr lang="en-US" smtClean="0"/>
+              <a:t>JavaScript </a:t>
+            </a:r>
+            <a:r>
+              <a:rPr lang="en-US" smtClean="0"/>
+              <a:t>MVW (Model –View-Whatever) </a:t>
+            </a:r>
+            <a:r>
               <a:rPr lang="en-US" dirty="0" smtClean="0"/>
-              <a:t>JavaScript MVW framework</a:t>
+              <a:t>framework</a:t>
             </a:r>
           </a:p>
           <a:p>
@@ -3581,11 +3589,7 @@
             </a:pPr>
             <a:r>
               <a:rPr lang="en-US" dirty="0" smtClean="0"/>
-              <a:t>Compared </a:t>
-            </a:r>
-            <a:r>
-              <a:rPr lang="en-US" dirty="0" smtClean="0"/>
-              <a:t>to Win Forms</a:t>
+              <a:t>Compared to Win Forms</a:t>
             </a:r>
           </a:p>
           <a:p>

--- a/angular-js/Getting Started with AngularJS.pptx
+++ b/angular-js/Getting Started with AngularJS.pptx
@@ -2,7 +2,7 @@
 <file path=ppt/presentation.xml><?xml version="1.0" encoding="utf-8"?>
 <p:presentation xmlns:a="http://schemas.openxmlformats.org/drawingml/2006/main" xmlns:r="http://schemas.openxmlformats.org/officeDocument/2006/relationships" xmlns:p="http://schemas.openxmlformats.org/presentationml/2006/main" saveSubsetFonts="1">
   <p:sldMasterIdLst>
-    <p:sldMasterId id="2147483648" r:id="rId1"/>
+    <p:sldMasterId id="2147483923" r:id="rId1"/>
   </p:sldMasterIdLst>
   <p:sldIdLst>
     <p:sldId id="256" r:id="rId2"/>
@@ -12,6 +12,7 @@
     <p:sldId id="260" r:id="rId6"/>
     <p:sldId id="261" r:id="rId7"/>
     <p:sldId id="262" r:id="rId8"/>
+    <p:sldId id="263" r:id="rId9"/>
   </p:sldIdLst>
   <p:sldSz cx="12192000" cy="6858000"/>
   <p:notesSz cx="6858000" cy="9144000"/>
@@ -147,15 +148,17 @@
         </p:nvSpPr>
         <p:spPr>
           <a:xfrm>
-            <a:off x="1524000" y="1122363"/>
-            <a:ext cx="9144000" cy="2387600"/>
+            <a:off x="2589213" y="2514600"/>
+            <a:ext cx="8915399" cy="2262781"/>
           </a:xfrm>
         </p:spPr>
         <p:txBody>
-          <a:bodyPr anchor="b"/>
+          <a:bodyPr anchor="b">
+            <a:normAutofit/>
+          </a:bodyPr>
           <a:lstStyle>
-            <a:lvl1pPr algn="ctr">
-              <a:defRPr sz="6000"/>
+            <a:lvl1pPr>
+              <a:defRPr sz="5400"/>
             </a:lvl1pPr>
           </a:lstStyle>
           <a:p>
@@ -163,7 +166,7 @@
               <a:rPr lang="en-US" smtClean="0"/>
               <a:t>Click to edit Master title style</a:t>
             </a:r>
-            <a:endParaRPr lang="en-US"/>
+            <a:endParaRPr lang="en-US" dirty="0"/>
           </a:p>
         </p:txBody>
       </p:sp>
@@ -179,48 +182,103 @@
         </p:nvSpPr>
         <p:spPr>
           <a:xfrm>
-            <a:off x="1524000" y="3602038"/>
-            <a:ext cx="9144000" cy="1655762"/>
+            <a:off x="2589213" y="4777379"/>
+            <a:ext cx="8915399" cy="1126283"/>
           </a:xfrm>
         </p:spPr>
         <p:txBody>
-          <a:bodyPr/>
+          <a:bodyPr anchor="t"/>
           <a:lstStyle>
-            <a:lvl1pPr marL="0" indent="0" algn="ctr">
-              <a:buNone/>
-              <a:defRPr sz="2400"/>
+            <a:lvl1pPr marL="0" indent="0" algn="l">
+              <a:buNone/>
+              <a:defRPr>
+                <a:solidFill>
+                  <a:schemeClr val="tx1">
+                    <a:lumMod val="65000"/>
+                    <a:lumOff val="35000"/>
+                  </a:schemeClr>
+                </a:solidFill>
+              </a:defRPr>
             </a:lvl1pPr>
             <a:lvl2pPr marL="457200" indent="0" algn="ctr">
               <a:buNone/>
-              <a:defRPr sz="2000"/>
+              <a:defRPr>
+                <a:solidFill>
+                  <a:schemeClr val="tx1">
+                    <a:tint val="75000"/>
+                  </a:schemeClr>
+                </a:solidFill>
+              </a:defRPr>
             </a:lvl2pPr>
             <a:lvl3pPr marL="914400" indent="0" algn="ctr">
               <a:buNone/>
-              <a:defRPr sz="1800"/>
+              <a:defRPr>
+                <a:solidFill>
+                  <a:schemeClr val="tx1">
+                    <a:tint val="75000"/>
+                  </a:schemeClr>
+                </a:solidFill>
+              </a:defRPr>
             </a:lvl3pPr>
             <a:lvl4pPr marL="1371600" indent="0" algn="ctr">
               <a:buNone/>
-              <a:defRPr sz="1600"/>
+              <a:defRPr>
+                <a:solidFill>
+                  <a:schemeClr val="tx1">
+                    <a:tint val="75000"/>
+                  </a:schemeClr>
+                </a:solidFill>
+              </a:defRPr>
             </a:lvl4pPr>
             <a:lvl5pPr marL="1828800" indent="0" algn="ctr">
               <a:buNone/>
-              <a:defRPr sz="1600"/>
+              <a:defRPr>
+                <a:solidFill>
+                  <a:schemeClr val="tx1">
+                    <a:tint val="75000"/>
+                  </a:schemeClr>
+                </a:solidFill>
+              </a:defRPr>
             </a:lvl5pPr>
             <a:lvl6pPr marL="2286000" indent="0" algn="ctr">
               <a:buNone/>
-              <a:defRPr sz="1600"/>
+              <a:defRPr>
+                <a:solidFill>
+                  <a:schemeClr val="tx1">
+                    <a:tint val="75000"/>
+                  </a:schemeClr>
+                </a:solidFill>
+              </a:defRPr>
             </a:lvl6pPr>
             <a:lvl7pPr marL="2743200" indent="0" algn="ctr">
               <a:buNone/>
-              <a:defRPr sz="1600"/>
+              <a:defRPr>
+                <a:solidFill>
+                  <a:schemeClr val="tx1">
+                    <a:tint val="75000"/>
+                  </a:schemeClr>
+                </a:solidFill>
+              </a:defRPr>
             </a:lvl7pPr>
             <a:lvl8pPr marL="3200400" indent="0" algn="ctr">
               <a:buNone/>
-              <a:defRPr sz="1600"/>
+              <a:defRPr>
+                <a:solidFill>
+                  <a:schemeClr val="tx1">
+                    <a:tint val="75000"/>
+                  </a:schemeClr>
+                </a:solidFill>
+              </a:defRPr>
             </a:lvl8pPr>
             <a:lvl9pPr marL="3657600" indent="0" algn="ctr">
               <a:buNone/>
-              <a:defRPr sz="1600"/>
+              <a:defRPr>
+                <a:solidFill>
+                  <a:schemeClr val="tx1">
+                    <a:tint val="75000"/>
+                  </a:schemeClr>
+                </a:solidFill>
+              </a:defRPr>
             </a:lvl9pPr>
           </a:lstStyle>
           <a:p>
@@ -228,7 +286,7 @@
               <a:rPr lang="en-US" smtClean="0"/>
               <a:t>Click to edit Master subtitle style</a:t>
             </a:r>
-            <a:endParaRPr lang="en-US"/>
+            <a:endParaRPr lang="en-US" dirty="0"/>
           </a:p>
         </p:txBody>
       </p:sp>
@@ -249,7 +307,7 @@
           <a:p>
             <a:fld id="{1FBC307E-BFDF-4D62-B554-0C8B7619B15D}" type="datetimeFigureOut">
               <a:rPr lang="en-US" smtClean="0"/>
-              <a:t>11/5/2014</a:t>
+              <a:t>11/6/2014</a:t>
             </a:fld>
             <a:endParaRPr lang="en-US"/>
           </a:p>
@@ -276,6 +334,88 @@
       </p:sp>
       <p:sp>
         <p:nvSpPr>
+          <p:cNvPr id="7" name="Freeform 6"/>
+          <p:cNvSpPr/>
+          <p:nvPr/>
+        </p:nvSpPr>
+        <p:spPr bwMode="auto">
+          <a:xfrm>
+            <a:off x="0" y="4323810"/>
+            <a:ext cx="1744652" cy="778589"/>
+          </a:xfrm>
+          <a:custGeom>
+            <a:avLst/>
+            <a:gdLst/>
+            <a:ahLst/>
+            <a:cxnLst/>
+            <a:rect l="0" t="0" r="r" b="b"/>
+            <a:pathLst>
+              <a:path w="372" h="166">
+                <a:moveTo>
+                  <a:pt x="287" y="166"/>
+                </a:moveTo>
+                <a:cubicBezTo>
+                  <a:pt x="290" y="166"/>
+                  <a:pt x="292" y="165"/>
+                  <a:pt x="293" y="164"/>
+                </a:cubicBezTo>
+                <a:cubicBezTo>
+                  <a:pt x="293" y="163"/>
+                  <a:pt x="294" y="163"/>
+                  <a:pt x="294" y="163"/>
+                </a:cubicBezTo>
+                <a:cubicBezTo>
+                  <a:pt x="370" y="87"/>
+                  <a:pt x="370" y="87"/>
+                  <a:pt x="370" y="87"/>
+                </a:cubicBezTo>
+                <a:cubicBezTo>
+                  <a:pt x="372" y="85"/>
+                  <a:pt x="372" y="81"/>
+                  <a:pt x="370" y="78"/>
+                </a:cubicBezTo>
+                <a:cubicBezTo>
+                  <a:pt x="294" y="3"/>
+                  <a:pt x="294" y="3"/>
+                  <a:pt x="294" y="3"/>
+                </a:cubicBezTo>
+                <a:cubicBezTo>
+                  <a:pt x="294" y="2"/>
+                  <a:pt x="293" y="2"/>
+                  <a:pt x="293" y="2"/>
+                </a:cubicBezTo>
+                <a:cubicBezTo>
+                  <a:pt x="292" y="1"/>
+                  <a:pt x="290" y="0"/>
+                  <a:pt x="287" y="0"/>
+                </a:cubicBezTo>
+                <a:cubicBezTo>
+                  <a:pt x="0" y="0"/>
+                  <a:pt x="0" y="0"/>
+                  <a:pt x="0" y="0"/>
+                </a:cubicBezTo>
+                <a:cubicBezTo>
+                  <a:pt x="0" y="166"/>
+                  <a:pt x="0" y="166"/>
+                  <a:pt x="0" y="166"/>
+                </a:cubicBezTo>
+                <a:lnTo>
+                  <a:pt x="287" y="166"/>
+                </a:lnTo>
+                <a:close/>
+              </a:path>
+            </a:pathLst>
+          </a:custGeom>
+          <a:solidFill>
+            <a:schemeClr val="accent1"/>
+          </a:solidFill>
+          <a:ln>
+            <a:noFill/>
+          </a:ln>
+        </p:spPr>
+      </p:sp>
+      <p:sp>
+        <p:nvSpPr>
           <p:cNvPr id="6" name="Slide Number Placeholder 5"/>
           <p:cNvSpPr>
             <a:spLocks noGrp="1"/>
@@ -284,7 +424,12 @@
             <p:ph type="sldNum" sz="quarter" idx="12"/>
           </p:nvPr>
         </p:nvSpPr>
-        <p:spPr/>
+        <p:spPr>
+          <a:xfrm>
+            <a:off x="531812" y="4529540"/>
+            <a:ext cx="779767" cy="365125"/>
+          </a:xfrm>
+        </p:spPr>
         <p:txBody>
           <a:bodyPr/>
           <a:lstStyle/>
@@ -300,7 +445,7 @@
     </p:spTree>
     <p:extLst>
       <p:ext uri="{BB962C8B-B14F-4D97-AF65-F5344CB8AC3E}">
-        <p14:creationId xmlns:p14="http://schemas.microsoft.com/office/powerpoint/2010/main" val="2370600975"/>
+        <p14:creationId xmlns:p14="http://schemas.microsoft.com/office/powerpoint/2010/main" val="1683666348"/>
       </p:ext>
     </p:extLst>
   </p:cSld>
@@ -311,6 +456,1797 @@
 </file>
 
 <file path=ppt/slideLayouts/slideLayout10.xml><?xml version="1.0" encoding="utf-8"?>
+<p:sldLayout xmlns:a="http://schemas.openxmlformats.org/drawingml/2006/main" xmlns:r="http://schemas.openxmlformats.org/officeDocument/2006/relationships" xmlns:p="http://schemas.openxmlformats.org/presentationml/2006/main" preserve="1">
+  <p:cSld name="Title and Caption">
+    <p:spTree>
+      <p:nvGrpSpPr>
+        <p:cNvPr id="1" name=""/>
+        <p:cNvGrpSpPr/>
+        <p:nvPr/>
+      </p:nvGrpSpPr>
+      <p:grpSpPr>
+        <a:xfrm>
+          <a:off x="0" y="0"/>
+          <a:ext cx="0" cy="0"/>
+          <a:chOff x="0" y="0"/>
+          <a:chExt cx="0" cy="0"/>
+        </a:xfrm>
+      </p:grpSpPr>
+      <p:sp>
+        <p:nvSpPr>
+          <p:cNvPr id="2" name="Title 1"/>
+          <p:cNvSpPr>
+            <a:spLocks noGrp="1"/>
+          </p:cNvSpPr>
+          <p:nvPr>
+            <p:ph type="title"/>
+          </p:nvPr>
+        </p:nvSpPr>
+        <p:spPr>
+          <a:xfrm>
+            <a:off x="2589212" y="609600"/>
+            <a:ext cx="8915399" cy="3117040"/>
+          </a:xfrm>
+        </p:spPr>
+        <p:txBody>
+          <a:bodyPr anchor="ctr">
+            <a:normAutofit/>
+          </a:bodyPr>
+          <a:lstStyle>
+            <a:lvl1pPr algn="l">
+              <a:defRPr sz="4800" b="0" cap="none"/>
+            </a:lvl1pPr>
+          </a:lstStyle>
+          <a:p>
+            <a:r>
+              <a:rPr lang="en-US" smtClean="0"/>
+              <a:t>Click to edit Master title style</a:t>
+            </a:r>
+            <a:endParaRPr lang="en-US" dirty="0"/>
+          </a:p>
+        </p:txBody>
+      </p:sp>
+      <p:sp>
+        <p:nvSpPr>
+          <p:cNvPr id="3" name="Text Placeholder 2"/>
+          <p:cNvSpPr>
+            <a:spLocks noGrp="1"/>
+          </p:cNvSpPr>
+          <p:nvPr>
+            <p:ph type="body" idx="1"/>
+          </p:nvPr>
+        </p:nvSpPr>
+        <p:spPr>
+          <a:xfrm>
+            <a:off x="2589212" y="4354046"/>
+            <a:ext cx="8915399" cy="1555864"/>
+          </a:xfrm>
+        </p:spPr>
+        <p:txBody>
+          <a:bodyPr anchor="ctr">
+            <a:normAutofit/>
+          </a:bodyPr>
+          <a:lstStyle>
+            <a:lvl1pPr marL="0" indent="0" algn="l">
+              <a:buNone/>
+              <a:defRPr sz="1800">
+                <a:solidFill>
+                  <a:schemeClr val="tx1">
+                    <a:lumMod val="65000"/>
+                    <a:lumOff val="35000"/>
+                  </a:schemeClr>
+                </a:solidFill>
+              </a:defRPr>
+            </a:lvl1pPr>
+            <a:lvl2pPr marL="457200" indent="0">
+              <a:buNone/>
+              <a:defRPr sz="1800">
+                <a:solidFill>
+                  <a:schemeClr val="tx1">
+                    <a:tint val="75000"/>
+                  </a:schemeClr>
+                </a:solidFill>
+              </a:defRPr>
+            </a:lvl2pPr>
+            <a:lvl3pPr marL="914400" indent="0">
+              <a:buNone/>
+              <a:defRPr sz="1600">
+                <a:solidFill>
+                  <a:schemeClr val="tx1">
+                    <a:tint val="75000"/>
+                  </a:schemeClr>
+                </a:solidFill>
+              </a:defRPr>
+            </a:lvl3pPr>
+            <a:lvl4pPr marL="1371600" indent="0">
+              <a:buNone/>
+              <a:defRPr sz="1400">
+                <a:solidFill>
+                  <a:schemeClr val="tx1">
+                    <a:tint val="75000"/>
+                  </a:schemeClr>
+                </a:solidFill>
+              </a:defRPr>
+            </a:lvl4pPr>
+            <a:lvl5pPr marL="1828800" indent="0">
+              <a:buNone/>
+              <a:defRPr sz="1400">
+                <a:solidFill>
+                  <a:schemeClr val="tx1">
+                    <a:tint val="75000"/>
+                  </a:schemeClr>
+                </a:solidFill>
+              </a:defRPr>
+            </a:lvl5pPr>
+            <a:lvl6pPr marL="2286000" indent="0">
+              <a:buNone/>
+              <a:defRPr sz="1400">
+                <a:solidFill>
+                  <a:schemeClr val="tx1">
+                    <a:tint val="75000"/>
+                  </a:schemeClr>
+                </a:solidFill>
+              </a:defRPr>
+            </a:lvl6pPr>
+            <a:lvl7pPr marL="2743200" indent="0">
+              <a:buNone/>
+              <a:defRPr sz="1400">
+                <a:solidFill>
+                  <a:schemeClr val="tx1">
+                    <a:tint val="75000"/>
+                  </a:schemeClr>
+                </a:solidFill>
+              </a:defRPr>
+            </a:lvl7pPr>
+            <a:lvl8pPr marL="3200400" indent="0">
+              <a:buNone/>
+              <a:defRPr sz="1400">
+                <a:solidFill>
+                  <a:schemeClr val="tx1">
+                    <a:tint val="75000"/>
+                  </a:schemeClr>
+                </a:solidFill>
+              </a:defRPr>
+            </a:lvl8pPr>
+            <a:lvl9pPr marL="3657600" indent="0">
+              <a:buNone/>
+              <a:defRPr sz="1400">
+                <a:solidFill>
+                  <a:schemeClr val="tx1">
+                    <a:tint val="75000"/>
+                  </a:schemeClr>
+                </a:solidFill>
+              </a:defRPr>
+            </a:lvl9pPr>
+          </a:lstStyle>
+          <a:p>
+            <a:pPr lvl="0"/>
+            <a:r>
+              <a:rPr lang="en-US" smtClean="0"/>
+              <a:t>Click to edit Master text styles</a:t>
+            </a:r>
+          </a:p>
+        </p:txBody>
+      </p:sp>
+      <p:sp>
+        <p:nvSpPr>
+          <p:cNvPr id="4" name="Date Placeholder 3"/>
+          <p:cNvSpPr>
+            <a:spLocks noGrp="1"/>
+          </p:cNvSpPr>
+          <p:nvPr>
+            <p:ph type="dt" sz="half" idx="10"/>
+          </p:nvPr>
+        </p:nvSpPr>
+        <p:spPr/>
+        <p:txBody>
+          <a:bodyPr/>
+          <a:lstStyle/>
+          <a:p>
+            <a:fld id="{1FBC307E-BFDF-4D62-B554-0C8B7619B15D}" type="datetimeFigureOut">
+              <a:rPr lang="en-US" smtClean="0"/>
+              <a:t>11/6/2014</a:t>
+            </a:fld>
+            <a:endParaRPr lang="en-US"/>
+          </a:p>
+        </p:txBody>
+      </p:sp>
+      <p:sp>
+        <p:nvSpPr>
+          <p:cNvPr id="5" name="Footer Placeholder 4"/>
+          <p:cNvSpPr>
+            <a:spLocks noGrp="1"/>
+          </p:cNvSpPr>
+          <p:nvPr>
+            <p:ph type="ftr" sz="quarter" idx="11"/>
+          </p:nvPr>
+        </p:nvSpPr>
+        <p:spPr/>
+        <p:txBody>
+          <a:bodyPr/>
+          <a:lstStyle/>
+          <a:p>
+            <a:endParaRPr lang="en-US"/>
+          </a:p>
+        </p:txBody>
+      </p:sp>
+      <p:sp>
+        <p:nvSpPr>
+          <p:cNvPr id="9" name="Freeform 11"/>
+          <p:cNvSpPr/>
+          <p:nvPr/>
+        </p:nvSpPr>
+        <p:spPr bwMode="auto">
+          <a:xfrm flipV="1">
+            <a:off x="-4189" y="3178175"/>
+            <a:ext cx="1588527" cy="507297"/>
+          </a:xfrm>
+          <a:custGeom>
+            <a:avLst/>
+            <a:gdLst/>
+            <a:ahLst/>
+            <a:cxnLst/>
+            <a:rect l="l" t="t" r="r" b="b"/>
+            <a:pathLst>
+              <a:path w="9248" h="10000">
+                <a:moveTo>
+                  <a:pt x="9248" y="4701"/>
+                </a:moveTo>
+                <a:lnTo>
+                  <a:pt x="7915" y="188"/>
+                </a:lnTo>
+                <a:cubicBezTo>
+                  <a:pt x="7906" y="156"/>
+                  <a:pt x="7895" y="126"/>
+                  <a:pt x="7886" y="94"/>
+                </a:cubicBezTo>
+                <a:cubicBezTo>
+                  <a:pt x="7859" y="0"/>
+                  <a:pt x="7831" y="0"/>
+                  <a:pt x="7803" y="0"/>
+                </a:cubicBezTo>
+                <a:lnTo>
+                  <a:pt x="7275" y="0"/>
+                </a:lnTo>
+                <a:lnTo>
+                  <a:pt x="0" y="70"/>
+                </a:lnTo>
+                <a:cubicBezTo>
+                  <a:pt x="8" y="3380"/>
+                  <a:pt x="17" y="6690"/>
+                  <a:pt x="25" y="10000"/>
+                </a:cubicBezTo>
+                <a:lnTo>
+                  <a:pt x="7275" y="9966"/>
+                </a:lnTo>
+                <a:lnTo>
+                  <a:pt x="7803" y="9966"/>
+                </a:lnTo>
+                <a:cubicBezTo>
+                  <a:pt x="7831" y="9966"/>
+                  <a:pt x="7859" y="9872"/>
+                  <a:pt x="7886" y="9872"/>
+                </a:cubicBezTo>
+                <a:cubicBezTo>
+                  <a:pt x="7886" y="9778"/>
+                  <a:pt x="7915" y="9778"/>
+                  <a:pt x="7915" y="9778"/>
+                </a:cubicBezTo>
+                <a:lnTo>
+                  <a:pt x="9248" y="5265"/>
+                </a:lnTo>
+                <a:cubicBezTo>
+                  <a:pt x="9303" y="5077"/>
+                  <a:pt x="9303" y="4889"/>
+                  <a:pt x="9248" y="4701"/>
+                </a:cubicBezTo>
+                <a:close/>
+              </a:path>
+            </a:pathLst>
+          </a:custGeom>
+          <a:solidFill>
+            <a:schemeClr val="accent1"/>
+          </a:solidFill>
+          <a:ln>
+            <a:noFill/>
+          </a:ln>
+        </p:spPr>
+      </p:sp>
+      <p:sp>
+        <p:nvSpPr>
+          <p:cNvPr id="6" name="Slide Number Placeholder 5"/>
+          <p:cNvSpPr>
+            <a:spLocks noGrp="1"/>
+          </p:cNvSpPr>
+          <p:nvPr>
+            <p:ph type="sldNum" sz="quarter" idx="12"/>
+          </p:nvPr>
+        </p:nvSpPr>
+        <p:spPr>
+          <a:xfrm>
+            <a:off x="531812" y="3244139"/>
+            <a:ext cx="779767" cy="365125"/>
+          </a:xfrm>
+        </p:spPr>
+        <p:txBody>
+          <a:bodyPr/>
+          <a:lstStyle/>
+          <a:p>
+            <a:fld id="{2372CF6B-33AB-402F-AB86-699C0022DD94}" type="slidenum">
+              <a:rPr lang="en-US" smtClean="0"/>
+              <a:t>‹#›</a:t>
+            </a:fld>
+            <a:endParaRPr lang="en-US"/>
+          </a:p>
+        </p:txBody>
+      </p:sp>
+    </p:spTree>
+    <p:extLst>
+      <p:ext uri="{BB962C8B-B14F-4D97-AF65-F5344CB8AC3E}">
+        <p14:creationId xmlns:p14="http://schemas.microsoft.com/office/powerpoint/2010/main" val="668365511"/>
+      </p:ext>
+    </p:extLst>
+  </p:cSld>
+  <p:clrMapOvr>
+    <a:masterClrMapping/>
+  </p:clrMapOvr>
+</p:sldLayout>
+</file>
+
+<file path=ppt/slideLayouts/slideLayout11.xml><?xml version="1.0" encoding="utf-8"?>
+<p:sldLayout xmlns:a="http://schemas.openxmlformats.org/drawingml/2006/main" xmlns:r="http://schemas.openxmlformats.org/officeDocument/2006/relationships" xmlns:p="http://schemas.openxmlformats.org/presentationml/2006/main" preserve="1">
+  <p:cSld name="Quote with Caption">
+    <p:spTree>
+      <p:nvGrpSpPr>
+        <p:cNvPr id="1" name=""/>
+        <p:cNvGrpSpPr/>
+        <p:nvPr/>
+      </p:nvGrpSpPr>
+      <p:grpSpPr>
+        <a:xfrm>
+          <a:off x="0" y="0"/>
+          <a:ext cx="0" cy="0"/>
+          <a:chOff x="0" y="0"/>
+          <a:chExt cx="0" cy="0"/>
+        </a:xfrm>
+      </p:grpSpPr>
+      <p:sp>
+        <p:nvSpPr>
+          <p:cNvPr id="2" name="Title 1"/>
+          <p:cNvSpPr>
+            <a:spLocks noGrp="1"/>
+          </p:cNvSpPr>
+          <p:nvPr>
+            <p:ph type="title"/>
+          </p:nvPr>
+        </p:nvSpPr>
+        <p:spPr>
+          <a:xfrm>
+            <a:off x="2849949" y="609600"/>
+            <a:ext cx="8393926" cy="2895600"/>
+          </a:xfrm>
+        </p:spPr>
+        <p:txBody>
+          <a:bodyPr anchor="ctr">
+            <a:normAutofit/>
+          </a:bodyPr>
+          <a:lstStyle>
+            <a:lvl1pPr algn="l">
+              <a:defRPr sz="4800" b="0" cap="none"/>
+            </a:lvl1pPr>
+          </a:lstStyle>
+          <a:p>
+            <a:r>
+              <a:rPr lang="en-US" smtClean="0"/>
+              <a:t>Click to edit Master title style</a:t>
+            </a:r>
+            <a:endParaRPr lang="en-US" dirty="0"/>
+          </a:p>
+        </p:txBody>
+      </p:sp>
+      <p:sp>
+        <p:nvSpPr>
+          <p:cNvPr id="13" name="Text Placeholder 9"/>
+          <p:cNvSpPr>
+            <a:spLocks noGrp="1"/>
+          </p:cNvSpPr>
+          <p:nvPr>
+            <p:ph type="body" sz="quarter" idx="13"/>
+          </p:nvPr>
+        </p:nvSpPr>
+        <p:spPr>
+          <a:xfrm>
+            <a:off x="3275012" y="3505200"/>
+            <a:ext cx="7536554" cy="381000"/>
+          </a:xfrm>
+        </p:spPr>
+        <p:txBody>
+          <a:bodyPr anchor="ctr">
+            <a:noAutofit/>
+          </a:bodyPr>
+          <a:lstStyle>
+            <a:lvl1pPr marL="0" indent="0">
+              <a:buFontTx/>
+              <a:buNone/>
+              <a:defRPr sz="1600">
+                <a:solidFill>
+                  <a:schemeClr val="tx1">
+                    <a:lumMod val="50000"/>
+                    <a:lumOff val="50000"/>
+                  </a:schemeClr>
+                </a:solidFill>
+              </a:defRPr>
+            </a:lvl1pPr>
+            <a:lvl2pPr marL="457200" indent="0">
+              <a:buFontTx/>
+              <a:buNone/>
+              <a:defRPr/>
+            </a:lvl2pPr>
+            <a:lvl3pPr marL="914400" indent="0">
+              <a:buFontTx/>
+              <a:buNone/>
+              <a:defRPr/>
+            </a:lvl3pPr>
+            <a:lvl4pPr marL="1371600" indent="0">
+              <a:buFontTx/>
+              <a:buNone/>
+              <a:defRPr/>
+            </a:lvl4pPr>
+            <a:lvl5pPr marL="1828800" indent="0">
+              <a:buFontTx/>
+              <a:buNone/>
+              <a:defRPr/>
+            </a:lvl5pPr>
+          </a:lstStyle>
+          <a:p>
+            <a:pPr lvl="0"/>
+            <a:r>
+              <a:rPr lang="en-US" smtClean="0"/>
+              <a:t>Click to edit Master text styles</a:t>
+            </a:r>
+          </a:p>
+        </p:txBody>
+      </p:sp>
+      <p:sp>
+        <p:nvSpPr>
+          <p:cNvPr id="3" name="Text Placeholder 2"/>
+          <p:cNvSpPr>
+            <a:spLocks noGrp="1"/>
+          </p:cNvSpPr>
+          <p:nvPr>
+            <p:ph type="body" idx="1"/>
+          </p:nvPr>
+        </p:nvSpPr>
+        <p:spPr>
+          <a:xfrm>
+            <a:off x="2589212" y="4354046"/>
+            <a:ext cx="8915399" cy="1555864"/>
+          </a:xfrm>
+        </p:spPr>
+        <p:txBody>
+          <a:bodyPr anchor="ctr">
+            <a:normAutofit/>
+          </a:bodyPr>
+          <a:lstStyle>
+            <a:lvl1pPr marL="0" indent="0" algn="l">
+              <a:buNone/>
+              <a:defRPr sz="1800">
+                <a:solidFill>
+                  <a:schemeClr val="tx1">
+                    <a:lumMod val="65000"/>
+                    <a:lumOff val="35000"/>
+                  </a:schemeClr>
+                </a:solidFill>
+              </a:defRPr>
+            </a:lvl1pPr>
+            <a:lvl2pPr marL="457200" indent="0">
+              <a:buNone/>
+              <a:defRPr sz="1800">
+                <a:solidFill>
+                  <a:schemeClr val="tx1">
+                    <a:tint val="75000"/>
+                  </a:schemeClr>
+                </a:solidFill>
+              </a:defRPr>
+            </a:lvl2pPr>
+            <a:lvl3pPr marL="914400" indent="0">
+              <a:buNone/>
+              <a:defRPr sz="1600">
+                <a:solidFill>
+                  <a:schemeClr val="tx1">
+                    <a:tint val="75000"/>
+                  </a:schemeClr>
+                </a:solidFill>
+              </a:defRPr>
+            </a:lvl3pPr>
+            <a:lvl4pPr marL="1371600" indent="0">
+              <a:buNone/>
+              <a:defRPr sz="1400">
+                <a:solidFill>
+                  <a:schemeClr val="tx1">
+                    <a:tint val="75000"/>
+                  </a:schemeClr>
+                </a:solidFill>
+              </a:defRPr>
+            </a:lvl4pPr>
+            <a:lvl5pPr marL="1828800" indent="0">
+              <a:buNone/>
+              <a:defRPr sz="1400">
+                <a:solidFill>
+                  <a:schemeClr val="tx1">
+                    <a:tint val="75000"/>
+                  </a:schemeClr>
+                </a:solidFill>
+              </a:defRPr>
+            </a:lvl5pPr>
+            <a:lvl6pPr marL="2286000" indent="0">
+              <a:buNone/>
+              <a:defRPr sz="1400">
+                <a:solidFill>
+                  <a:schemeClr val="tx1">
+                    <a:tint val="75000"/>
+                  </a:schemeClr>
+                </a:solidFill>
+              </a:defRPr>
+            </a:lvl6pPr>
+            <a:lvl7pPr marL="2743200" indent="0">
+              <a:buNone/>
+              <a:defRPr sz="1400">
+                <a:solidFill>
+                  <a:schemeClr val="tx1">
+                    <a:tint val="75000"/>
+                  </a:schemeClr>
+                </a:solidFill>
+              </a:defRPr>
+            </a:lvl7pPr>
+            <a:lvl8pPr marL="3200400" indent="0">
+              <a:buNone/>
+              <a:defRPr sz="1400">
+                <a:solidFill>
+                  <a:schemeClr val="tx1">
+                    <a:tint val="75000"/>
+                  </a:schemeClr>
+                </a:solidFill>
+              </a:defRPr>
+            </a:lvl8pPr>
+            <a:lvl9pPr marL="3657600" indent="0">
+              <a:buNone/>
+              <a:defRPr sz="1400">
+                <a:solidFill>
+                  <a:schemeClr val="tx1">
+                    <a:tint val="75000"/>
+                  </a:schemeClr>
+                </a:solidFill>
+              </a:defRPr>
+            </a:lvl9pPr>
+          </a:lstStyle>
+          <a:p>
+            <a:pPr lvl="0"/>
+            <a:r>
+              <a:rPr lang="en-US" smtClean="0"/>
+              <a:t>Click to edit Master text styles</a:t>
+            </a:r>
+          </a:p>
+        </p:txBody>
+      </p:sp>
+      <p:sp>
+        <p:nvSpPr>
+          <p:cNvPr id="4" name="Date Placeholder 3"/>
+          <p:cNvSpPr>
+            <a:spLocks noGrp="1"/>
+          </p:cNvSpPr>
+          <p:nvPr>
+            <p:ph type="dt" sz="half" idx="10"/>
+          </p:nvPr>
+        </p:nvSpPr>
+        <p:spPr/>
+        <p:txBody>
+          <a:bodyPr/>
+          <a:lstStyle/>
+          <a:p>
+            <a:fld id="{1FBC307E-BFDF-4D62-B554-0C8B7619B15D}" type="datetimeFigureOut">
+              <a:rPr lang="en-US" smtClean="0"/>
+              <a:t>11/6/2014</a:t>
+            </a:fld>
+            <a:endParaRPr lang="en-US"/>
+          </a:p>
+        </p:txBody>
+      </p:sp>
+      <p:sp>
+        <p:nvSpPr>
+          <p:cNvPr id="5" name="Footer Placeholder 4"/>
+          <p:cNvSpPr>
+            <a:spLocks noGrp="1"/>
+          </p:cNvSpPr>
+          <p:nvPr>
+            <p:ph type="ftr" sz="quarter" idx="11"/>
+          </p:nvPr>
+        </p:nvSpPr>
+        <p:spPr/>
+        <p:txBody>
+          <a:bodyPr/>
+          <a:lstStyle/>
+          <a:p>
+            <a:endParaRPr lang="en-US"/>
+          </a:p>
+        </p:txBody>
+      </p:sp>
+      <p:sp>
+        <p:nvSpPr>
+          <p:cNvPr id="11" name="Freeform 11"/>
+          <p:cNvSpPr/>
+          <p:nvPr/>
+        </p:nvSpPr>
+        <p:spPr bwMode="auto">
+          <a:xfrm flipV="1">
+            <a:off x="-4189" y="3178175"/>
+            <a:ext cx="1588527" cy="507297"/>
+          </a:xfrm>
+          <a:custGeom>
+            <a:avLst/>
+            <a:gdLst/>
+            <a:ahLst/>
+            <a:cxnLst/>
+            <a:rect l="l" t="t" r="r" b="b"/>
+            <a:pathLst>
+              <a:path w="9248" h="10000">
+                <a:moveTo>
+                  <a:pt x="9248" y="4701"/>
+                </a:moveTo>
+                <a:lnTo>
+                  <a:pt x="7915" y="188"/>
+                </a:lnTo>
+                <a:cubicBezTo>
+                  <a:pt x="7906" y="156"/>
+                  <a:pt x="7895" y="126"/>
+                  <a:pt x="7886" y="94"/>
+                </a:cubicBezTo>
+                <a:cubicBezTo>
+                  <a:pt x="7859" y="0"/>
+                  <a:pt x="7831" y="0"/>
+                  <a:pt x="7803" y="0"/>
+                </a:cubicBezTo>
+                <a:lnTo>
+                  <a:pt x="7275" y="0"/>
+                </a:lnTo>
+                <a:lnTo>
+                  <a:pt x="0" y="70"/>
+                </a:lnTo>
+                <a:cubicBezTo>
+                  <a:pt x="8" y="3380"/>
+                  <a:pt x="17" y="6690"/>
+                  <a:pt x="25" y="10000"/>
+                </a:cubicBezTo>
+                <a:lnTo>
+                  <a:pt x="7275" y="9966"/>
+                </a:lnTo>
+                <a:lnTo>
+                  <a:pt x="7803" y="9966"/>
+                </a:lnTo>
+                <a:cubicBezTo>
+                  <a:pt x="7831" y="9966"/>
+                  <a:pt x="7859" y="9872"/>
+                  <a:pt x="7886" y="9872"/>
+                </a:cubicBezTo>
+                <a:cubicBezTo>
+                  <a:pt x="7886" y="9778"/>
+                  <a:pt x="7915" y="9778"/>
+                  <a:pt x="7915" y="9778"/>
+                </a:cubicBezTo>
+                <a:lnTo>
+                  <a:pt x="9248" y="5265"/>
+                </a:lnTo>
+                <a:cubicBezTo>
+                  <a:pt x="9303" y="5077"/>
+                  <a:pt x="9303" y="4889"/>
+                  <a:pt x="9248" y="4701"/>
+                </a:cubicBezTo>
+                <a:close/>
+              </a:path>
+            </a:pathLst>
+          </a:custGeom>
+          <a:solidFill>
+            <a:schemeClr val="accent1"/>
+          </a:solidFill>
+          <a:ln>
+            <a:noFill/>
+          </a:ln>
+        </p:spPr>
+      </p:sp>
+      <p:sp>
+        <p:nvSpPr>
+          <p:cNvPr id="6" name="Slide Number Placeholder 5"/>
+          <p:cNvSpPr>
+            <a:spLocks noGrp="1"/>
+          </p:cNvSpPr>
+          <p:nvPr>
+            <p:ph type="sldNum" sz="quarter" idx="12"/>
+          </p:nvPr>
+        </p:nvSpPr>
+        <p:spPr>
+          <a:xfrm>
+            <a:off x="531812" y="3244139"/>
+            <a:ext cx="779767" cy="365125"/>
+          </a:xfrm>
+        </p:spPr>
+        <p:txBody>
+          <a:bodyPr/>
+          <a:lstStyle/>
+          <a:p>
+            <a:fld id="{2372CF6B-33AB-402F-AB86-699C0022DD94}" type="slidenum">
+              <a:rPr lang="en-US" smtClean="0"/>
+              <a:t>‹#›</a:t>
+            </a:fld>
+            <a:endParaRPr lang="en-US"/>
+          </a:p>
+        </p:txBody>
+      </p:sp>
+      <p:sp>
+        <p:nvSpPr>
+          <p:cNvPr id="14" name="TextBox 13"/>
+          <p:cNvSpPr txBox="1"/>
+          <p:nvPr/>
+        </p:nvSpPr>
+        <p:spPr>
+          <a:xfrm>
+            <a:off x="2467652" y="648005"/>
+            <a:ext cx="609600" cy="584776"/>
+          </a:xfrm>
+          <a:prstGeom prst="rect">
+            <a:avLst/>
+          </a:prstGeom>
+        </p:spPr>
+        <p:txBody>
+          <a:bodyPr vert="horz" lIns="91440" tIns="45720" rIns="91440" bIns="45720" rtlCol="0" anchor="ctr">
+            <a:noAutofit/>
+          </a:bodyPr>
+          <a:lstStyle/>
+          <a:p>
+            <a:pPr lvl="0"/>
+            <a:r>
+              <a:rPr lang="en-US" sz="8000" baseline="0" dirty="0">
+                <a:ln w="3175" cmpd="sng">
+                  <a:noFill/>
+                </a:ln>
+                <a:solidFill>
+                  <a:schemeClr val="accent1"/>
+                </a:solidFill>
+                <a:effectLst/>
+                <a:latin typeface="Arial"/>
+              </a:rPr>
+              <a:t>“</a:t>
+            </a:r>
+          </a:p>
+        </p:txBody>
+      </p:sp>
+      <p:sp>
+        <p:nvSpPr>
+          <p:cNvPr id="15" name="TextBox 14"/>
+          <p:cNvSpPr txBox="1"/>
+          <p:nvPr/>
+        </p:nvSpPr>
+        <p:spPr>
+          <a:xfrm>
+            <a:off x="11114852" y="2905306"/>
+            <a:ext cx="609600" cy="584776"/>
+          </a:xfrm>
+          <a:prstGeom prst="rect">
+            <a:avLst/>
+          </a:prstGeom>
+        </p:spPr>
+        <p:txBody>
+          <a:bodyPr vert="horz" lIns="91440" tIns="45720" rIns="91440" bIns="45720" rtlCol="0" anchor="ctr">
+            <a:noAutofit/>
+          </a:bodyPr>
+          <a:lstStyle/>
+          <a:p>
+            <a:pPr lvl="0"/>
+            <a:r>
+              <a:rPr lang="en-US" sz="8000" baseline="0" dirty="0">
+                <a:ln w="3175" cmpd="sng">
+                  <a:noFill/>
+                </a:ln>
+                <a:solidFill>
+                  <a:schemeClr val="accent1"/>
+                </a:solidFill>
+                <a:effectLst/>
+                <a:latin typeface="Arial"/>
+              </a:rPr>
+              <a:t>”</a:t>
+            </a:r>
+          </a:p>
+        </p:txBody>
+      </p:sp>
+    </p:spTree>
+    <p:extLst>
+      <p:ext uri="{BB962C8B-B14F-4D97-AF65-F5344CB8AC3E}">
+        <p14:creationId xmlns:p14="http://schemas.microsoft.com/office/powerpoint/2010/main" val="3513280707"/>
+      </p:ext>
+    </p:extLst>
+  </p:cSld>
+  <p:clrMapOvr>
+    <a:masterClrMapping/>
+  </p:clrMapOvr>
+</p:sldLayout>
+</file>
+
+<file path=ppt/slideLayouts/slideLayout12.xml><?xml version="1.0" encoding="utf-8"?>
+<p:sldLayout xmlns:a="http://schemas.openxmlformats.org/drawingml/2006/main" xmlns:r="http://schemas.openxmlformats.org/officeDocument/2006/relationships" xmlns:p="http://schemas.openxmlformats.org/presentationml/2006/main" preserve="1">
+  <p:cSld name="Name Card">
+    <p:spTree>
+      <p:nvGrpSpPr>
+        <p:cNvPr id="1" name=""/>
+        <p:cNvGrpSpPr/>
+        <p:nvPr/>
+      </p:nvGrpSpPr>
+      <p:grpSpPr>
+        <a:xfrm>
+          <a:off x="0" y="0"/>
+          <a:ext cx="0" cy="0"/>
+          <a:chOff x="0" y="0"/>
+          <a:chExt cx="0" cy="0"/>
+        </a:xfrm>
+      </p:grpSpPr>
+      <p:sp>
+        <p:nvSpPr>
+          <p:cNvPr id="2" name="Title 1"/>
+          <p:cNvSpPr>
+            <a:spLocks noGrp="1"/>
+          </p:cNvSpPr>
+          <p:nvPr>
+            <p:ph type="title"/>
+          </p:nvPr>
+        </p:nvSpPr>
+        <p:spPr>
+          <a:xfrm>
+            <a:off x="2589213" y="2438400"/>
+            <a:ext cx="8915400" cy="2724845"/>
+          </a:xfrm>
+        </p:spPr>
+        <p:txBody>
+          <a:bodyPr anchor="b">
+            <a:normAutofit/>
+          </a:bodyPr>
+          <a:lstStyle>
+            <a:lvl1pPr algn="l">
+              <a:defRPr sz="4800" b="0"/>
+            </a:lvl1pPr>
+          </a:lstStyle>
+          <a:p>
+            <a:r>
+              <a:rPr lang="en-US" smtClean="0"/>
+              <a:t>Click to edit Master title style</a:t>
+            </a:r>
+            <a:endParaRPr lang="en-US" dirty="0"/>
+          </a:p>
+        </p:txBody>
+      </p:sp>
+      <p:sp>
+        <p:nvSpPr>
+          <p:cNvPr id="4" name="Text Placeholder 3"/>
+          <p:cNvSpPr>
+            <a:spLocks noGrp="1"/>
+          </p:cNvSpPr>
+          <p:nvPr>
+            <p:ph type="body" sz="half" idx="2"/>
+          </p:nvPr>
+        </p:nvSpPr>
+        <p:spPr>
+          <a:xfrm>
+            <a:off x="2589213" y="5181600"/>
+            <a:ext cx="8915400" cy="729622"/>
+          </a:xfrm>
+        </p:spPr>
+        <p:txBody>
+          <a:bodyPr vert="horz" lIns="91440" tIns="45720" rIns="91440" bIns="45720" rtlCol="0" anchor="t">
+            <a:normAutofit/>
+          </a:bodyPr>
+          <a:lstStyle>
+            <a:lvl1pPr>
+              <a:buNone/>
+              <a:defRPr lang="en-US">
+                <a:solidFill>
+                  <a:schemeClr val="tx1">
+                    <a:lumMod val="65000"/>
+                    <a:lumOff val="35000"/>
+                  </a:schemeClr>
+                </a:solidFill>
+              </a:defRPr>
+            </a:lvl1pPr>
+          </a:lstStyle>
+          <a:p>
+            <a:pPr marL="0" lvl="0" indent="0">
+              <a:buNone/>
+            </a:pPr>
+            <a:r>
+              <a:rPr lang="en-US" smtClean="0"/>
+              <a:t>Click to edit Master text styles</a:t>
+            </a:r>
+          </a:p>
+        </p:txBody>
+      </p:sp>
+      <p:sp>
+        <p:nvSpPr>
+          <p:cNvPr id="5" name="Date Placeholder 4"/>
+          <p:cNvSpPr>
+            <a:spLocks noGrp="1"/>
+          </p:cNvSpPr>
+          <p:nvPr>
+            <p:ph type="dt" sz="half" idx="10"/>
+          </p:nvPr>
+        </p:nvSpPr>
+        <p:spPr/>
+        <p:txBody>
+          <a:bodyPr/>
+          <a:lstStyle/>
+          <a:p>
+            <a:fld id="{1FBC307E-BFDF-4D62-B554-0C8B7619B15D}" type="datetimeFigureOut">
+              <a:rPr lang="en-US" smtClean="0"/>
+              <a:t>11/6/2014</a:t>
+            </a:fld>
+            <a:endParaRPr lang="en-US"/>
+          </a:p>
+        </p:txBody>
+      </p:sp>
+      <p:sp>
+        <p:nvSpPr>
+          <p:cNvPr id="6" name="Footer Placeholder 5"/>
+          <p:cNvSpPr>
+            <a:spLocks noGrp="1"/>
+          </p:cNvSpPr>
+          <p:nvPr>
+            <p:ph type="ftr" sz="quarter" idx="11"/>
+          </p:nvPr>
+        </p:nvSpPr>
+        <p:spPr/>
+        <p:txBody>
+          <a:bodyPr/>
+          <a:lstStyle/>
+          <a:p>
+            <a:endParaRPr lang="en-US"/>
+          </a:p>
+        </p:txBody>
+      </p:sp>
+      <p:sp>
+        <p:nvSpPr>
+          <p:cNvPr id="9" name="Freeform 11"/>
+          <p:cNvSpPr/>
+          <p:nvPr/>
+        </p:nvSpPr>
+        <p:spPr bwMode="auto">
+          <a:xfrm flipV="1">
+            <a:off x="-4189" y="4911725"/>
+            <a:ext cx="1588527" cy="507297"/>
+          </a:xfrm>
+          <a:custGeom>
+            <a:avLst/>
+            <a:gdLst/>
+            <a:ahLst/>
+            <a:cxnLst/>
+            <a:rect l="l" t="t" r="r" b="b"/>
+            <a:pathLst>
+              <a:path w="9248" h="10000">
+                <a:moveTo>
+                  <a:pt x="9248" y="4701"/>
+                </a:moveTo>
+                <a:lnTo>
+                  <a:pt x="7915" y="188"/>
+                </a:lnTo>
+                <a:cubicBezTo>
+                  <a:pt x="7906" y="156"/>
+                  <a:pt x="7895" y="126"/>
+                  <a:pt x="7886" y="94"/>
+                </a:cubicBezTo>
+                <a:cubicBezTo>
+                  <a:pt x="7859" y="0"/>
+                  <a:pt x="7831" y="0"/>
+                  <a:pt x="7803" y="0"/>
+                </a:cubicBezTo>
+                <a:lnTo>
+                  <a:pt x="7275" y="0"/>
+                </a:lnTo>
+                <a:lnTo>
+                  <a:pt x="0" y="70"/>
+                </a:lnTo>
+                <a:cubicBezTo>
+                  <a:pt x="8" y="3380"/>
+                  <a:pt x="17" y="6690"/>
+                  <a:pt x="25" y="10000"/>
+                </a:cubicBezTo>
+                <a:lnTo>
+                  <a:pt x="7275" y="9966"/>
+                </a:lnTo>
+                <a:lnTo>
+                  <a:pt x="7803" y="9966"/>
+                </a:lnTo>
+                <a:cubicBezTo>
+                  <a:pt x="7831" y="9966"/>
+                  <a:pt x="7859" y="9872"/>
+                  <a:pt x="7886" y="9872"/>
+                </a:cubicBezTo>
+                <a:cubicBezTo>
+                  <a:pt x="7886" y="9778"/>
+                  <a:pt x="7915" y="9778"/>
+                  <a:pt x="7915" y="9778"/>
+                </a:cubicBezTo>
+                <a:lnTo>
+                  <a:pt x="9248" y="5265"/>
+                </a:lnTo>
+                <a:cubicBezTo>
+                  <a:pt x="9303" y="5077"/>
+                  <a:pt x="9303" y="4889"/>
+                  <a:pt x="9248" y="4701"/>
+                </a:cubicBezTo>
+                <a:close/>
+              </a:path>
+            </a:pathLst>
+          </a:custGeom>
+          <a:solidFill>
+            <a:schemeClr val="accent1"/>
+          </a:solidFill>
+          <a:ln>
+            <a:noFill/>
+          </a:ln>
+        </p:spPr>
+      </p:sp>
+      <p:sp>
+        <p:nvSpPr>
+          <p:cNvPr id="7" name="Slide Number Placeholder 6"/>
+          <p:cNvSpPr>
+            <a:spLocks noGrp="1"/>
+          </p:cNvSpPr>
+          <p:nvPr>
+            <p:ph type="sldNum" sz="quarter" idx="12"/>
+          </p:nvPr>
+        </p:nvSpPr>
+        <p:spPr>
+          <a:xfrm>
+            <a:off x="531812" y="4983087"/>
+            <a:ext cx="779767" cy="365125"/>
+          </a:xfrm>
+        </p:spPr>
+        <p:txBody>
+          <a:bodyPr/>
+          <a:lstStyle/>
+          <a:p>
+            <a:fld id="{2372CF6B-33AB-402F-AB86-699C0022DD94}" type="slidenum">
+              <a:rPr lang="en-US" smtClean="0"/>
+              <a:t>‹#›</a:t>
+            </a:fld>
+            <a:endParaRPr lang="en-US"/>
+          </a:p>
+        </p:txBody>
+      </p:sp>
+    </p:spTree>
+    <p:extLst>
+      <p:ext uri="{BB962C8B-B14F-4D97-AF65-F5344CB8AC3E}">
+        <p14:creationId xmlns:p14="http://schemas.microsoft.com/office/powerpoint/2010/main" val="3583908856"/>
+      </p:ext>
+    </p:extLst>
+  </p:cSld>
+  <p:clrMapOvr>
+    <a:masterClrMapping/>
+  </p:clrMapOvr>
+</p:sldLayout>
+</file>
+
+<file path=ppt/slideLayouts/slideLayout13.xml><?xml version="1.0" encoding="utf-8"?>
+<p:sldLayout xmlns:a="http://schemas.openxmlformats.org/drawingml/2006/main" xmlns:r="http://schemas.openxmlformats.org/officeDocument/2006/relationships" xmlns:p="http://schemas.openxmlformats.org/presentationml/2006/main" preserve="1">
+  <p:cSld name="Quote Name Card">
+    <p:spTree>
+      <p:nvGrpSpPr>
+        <p:cNvPr id="1" name=""/>
+        <p:cNvGrpSpPr/>
+        <p:nvPr/>
+      </p:nvGrpSpPr>
+      <p:grpSpPr>
+        <a:xfrm>
+          <a:off x="0" y="0"/>
+          <a:ext cx="0" cy="0"/>
+          <a:chOff x="0" y="0"/>
+          <a:chExt cx="0" cy="0"/>
+        </a:xfrm>
+      </p:grpSpPr>
+      <p:sp>
+        <p:nvSpPr>
+          <p:cNvPr id="12" name="Title 1"/>
+          <p:cNvSpPr>
+            <a:spLocks noGrp="1"/>
+          </p:cNvSpPr>
+          <p:nvPr>
+            <p:ph type="title"/>
+          </p:nvPr>
+        </p:nvSpPr>
+        <p:spPr>
+          <a:xfrm>
+            <a:off x="2849949" y="609600"/>
+            <a:ext cx="8393926" cy="2895600"/>
+          </a:xfrm>
+        </p:spPr>
+        <p:txBody>
+          <a:bodyPr anchor="ctr">
+            <a:normAutofit/>
+          </a:bodyPr>
+          <a:lstStyle>
+            <a:lvl1pPr algn="l">
+              <a:defRPr sz="4800" b="0" cap="none"/>
+            </a:lvl1pPr>
+          </a:lstStyle>
+          <a:p>
+            <a:r>
+              <a:rPr lang="en-US" smtClean="0"/>
+              <a:t>Click to edit Master title style</a:t>
+            </a:r>
+            <a:endParaRPr lang="en-US" dirty="0"/>
+          </a:p>
+        </p:txBody>
+      </p:sp>
+      <p:sp>
+        <p:nvSpPr>
+          <p:cNvPr id="21" name="Text Placeholder 9"/>
+          <p:cNvSpPr>
+            <a:spLocks noGrp="1"/>
+          </p:cNvSpPr>
+          <p:nvPr>
+            <p:ph type="body" sz="quarter" idx="13"/>
+          </p:nvPr>
+        </p:nvSpPr>
+        <p:spPr>
+          <a:xfrm>
+            <a:off x="2589212" y="4343400"/>
+            <a:ext cx="8915400" cy="838200"/>
+          </a:xfrm>
+        </p:spPr>
+        <p:txBody>
+          <a:bodyPr anchor="b">
+            <a:noAutofit/>
+          </a:bodyPr>
+          <a:lstStyle>
+            <a:lvl1pPr marL="0" indent="0">
+              <a:buFontTx/>
+              <a:buNone/>
+              <a:defRPr sz="2400">
+                <a:solidFill>
+                  <a:schemeClr val="accent1"/>
+                </a:solidFill>
+              </a:defRPr>
+            </a:lvl1pPr>
+            <a:lvl2pPr marL="457200" indent="0">
+              <a:buFontTx/>
+              <a:buNone/>
+              <a:defRPr/>
+            </a:lvl2pPr>
+            <a:lvl3pPr marL="914400" indent="0">
+              <a:buFontTx/>
+              <a:buNone/>
+              <a:defRPr/>
+            </a:lvl3pPr>
+            <a:lvl4pPr marL="1371600" indent="0">
+              <a:buFontTx/>
+              <a:buNone/>
+              <a:defRPr/>
+            </a:lvl4pPr>
+            <a:lvl5pPr marL="1828800" indent="0">
+              <a:buFontTx/>
+              <a:buNone/>
+              <a:defRPr/>
+            </a:lvl5pPr>
+          </a:lstStyle>
+          <a:p>
+            <a:pPr lvl="0"/>
+            <a:r>
+              <a:rPr lang="en-US" smtClean="0"/>
+              <a:t>Click to edit Master text styles</a:t>
+            </a:r>
+          </a:p>
+        </p:txBody>
+      </p:sp>
+      <p:sp>
+        <p:nvSpPr>
+          <p:cNvPr id="4" name="Text Placeholder 3"/>
+          <p:cNvSpPr>
+            <a:spLocks noGrp="1"/>
+          </p:cNvSpPr>
+          <p:nvPr>
+            <p:ph type="body" sz="half" idx="2"/>
+          </p:nvPr>
+        </p:nvSpPr>
+        <p:spPr>
+          <a:xfrm>
+            <a:off x="2589213" y="5181600"/>
+            <a:ext cx="8915400" cy="729622"/>
+          </a:xfrm>
+        </p:spPr>
+        <p:txBody>
+          <a:bodyPr vert="horz" lIns="91440" tIns="45720" rIns="91440" bIns="45720" rtlCol="0" anchor="t">
+            <a:normAutofit/>
+          </a:bodyPr>
+          <a:lstStyle>
+            <a:lvl1pPr>
+              <a:buNone/>
+              <a:defRPr lang="en-US">
+                <a:solidFill>
+                  <a:schemeClr val="tx1">
+                    <a:lumMod val="65000"/>
+                    <a:lumOff val="35000"/>
+                  </a:schemeClr>
+                </a:solidFill>
+              </a:defRPr>
+            </a:lvl1pPr>
+          </a:lstStyle>
+          <a:p>
+            <a:pPr marL="0" lvl="0" indent="0">
+              <a:buNone/>
+            </a:pPr>
+            <a:r>
+              <a:rPr lang="en-US" smtClean="0"/>
+              <a:t>Click to edit Master text styles</a:t>
+            </a:r>
+          </a:p>
+        </p:txBody>
+      </p:sp>
+      <p:sp>
+        <p:nvSpPr>
+          <p:cNvPr id="5" name="Date Placeholder 4"/>
+          <p:cNvSpPr>
+            <a:spLocks noGrp="1"/>
+          </p:cNvSpPr>
+          <p:nvPr>
+            <p:ph type="dt" sz="half" idx="10"/>
+          </p:nvPr>
+        </p:nvSpPr>
+        <p:spPr/>
+        <p:txBody>
+          <a:bodyPr/>
+          <a:lstStyle/>
+          <a:p>
+            <a:fld id="{1FBC307E-BFDF-4D62-B554-0C8B7619B15D}" type="datetimeFigureOut">
+              <a:rPr lang="en-US" smtClean="0"/>
+              <a:t>11/6/2014</a:t>
+            </a:fld>
+            <a:endParaRPr lang="en-US"/>
+          </a:p>
+        </p:txBody>
+      </p:sp>
+      <p:sp>
+        <p:nvSpPr>
+          <p:cNvPr id="6" name="Footer Placeholder 5"/>
+          <p:cNvSpPr>
+            <a:spLocks noGrp="1"/>
+          </p:cNvSpPr>
+          <p:nvPr>
+            <p:ph type="ftr" sz="quarter" idx="11"/>
+          </p:nvPr>
+        </p:nvSpPr>
+        <p:spPr/>
+        <p:txBody>
+          <a:bodyPr/>
+          <a:lstStyle/>
+          <a:p>
+            <a:endParaRPr lang="en-US"/>
+          </a:p>
+        </p:txBody>
+      </p:sp>
+      <p:sp>
+        <p:nvSpPr>
+          <p:cNvPr id="11" name="Freeform 11"/>
+          <p:cNvSpPr/>
+          <p:nvPr/>
+        </p:nvSpPr>
+        <p:spPr bwMode="auto">
+          <a:xfrm flipV="1">
+            <a:off x="-4189" y="4911725"/>
+            <a:ext cx="1588527" cy="507297"/>
+          </a:xfrm>
+          <a:custGeom>
+            <a:avLst/>
+            <a:gdLst/>
+            <a:ahLst/>
+            <a:cxnLst/>
+            <a:rect l="l" t="t" r="r" b="b"/>
+            <a:pathLst>
+              <a:path w="9248" h="10000">
+                <a:moveTo>
+                  <a:pt x="9248" y="4701"/>
+                </a:moveTo>
+                <a:lnTo>
+                  <a:pt x="7915" y="188"/>
+                </a:lnTo>
+                <a:cubicBezTo>
+                  <a:pt x="7906" y="156"/>
+                  <a:pt x="7895" y="126"/>
+                  <a:pt x="7886" y="94"/>
+                </a:cubicBezTo>
+                <a:cubicBezTo>
+                  <a:pt x="7859" y="0"/>
+                  <a:pt x="7831" y="0"/>
+                  <a:pt x="7803" y="0"/>
+                </a:cubicBezTo>
+                <a:lnTo>
+                  <a:pt x="7275" y="0"/>
+                </a:lnTo>
+                <a:lnTo>
+                  <a:pt x="0" y="70"/>
+                </a:lnTo>
+                <a:cubicBezTo>
+                  <a:pt x="8" y="3380"/>
+                  <a:pt x="17" y="6690"/>
+                  <a:pt x="25" y="10000"/>
+                </a:cubicBezTo>
+                <a:lnTo>
+                  <a:pt x="7275" y="9966"/>
+                </a:lnTo>
+                <a:lnTo>
+                  <a:pt x="7803" y="9966"/>
+                </a:lnTo>
+                <a:cubicBezTo>
+                  <a:pt x="7831" y="9966"/>
+                  <a:pt x="7859" y="9872"/>
+                  <a:pt x="7886" y="9872"/>
+                </a:cubicBezTo>
+                <a:cubicBezTo>
+                  <a:pt x="7886" y="9778"/>
+                  <a:pt x="7915" y="9778"/>
+                  <a:pt x="7915" y="9778"/>
+                </a:cubicBezTo>
+                <a:lnTo>
+                  <a:pt x="9248" y="5265"/>
+                </a:lnTo>
+                <a:cubicBezTo>
+                  <a:pt x="9303" y="5077"/>
+                  <a:pt x="9303" y="4889"/>
+                  <a:pt x="9248" y="4701"/>
+                </a:cubicBezTo>
+                <a:close/>
+              </a:path>
+            </a:pathLst>
+          </a:custGeom>
+          <a:solidFill>
+            <a:schemeClr val="accent1"/>
+          </a:solidFill>
+          <a:ln>
+            <a:noFill/>
+          </a:ln>
+        </p:spPr>
+      </p:sp>
+      <p:sp>
+        <p:nvSpPr>
+          <p:cNvPr id="7" name="Slide Number Placeholder 6"/>
+          <p:cNvSpPr>
+            <a:spLocks noGrp="1"/>
+          </p:cNvSpPr>
+          <p:nvPr>
+            <p:ph type="sldNum" sz="quarter" idx="12"/>
+          </p:nvPr>
+        </p:nvSpPr>
+        <p:spPr>
+          <a:xfrm>
+            <a:off x="531812" y="4983087"/>
+            <a:ext cx="779767" cy="365125"/>
+          </a:xfrm>
+        </p:spPr>
+        <p:txBody>
+          <a:bodyPr/>
+          <a:lstStyle/>
+          <a:p>
+            <a:fld id="{2372CF6B-33AB-402F-AB86-699C0022DD94}" type="slidenum">
+              <a:rPr lang="en-US" smtClean="0"/>
+              <a:t>‹#›</a:t>
+            </a:fld>
+            <a:endParaRPr lang="en-US"/>
+          </a:p>
+        </p:txBody>
+      </p:sp>
+      <p:sp>
+        <p:nvSpPr>
+          <p:cNvPr id="17" name="TextBox 16"/>
+          <p:cNvSpPr txBox="1"/>
+          <p:nvPr/>
+        </p:nvSpPr>
+        <p:spPr>
+          <a:xfrm>
+            <a:off x="2467652" y="648005"/>
+            <a:ext cx="609600" cy="584776"/>
+          </a:xfrm>
+          <a:prstGeom prst="rect">
+            <a:avLst/>
+          </a:prstGeom>
+        </p:spPr>
+        <p:txBody>
+          <a:bodyPr vert="horz" lIns="91440" tIns="45720" rIns="91440" bIns="45720" rtlCol="0" anchor="ctr">
+            <a:noAutofit/>
+          </a:bodyPr>
+          <a:lstStyle/>
+          <a:p>
+            <a:pPr lvl="0"/>
+            <a:r>
+              <a:rPr lang="en-US" sz="8000" baseline="0" dirty="0">
+                <a:ln w="3175" cmpd="sng">
+                  <a:noFill/>
+                </a:ln>
+                <a:solidFill>
+                  <a:schemeClr val="accent1"/>
+                </a:solidFill>
+                <a:effectLst/>
+                <a:latin typeface="Arial"/>
+              </a:rPr>
+              <a:t>“</a:t>
+            </a:r>
+          </a:p>
+        </p:txBody>
+      </p:sp>
+      <p:sp>
+        <p:nvSpPr>
+          <p:cNvPr id="18" name="TextBox 17"/>
+          <p:cNvSpPr txBox="1"/>
+          <p:nvPr/>
+        </p:nvSpPr>
+        <p:spPr>
+          <a:xfrm>
+            <a:off x="11114852" y="2905306"/>
+            <a:ext cx="609600" cy="584776"/>
+          </a:xfrm>
+          <a:prstGeom prst="rect">
+            <a:avLst/>
+          </a:prstGeom>
+        </p:spPr>
+        <p:txBody>
+          <a:bodyPr vert="horz" lIns="91440" tIns="45720" rIns="91440" bIns="45720" rtlCol="0" anchor="ctr">
+            <a:noAutofit/>
+          </a:bodyPr>
+          <a:lstStyle/>
+          <a:p>
+            <a:pPr lvl="0"/>
+            <a:r>
+              <a:rPr lang="en-US" sz="8000" baseline="0" dirty="0">
+                <a:ln w="3175" cmpd="sng">
+                  <a:noFill/>
+                </a:ln>
+                <a:solidFill>
+                  <a:schemeClr val="accent1"/>
+                </a:solidFill>
+                <a:effectLst/>
+                <a:latin typeface="Arial"/>
+              </a:rPr>
+              <a:t>”</a:t>
+            </a:r>
+          </a:p>
+        </p:txBody>
+      </p:sp>
+    </p:spTree>
+    <p:extLst>
+      <p:ext uri="{BB962C8B-B14F-4D97-AF65-F5344CB8AC3E}">
+        <p14:creationId xmlns:p14="http://schemas.microsoft.com/office/powerpoint/2010/main" val="1775282768"/>
+      </p:ext>
+    </p:extLst>
+  </p:cSld>
+  <p:clrMapOvr>
+    <a:masterClrMapping/>
+  </p:clrMapOvr>
+</p:sldLayout>
+</file>
+
+<file path=ppt/slideLayouts/slideLayout14.xml><?xml version="1.0" encoding="utf-8"?>
+<p:sldLayout xmlns:a="http://schemas.openxmlformats.org/drawingml/2006/main" xmlns:r="http://schemas.openxmlformats.org/officeDocument/2006/relationships" xmlns:p="http://schemas.openxmlformats.org/presentationml/2006/main" preserve="1">
+  <p:cSld name="True or False">
+    <p:spTree>
+      <p:nvGrpSpPr>
+        <p:cNvPr id="1" name=""/>
+        <p:cNvGrpSpPr/>
+        <p:nvPr/>
+      </p:nvGrpSpPr>
+      <p:grpSpPr>
+        <a:xfrm>
+          <a:off x="0" y="0"/>
+          <a:ext cx="0" cy="0"/>
+          <a:chOff x="0" y="0"/>
+          <a:chExt cx="0" cy="0"/>
+        </a:xfrm>
+      </p:grpSpPr>
+      <p:sp>
+        <p:nvSpPr>
+          <p:cNvPr id="2" name="Title 1"/>
+          <p:cNvSpPr>
+            <a:spLocks noGrp="1"/>
+          </p:cNvSpPr>
+          <p:nvPr>
+            <p:ph type="title"/>
+          </p:nvPr>
+        </p:nvSpPr>
+        <p:spPr>
+          <a:xfrm>
+            <a:off x="2589212" y="627407"/>
+            <a:ext cx="8915399" cy="2880020"/>
+          </a:xfrm>
+        </p:spPr>
+        <p:txBody>
+          <a:bodyPr anchor="ctr">
+            <a:normAutofit/>
+          </a:bodyPr>
+          <a:lstStyle>
+            <a:lvl1pPr algn="l">
+              <a:defRPr sz="4800" b="0"/>
+            </a:lvl1pPr>
+          </a:lstStyle>
+          <a:p>
+            <a:r>
+              <a:rPr lang="en-US" smtClean="0"/>
+              <a:t>Click to edit Master title style</a:t>
+            </a:r>
+            <a:endParaRPr lang="en-US" dirty="0"/>
+          </a:p>
+        </p:txBody>
+      </p:sp>
+      <p:sp>
+        <p:nvSpPr>
+          <p:cNvPr id="21" name="Text Placeholder 9"/>
+          <p:cNvSpPr>
+            <a:spLocks noGrp="1"/>
+          </p:cNvSpPr>
+          <p:nvPr>
+            <p:ph type="body" sz="quarter" idx="13"/>
+          </p:nvPr>
+        </p:nvSpPr>
+        <p:spPr>
+          <a:xfrm>
+            <a:off x="2589212" y="4343400"/>
+            <a:ext cx="8915400" cy="838200"/>
+          </a:xfrm>
+        </p:spPr>
+        <p:txBody>
+          <a:bodyPr anchor="b">
+            <a:noAutofit/>
+          </a:bodyPr>
+          <a:lstStyle>
+            <a:lvl1pPr marL="0" indent="0">
+              <a:buFontTx/>
+              <a:buNone/>
+              <a:defRPr sz="2400">
+                <a:solidFill>
+                  <a:schemeClr val="accent1"/>
+                </a:solidFill>
+              </a:defRPr>
+            </a:lvl1pPr>
+            <a:lvl2pPr marL="457200" indent="0">
+              <a:buFontTx/>
+              <a:buNone/>
+              <a:defRPr/>
+            </a:lvl2pPr>
+            <a:lvl3pPr marL="914400" indent="0">
+              <a:buFontTx/>
+              <a:buNone/>
+              <a:defRPr/>
+            </a:lvl3pPr>
+            <a:lvl4pPr marL="1371600" indent="0">
+              <a:buFontTx/>
+              <a:buNone/>
+              <a:defRPr/>
+            </a:lvl4pPr>
+            <a:lvl5pPr marL="1828800" indent="0">
+              <a:buFontTx/>
+              <a:buNone/>
+              <a:defRPr/>
+            </a:lvl5pPr>
+          </a:lstStyle>
+          <a:p>
+            <a:pPr lvl="0"/>
+            <a:r>
+              <a:rPr lang="en-US" smtClean="0"/>
+              <a:t>Click to edit Master text styles</a:t>
+            </a:r>
+          </a:p>
+        </p:txBody>
+      </p:sp>
+      <p:sp>
+        <p:nvSpPr>
+          <p:cNvPr id="4" name="Text Placeholder 3"/>
+          <p:cNvSpPr>
+            <a:spLocks noGrp="1"/>
+          </p:cNvSpPr>
+          <p:nvPr>
+            <p:ph type="body" sz="half" idx="2"/>
+          </p:nvPr>
+        </p:nvSpPr>
+        <p:spPr>
+          <a:xfrm>
+            <a:off x="2589213" y="5181600"/>
+            <a:ext cx="8915400" cy="729622"/>
+          </a:xfrm>
+        </p:spPr>
+        <p:txBody>
+          <a:bodyPr vert="horz" lIns="91440" tIns="45720" rIns="91440" bIns="45720" rtlCol="0" anchor="t">
+            <a:normAutofit/>
+          </a:bodyPr>
+          <a:lstStyle>
+            <a:lvl1pPr>
+              <a:buNone/>
+              <a:defRPr lang="en-US">
+                <a:solidFill>
+                  <a:schemeClr val="tx1">
+                    <a:lumMod val="65000"/>
+                    <a:lumOff val="35000"/>
+                  </a:schemeClr>
+                </a:solidFill>
+              </a:defRPr>
+            </a:lvl1pPr>
+          </a:lstStyle>
+          <a:p>
+            <a:pPr marL="0" lvl="0" indent="0">
+              <a:buNone/>
+            </a:pPr>
+            <a:r>
+              <a:rPr lang="en-US" smtClean="0"/>
+              <a:t>Click to edit Master text styles</a:t>
+            </a:r>
+          </a:p>
+        </p:txBody>
+      </p:sp>
+      <p:sp>
+        <p:nvSpPr>
+          <p:cNvPr id="5" name="Date Placeholder 4"/>
+          <p:cNvSpPr>
+            <a:spLocks noGrp="1"/>
+          </p:cNvSpPr>
+          <p:nvPr>
+            <p:ph type="dt" sz="half" idx="10"/>
+          </p:nvPr>
+        </p:nvSpPr>
+        <p:spPr/>
+        <p:txBody>
+          <a:bodyPr/>
+          <a:lstStyle/>
+          <a:p>
+            <a:fld id="{1FBC307E-BFDF-4D62-B554-0C8B7619B15D}" type="datetimeFigureOut">
+              <a:rPr lang="en-US" smtClean="0"/>
+              <a:t>11/6/2014</a:t>
+            </a:fld>
+            <a:endParaRPr lang="en-US"/>
+          </a:p>
+        </p:txBody>
+      </p:sp>
+      <p:sp>
+        <p:nvSpPr>
+          <p:cNvPr id="6" name="Footer Placeholder 5"/>
+          <p:cNvSpPr>
+            <a:spLocks noGrp="1"/>
+          </p:cNvSpPr>
+          <p:nvPr>
+            <p:ph type="ftr" sz="quarter" idx="11"/>
+          </p:nvPr>
+        </p:nvSpPr>
+        <p:spPr/>
+        <p:txBody>
+          <a:bodyPr/>
+          <a:lstStyle/>
+          <a:p>
+            <a:endParaRPr lang="en-US"/>
+          </a:p>
+        </p:txBody>
+      </p:sp>
+      <p:sp>
+        <p:nvSpPr>
+          <p:cNvPr id="9" name="Freeform 11"/>
+          <p:cNvSpPr/>
+          <p:nvPr/>
+        </p:nvSpPr>
+        <p:spPr bwMode="auto">
+          <a:xfrm flipV="1">
+            <a:off x="-4189" y="4911725"/>
+            <a:ext cx="1588527" cy="507297"/>
+          </a:xfrm>
+          <a:custGeom>
+            <a:avLst/>
+            <a:gdLst/>
+            <a:ahLst/>
+            <a:cxnLst/>
+            <a:rect l="l" t="t" r="r" b="b"/>
+            <a:pathLst>
+              <a:path w="9248" h="10000">
+                <a:moveTo>
+                  <a:pt x="9248" y="4701"/>
+                </a:moveTo>
+                <a:lnTo>
+                  <a:pt x="7915" y="188"/>
+                </a:lnTo>
+                <a:cubicBezTo>
+                  <a:pt x="7906" y="156"/>
+                  <a:pt x="7895" y="126"/>
+                  <a:pt x="7886" y="94"/>
+                </a:cubicBezTo>
+                <a:cubicBezTo>
+                  <a:pt x="7859" y="0"/>
+                  <a:pt x="7831" y="0"/>
+                  <a:pt x="7803" y="0"/>
+                </a:cubicBezTo>
+                <a:lnTo>
+                  <a:pt x="7275" y="0"/>
+                </a:lnTo>
+                <a:lnTo>
+                  <a:pt x="0" y="70"/>
+                </a:lnTo>
+                <a:cubicBezTo>
+                  <a:pt x="8" y="3380"/>
+                  <a:pt x="17" y="6690"/>
+                  <a:pt x="25" y="10000"/>
+                </a:cubicBezTo>
+                <a:lnTo>
+                  <a:pt x="7275" y="9966"/>
+                </a:lnTo>
+                <a:lnTo>
+                  <a:pt x="7803" y="9966"/>
+                </a:lnTo>
+                <a:cubicBezTo>
+                  <a:pt x="7831" y="9966"/>
+                  <a:pt x="7859" y="9872"/>
+                  <a:pt x="7886" y="9872"/>
+                </a:cubicBezTo>
+                <a:cubicBezTo>
+                  <a:pt x="7886" y="9778"/>
+                  <a:pt x="7915" y="9778"/>
+                  <a:pt x="7915" y="9778"/>
+                </a:cubicBezTo>
+                <a:lnTo>
+                  <a:pt x="9248" y="5265"/>
+                </a:lnTo>
+                <a:cubicBezTo>
+                  <a:pt x="9303" y="5077"/>
+                  <a:pt x="9303" y="4889"/>
+                  <a:pt x="9248" y="4701"/>
+                </a:cubicBezTo>
+                <a:close/>
+              </a:path>
+            </a:pathLst>
+          </a:custGeom>
+          <a:solidFill>
+            <a:schemeClr val="accent1"/>
+          </a:solidFill>
+          <a:ln>
+            <a:noFill/>
+          </a:ln>
+        </p:spPr>
+      </p:sp>
+      <p:sp>
+        <p:nvSpPr>
+          <p:cNvPr id="7" name="Slide Number Placeholder 6"/>
+          <p:cNvSpPr>
+            <a:spLocks noGrp="1"/>
+          </p:cNvSpPr>
+          <p:nvPr>
+            <p:ph type="sldNum" sz="quarter" idx="12"/>
+          </p:nvPr>
+        </p:nvSpPr>
+        <p:spPr>
+          <a:xfrm>
+            <a:off x="531812" y="4983087"/>
+            <a:ext cx="779767" cy="365125"/>
+          </a:xfrm>
+        </p:spPr>
+        <p:txBody>
+          <a:bodyPr/>
+          <a:lstStyle/>
+          <a:p>
+            <a:fld id="{2372CF6B-33AB-402F-AB86-699C0022DD94}" type="slidenum">
+              <a:rPr lang="en-US" smtClean="0"/>
+              <a:t>‹#›</a:t>
+            </a:fld>
+            <a:endParaRPr lang="en-US"/>
+          </a:p>
+        </p:txBody>
+      </p:sp>
+    </p:spTree>
+    <p:extLst>
+      <p:ext uri="{BB962C8B-B14F-4D97-AF65-F5344CB8AC3E}">
+        <p14:creationId xmlns:p14="http://schemas.microsoft.com/office/powerpoint/2010/main" val="3175341855"/>
+      </p:ext>
+    </p:extLst>
+  </p:cSld>
+  <p:clrMapOvr>
+    <a:masterClrMapping/>
+  </p:clrMapOvr>
+</p:sldLayout>
+</file>
+
+<file path=ppt/slideLayouts/slideLayout15.xml><?xml version="1.0" encoding="utf-8"?>
 <p:sldLayout xmlns:a="http://schemas.openxmlformats.org/drawingml/2006/main" xmlns:r="http://schemas.openxmlformats.org/officeDocument/2006/relationships" xmlns:p="http://schemas.openxmlformats.org/presentationml/2006/main" type="vertTx" preserve="1">
   <p:cSld name="Title and Vertical Text">
     <p:spTree>
@@ -346,7 +2282,7 @@
               <a:rPr lang="en-US" smtClean="0"/>
               <a:t>Click to edit Master title style</a:t>
             </a:r>
-            <a:endParaRPr lang="en-US"/>
+            <a:endParaRPr lang="en-US" dirty="0"/>
           </a:p>
         </p:txBody>
       </p:sp>
@@ -362,7 +2298,7 @@
         </p:nvSpPr>
         <p:spPr/>
         <p:txBody>
-          <a:bodyPr vert="eaVert"/>
+          <a:bodyPr vert="eaVert" anchor="t"/>
           <a:lstStyle/>
           <a:p>
             <a:pPr lvl="0"/>
@@ -398,7 +2334,7 @@
               <a:rPr lang="en-US" smtClean="0"/>
               <a:t>Fifth level</a:t>
             </a:r>
-            <a:endParaRPr lang="en-US"/>
+            <a:endParaRPr lang="en-US" dirty="0"/>
           </a:p>
         </p:txBody>
       </p:sp>
@@ -419,7 +2355,7 @@
           <a:p>
             <a:fld id="{1FBC307E-BFDF-4D62-B554-0C8B7619B15D}" type="datetimeFigureOut">
               <a:rPr lang="en-US" smtClean="0"/>
-              <a:t>11/5/2014</a:t>
+              <a:t>11/6/2014</a:t>
             </a:fld>
             <a:endParaRPr lang="en-US"/>
           </a:p>
@@ -443,6 +2379,88 @@
             <a:endParaRPr lang="en-US"/>
           </a:p>
         </p:txBody>
+      </p:sp>
+      <p:sp>
+        <p:nvSpPr>
+          <p:cNvPr id="8" name="Freeform 11"/>
+          <p:cNvSpPr/>
+          <p:nvPr/>
+        </p:nvSpPr>
+        <p:spPr bwMode="auto">
+          <a:xfrm flipV="1">
+            <a:off x="-4189" y="714375"/>
+            <a:ext cx="1588527" cy="507297"/>
+          </a:xfrm>
+          <a:custGeom>
+            <a:avLst/>
+            <a:gdLst/>
+            <a:ahLst/>
+            <a:cxnLst/>
+            <a:rect l="l" t="t" r="r" b="b"/>
+            <a:pathLst>
+              <a:path w="9248" h="10000">
+                <a:moveTo>
+                  <a:pt x="9248" y="4701"/>
+                </a:moveTo>
+                <a:lnTo>
+                  <a:pt x="7915" y="188"/>
+                </a:lnTo>
+                <a:cubicBezTo>
+                  <a:pt x="7906" y="156"/>
+                  <a:pt x="7895" y="126"/>
+                  <a:pt x="7886" y="94"/>
+                </a:cubicBezTo>
+                <a:cubicBezTo>
+                  <a:pt x="7859" y="0"/>
+                  <a:pt x="7831" y="0"/>
+                  <a:pt x="7803" y="0"/>
+                </a:cubicBezTo>
+                <a:lnTo>
+                  <a:pt x="7275" y="0"/>
+                </a:lnTo>
+                <a:lnTo>
+                  <a:pt x="0" y="70"/>
+                </a:lnTo>
+                <a:cubicBezTo>
+                  <a:pt x="8" y="3380"/>
+                  <a:pt x="17" y="6690"/>
+                  <a:pt x="25" y="10000"/>
+                </a:cubicBezTo>
+                <a:lnTo>
+                  <a:pt x="7275" y="9966"/>
+                </a:lnTo>
+                <a:lnTo>
+                  <a:pt x="7803" y="9966"/>
+                </a:lnTo>
+                <a:cubicBezTo>
+                  <a:pt x="7831" y="9966"/>
+                  <a:pt x="7859" y="9872"/>
+                  <a:pt x="7886" y="9872"/>
+                </a:cubicBezTo>
+                <a:cubicBezTo>
+                  <a:pt x="7886" y="9778"/>
+                  <a:pt x="7915" y="9778"/>
+                  <a:pt x="7915" y="9778"/>
+                </a:cubicBezTo>
+                <a:lnTo>
+                  <a:pt x="9248" y="5265"/>
+                </a:lnTo>
+                <a:cubicBezTo>
+                  <a:pt x="9303" y="5077"/>
+                  <a:pt x="9303" y="4889"/>
+                  <a:pt x="9248" y="4701"/>
+                </a:cubicBezTo>
+                <a:close/>
+              </a:path>
+            </a:pathLst>
+          </a:custGeom>
+          <a:solidFill>
+            <a:schemeClr val="accent1"/>
+          </a:solidFill>
+          <a:ln>
+            <a:noFill/>
+          </a:ln>
+        </p:spPr>
       </p:sp>
       <p:sp>
         <p:nvSpPr>
@@ -470,7 +2488,7 @@
     </p:spTree>
     <p:extLst>
       <p:ext uri="{BB962C8B-B14F-4D97-AF65-F5344CB8AC3E}">
-        <p14:creationId xmlns:p14="http://schemas.microsoft.com/office/powerpoint/2010/main" val="842208045"/>
+        <p14:creationId xmlns:p14="http://schemas.microsoft.com/office/powerpoint/2010/main" val="328255048"/>
       </p:ext>
     </p:extLst>
   </p:cSld>
@@ -480,7 +2498,7 @@
 </p:sldLayout>
 </file>
 
-<file path=ppt/slideLayouts/slideLayout11.xml><?xml version="1.0" encoding="utf-8"?>
+<file path=ppt/slideLayouts/slideLayout16.xml><?xml version="1.0" encoding="utf-8"?>
 <p:sldLayout xmlns:a="http://schemas.openxmlformats.org/drawingml/2006/main" xmlns:r="http://schemas.openxmlformats.org/officeDocument/2006/relationships" xmlns:p="http://schemas.openxmlformats.org/presentationml/2006/main" type="vertTitleAndTx" preserve="1">
   <p:cSld name="Vertical Title and Text">
     <p:spTree>
@@ -509,42 +2527,42 @@
         </p:nvSpPr>
         <p:spPr>
           <a:xfrm>
-            <a:off x="8724900" y="365125"/>
-            <a:ext cx="2628900" cy="5811838"/>
+            <a:off x="9294812" y="627405"/>
+            <a:ext cx="2207601" cy="5283817"/>
           </a:xfrm>
         </p:spPr>
         <p:txBody>
+          <a:bodyPr vert="eaVert" anchor="ctr"/>
+          <a:lstStyle/>
+          <a:p>
+            <a:r>
+              <a:rPr lang="en-US" smtClean="0"/>
+              <a:t>Click to edit Master title style</a:t>
+            </a:r>
+            <a:endParaRPr lang="en-US" dirty="0"/>
+          </a:p>
+        </p:txBody>
+      </p:sp>
+      <p:sp>
+        <p:nvSpPr>
+          <p:cNvPr id="3" name="Vertical Text Placeholder 2"/>
+          <p:cNvSpPr>
+            <a:spLocks noGrp="1"/>
+          </p:cNvSpPr>
+          <p:nvPr>
+            <p:ph type="body" orient="vert" idx="1"/>
+          </p:nvPr>
+        </p:nvSpPr>
+        <p:spPr>
+          <a:xfrm>
+            <a:off x="2589212" y="627405"/>
+            <a:ext cx="6477000" cy="5283817"/>
+          </a:xfrm>
+        </p:spPr>
+        <p:txBody>
           <a:bodyPr vert="eaVert"/>
           <a:lstStyle/>
           <a:p>
-            <a:r>
-              <a:rPr lang="en-US" smtClean="0"/>
-              <a:t>Click to edit Master title style</a:t>
-            </a:r>
-            <a:endParaRPr lang="en-US"/>
-          </a:p>
-        </p:txBody>
-      </p:sp>
-      <p:sp>
-        <p:nvSpPr>
-          <p:cNvPr id="3" name="Vertical Text Placeholder 2"/>
-          <p:cNvSpPr>
-            <a:spLocks noGrp="1"/>
-          </p:cNvSpPr>
-          <p:nvPr>
-            <p:ph type="body" orient="vert" idx="1"/>
-          </p:nvPr>
-        </p:nvSpPr>
-        <p:spPr>
-          <a:xfrm>
-            <a:off x="838200" y="365125"/>
-            <a:ext cx="7734300" cy="5811838"/>
-          </a:xfrm>
-        </p:spPr>
-        <p:txBody>
-          <a:bodyPr vert="eaVert"/>
-          <a:lstStyle/>
-          <a:p>
             <a:pPr lvl="0"/>
             <a:r>
               <a:rPr lang="en-US" smtClean="0"/>
@@ -578,7 +2596,7 @@
               <a:rPr lang="en-US" smtClean="0"/>
               <a:t>Fifth level</a:t>
             </a:r>
-            <a:endParaRPr lang="en-US"/>
+            <a:endParaRPr lang="en-US" dirty="0"/>
           </a:p>
         </p:txBody>
       </p:sp>
@@ -599,7 +2617,7 @@
           <a:p>
             <a:fld id="{1FBC307E-BFDF-4D62-B554-0C8B7619B15D}" type="datetimeFigureOut">
               <a:rPr lang="en-US" smtClean="0"/>
-              <a:t>11/5/2014</a:t>
+              <a:t>11/6/2014</a:t>
             </a:fld>
             <a:endParaRPr lang="en-US"/>
           </a:p>
@@ -623,6 +2641,88 @@
             <a:endParaRPr lang="en-US"/>
           </a:p>
         </p:txBody>
+      </p:sp>
+      <p:sp>
+        <p:nvSpPr>
+          <p:cNvPr id="8" name="Freeform 11"/>
+          <p:cNvSpPr/>
+          <p:nvPr/>
+        </p:nvSpPr>
+        <p:spPr bwMode="auto">
+          <a:xfrm flipV="1">
+            <a:off x="-4189" y="714375"/>
+            <a:ext cx="1588527" cy="507297"/>
+          </a:xfrm>
+          <a:custGeom>
+            <a:avLst/>
+            <a:gdLst/>
+            <a:ahLst/>
+            <a:cxnLst/>
+            <a:rect l="l" t="t" r="r" b="b"/>
+            <a:pathLst>
+              <a:path w="9248" h="10000">
+                <a:moveTo>
+                  <a:pt x="9248" y="4701"/>
+                </a:moveTo>
+                <a:lnTo>
+                  <a:pt x="7915" y="188"/>
+                </a:lnTo>
+                <a:cubicBezTo>
+                  <a:pt x="7906" y="156"/>
+                  <a:pt x="7895" y="126"/>
+                  <a:pt x="7886" y="94"/>
+                </a:cubicBezTo>
+                <a:cubicBezTo>
+                  <a:pt x="7859" y="0"/>
+                  <a:pt x="7831" y="0"/>
+                  <a:pt x="7803" y="0"/>
+                </a:cubicBezTo>
+                <a:lnTo>
+                  <a:pt x="7275" y="0"/>
+                </a:lnTo>
+                <a:lnTo>
+                  <a:pt x="0" y="70"/>
+                </a:lnTo>
+                <a:cubicBezTo>
+                  <a:pt x="8" y="3380"/>
+                  <a:pt x="17" y="6690"/>
+                  <a:pt x="25" y="10000"/>
+                </a:cubicBezTo>
+                <a:lnTo>
+                  <a:pt x="7275" y="9966"/>
+                </a:lnTo>
+                <a:lnTo>
+                  <a:pt x="7803" y="9966"/>
+                </a:lnTo>
+                <a:cubicBezTo>
+                  <a:pt x="7831" y="9966"/>
+                  <a:pt x="7859" y="9872"/>
+                  <a:pt x="7886" y="9872"/>
+                </a:cubicBezTo>
+                <a:cubicBezTo>
+                  <a:pt x="7886" y="9778"/>
+                  <a:pt x="7915" y="9778"/>
+                  <a:pt x="7915" y="9778"/>
+                </a:cubicBezTo>
+                <a:lnTo>
+                  <a:pt x="9248" y="5265"/>
+                </a:lnTo>
+                <a:cubicBezTo>
+                  <a:pt x="9303" y="5077"/>
+                  <a:pt x="9303" y="4889"/>
+                  <a:pt x="9248" y="4701"/>
+                </a:cubicBezTo>
+                <a:close/>
+              </a:path>
+            </a:pathLst>
+          </a:custGeom>
+          <a:solidFill>
+            <a:schemeClr val="accent1"/>
+          </a:solidFill>
+          <a:ln>
+            <a:noFill/>
+          </a:ln>
+        </p:spPr>
       </p:sp>
       <p:sp>
         <p:nvSpPr>
@@ -650,7 +2750,7 @@
     </p:spTree>
     <p:extLst>
       <p:ext uri="{BB962C8B-B14F-4D97-AF65-F5344CB8AC3E}">
-        <p14:creationId xmlns:p14="http://schemas.microsoft.com/office/powerpoint/2010/main" val="3851979204"/>
+        <p14:creationId xmlns:p14="http://schemas.microsoft.com/office/powerpoint/2010/main" val="997293843"/>
       </p:ext>
     </p:extLst>
   </p:cSld>
@@ -687,7 +2787,12 @@
             <p:ph type="title"/>
           </p:nvPr>
         </p:nvSpPr>
-        <p:spPr/>
+        <p:spPr>
+          <a:xfrm>
+            <a:off x="2592925" y="624110"/>
+            <a:ext cx="8911687" cy="1280890"/>
+          </a:xfrm>
+        </p:spPr>
         <p:txBody>
           <a:bodyPr/>
           <a:lstStyle/>
@@ -696,7 +2801,7 @@
               <a:rPr lang="en-US" smtClean="0"/>
               <a:t>Click to edit Master title style</a:t>
             </a:r>
-            <a:endParaRPr lang="en-US"/>
+            <a:endParaRPr lang="en-US" dirty="0"/>
           </a:p>
         </p:txBody>
       </p:sp>
@@ -710,7 +2815,12 @@
             <p:ph idx="1"/>
           </p:nvPr>
         </p:nvSpPr>
-        <p:spPr/>
+        <p:spPr>
+          <a:xfrm>
+            <a:off x="2589212" y="2133600"/>
+            <a:ext cx="8915400" cy="3777622"/>
+          </a:xfrm>
+        </p:spPr>
         <p:txBody>
           <a:bodyPr/>
           <a:lstStyle/>
@@ -748,7 +2858,7 @@
               <a:rPr lang="en-US" smtClean="0"/>
               <a:t>Fifth level</a:t>
             </a:r>
-            <a:endParaRPr lang="en-US"/>
+            <a:endParaRPr lang="en-US" dirty="0"/>
           </a:p>
         </p:txBody>
       </p:sp>
@@ -769,7 +2879,7 @@
           <a:p>
             <a:fld id="{1FBC307E-BFDF-4D62-B554-0C8B7619B15D}" type="datetimeFigureOut">
               <a:rPr lang="en-US" smtClean="0"/>
-              <a:t>11/5/2014</a:t>
+              <a:t>11/6/2014</a:t>
             </a:fld>
             <a:endParaRPr lang="en-US"/>
           </a:p>
@@ -793,6 +2903,88 @@
             <a:endParaRPr lang="en-US"/>
           </a:p>
         </p:txBody>
+      </p:sp>
+      <p:sp>
+        <p:nvSpPr>
+          <p:cNvPr id="8" name="Freeform 11"/>
+          <p:cNvSpPr/>
+          <p:nvPr/>
+        </p:nvSpPr>
+        <p:spPr bwMode="auto">
+          <a:xfrm flipV="1">
+            <a:off x="-4189" y="714375"/>
+            <a:ext cx="1588527" cy="507297"/>
+          </a:xfrm>
+          <a:custGeom>
+            <a:avLst/>
+            <a:gdLst/>
+            <a:ahLst/>
+            <a:cxnLst/>
+            <a:rect l="l" t="t" r="r" b="b"/>
+            <a:pathLst>
+              <a:path w="9248" h="10000">
+                <a:moveTo>
+                  <a:pt x="9248" y="4701"/>
+                </a:moveTo>
+                <a:lnTo>
+                  <a:pt x="7915" y="188"/>
+                </a:lnTo>
+                <a:cubicBezTo>
+                  <a:pt x="7906" y="156"/>
+                  <a:pt x="7895" y="126"/>
+                  <a:pt x="7886" y="94"/>
+                </a:cubicBezTo>
+                <a:cubicBezTo>
+                  <a:pt x="7859" y="0"/>
+                  <a:pt x="7831" y="0"/>
+                  <a:pt x="7803" y="0"/>
+                </a:cubicBezTo>
+                <a:lnTo>
+                  <a:pt x="7275" y="0"/>
+                </a:lnTo>
+                <a:lnTo>
+                  <a:pt x="0" y="70"/>
+                </a:lnTo>
+                <a:cubicBezTo>
+                  <a:pt x="8" y="3380"/>
+                  <a:pt x="17" y="6690"/>
+                  <a:pt x="25" y="10000"/>
+                </a:cubicBezTo>
+                <a:lnTo>
+                  <a:pt x="7275" y="9966"/>
+                </a:lnTo>
+                <a:lnTo>
+                  <a:pt x="7803" y="9966"/>
+                </a:lnTo>
+                <a:cubicBezTo>
+                  <a:pt x="7831" y="9966"/>
+                  <a:pt x="7859" y="9872"/>
+                  <a:pt x="7886" y="9872"/>
+                </a:cubicBezTo>
+                <a:cubicBezTo>
+                  <a:pt x="7886" y="9778"/>
+                  <a:pt x="7915" y="9778"/>
+                  <a:pt x="7915" y="9778"/>
+                </a:cubicBezTo>
+                <a:lnTo>
+                  <a:pt x="9248" y="5265"/>
+                </a:lnTo>
+                <a:cubicBezTo>
+                  <a:pt x="9303" y="5077"/>
+                  <a:pt x="9303" y="4889"/>
+                  <a:pt x="9248" y="4701"/>
+                </a:cubicBezTo>
+                <a:close/>
+              </a:path>
+            </a:pathLst>
+          </a:custGeom>
+          <a:solidFill>
+            <a:schemeClr val="accent1"/>
+          </a:solidFill>
+          <a:ln>
+            <a:noFill/>
+          </a:ln>
+        </p:spPr>
       </p:sp>
       <p:sp>
         <p:nvSpPr>
@@ -820,7 +3012,7 @@
     </p:spTree>
     <p:extLst>
       <p:ext uri="{BB962C8B-B14F-4D97-AF65-F5344CB8AC3E}">
-        <p14:creationId xmlns:p14="http://schemas.microsoft.com/office/powerpoint/2010/main" val="3019454808"/>
+        <p14:creationId xmlns:p14="http://schemas.microsoft.com/office/powerpoint/2010/main" val="2106948661"/>
       </p:ext>
     </p:extLst>
   </p:cSld>
@@ -859,15 +3051,15 @@
         </p:nvSpPr>
         <p:spPr>
           <a:xfrm>
-            <a:off x="831850" y="1709738"/>
-            <a:ext cx="10515600" cy="2852737"/>
+            <a:off x="2589212" y="2058750"/>
+            <a:ext cx="8915399" cy="1468800"/>
           </a:xfrm>
         </p:spPr>
         <p:txBody>
           <a:bodyPr anchor="b"/>
           <a:lstStyle>
-            <a:lvl1pPr>
-              <a:defRPr sz="6000"/>
+            <a:lvl1pPr algn="l">
+              <a:defRPr sz="4000" b="0" cap="none"/>
             </a:lvl1pPr>
           </a:lstStyle>
           <a:p>
@@ -875,7 +3067,7 @@
               <a:rPr lang="en-US" smtClean="0"/>
               <a:t>Click to edit Master title style</a:t>
             </a:r>
-            <a:endParaRPr lang="en-US"/>
+            <a:endParaRPr lang="en-US" dirty="0"/>
           </a:p>
         </p:txBody>
       </p:sp>
@@ -891,26 +3083,27 @@
         </p:nvSpPr>
         <p:spPr>
           <a:xfrm>
-            <a:off x="831850" y="4589463"/>
-            <a:ext cx="10515600" cy="1500187"/>
+            <a:off x="2589212" y="3530129"/>
+            <a:ext cx="8915399" cy="860400"/>
           </a:xfrm>
         </p:spPr>
         <p:txBody>
-          <a:bodyPr/>
+          <a:bodyPr anchor="t"/>
           <a:lstStyle>
-            <a:lvl1pPr marL="0" indent="0">
-              <a:buNone/>
-              <a:defRPr sz="2400">
+            <a:lvl1pPr marL="0" indent="0" algn="l">
+              <a:buNone/>
+              <a:defRPr sz="2000">
                 <a:solidFill>
                   <a:schemeClr val="tx1">
-                    <a:tint val="75000"/>
+                    <a:lumMod val="65000"/>
+                    <a:lumOff val="35000"/>
                   </a:schemeClr>
                 </a:solidFill>
               </a:defRPr>
             </a:lvl1pPr>
             <a:lvl2pPr marL="457200" indent="0">
               <a:buNone/>
-              <a:defRPr sz="2000">
+              <a:defRPr sz="1800">
                 <a:solidFill>
                   <a:schemeClr val="tx1">
                     <a:tint val="75000"/>
@@ -920,7 +3113,7 @@
             </a:lvl2pPr>
             <a:lvl3pPr marL="914400" indent="0">
               <a:buNone/>
-              <a:defRPr sz="1800">
+              <a:defRPr sz="1600">
                 <a:solidFill>
                   <a:schemeClr val="tx1">
                     <a:tint val="75000"/>
@@ -930,7 +3123,7 @@
             </a:lvl3pPr>
             <a:lvl4pPr marL="1371600" indent="0">
               <a:buNone/>
-              <a:defRPr sz="1600">
+              <a:defRPr sz="1400">
                 <a:solidFill>
                   <a:schemeClr val="tx1">
                     <a:tint val="75000"/>
@@ -940,7 +3133,7 @@
             </a:lvl4pPr>
             <a:lvl5pPr marL="1828800" indent="0">
               <a:buNone/>
-              <a:defRPr sz="1600">
+              <a:defRPr sz="1400">
                 <a:solidFill>
                   <a:schemeClr val="tx1">
                     <a:tint val="75000"/>
@@ -950,7 +3143,7 @@
             </a:lvl5pPr>
             <a:lvl6pPr marL="2286000" indent="0">
               <a:buNone/>
-              <a:defRPr sz="1600">
+              <a:defRPr sz="1400">
                 <a:solidFill>
                   <a:schemeClr val="tx1">
                     <a:tint val="75000"/>
@@ -960,7 +3153,7 @@
             </a:lvl6pPr>
             <a:lvl7pPr marL="2743200" indent="0">
               <a:buNone/>
-              <a:defRPr sz="1600">
+              <a:defRPr sz="1400">
                 <a:solidFill>
                   <a:schemeClr val="tx1">
                     <a:tint val="75000"/>
@@ -970,7 +3163,7 @@
             </a:lvl7pPr>
             <a:lvl8pPr marL="3200400" indent="0">
               <a:buNone/>
-              <a:defRPr sz="1600">
+              <a:defRPr sz="1400">
                 <a:solidFill>
                   <a:schemeClr val="tx1">
                     <a:tint val="75000"/>
@@ -980,7 +3173,7 @@
             </a:lvl8pPr>
             <a:lvl9pPr marL="3657600" indent="0">
               <a:buNone/>
-              <a:defRPr sz="1600">
+              <a:defRPr sz="1400">
                 <a:solidFill>
                   <a:schemeClr val="tx1">
                     <a:tint val="75000"/>
@@ -1015,7 +3208,7 @@
           <a:p>
             <a:fld id="{1FBC307E-BFDF-4D62-B554-0C8B7619B15D}" type="datetimeFigureOut">
               <a:rPr lang="en-US" smtClean="0"/>
-              <a:t>11/5/2014</a:t>
+              <a:t>11/6/2014</a:t>
             </a:fld>
             <a:endParaRPr lang="en-US"/>
           </a:p>
@@ -1042,6 +3235,88 @@
       </p:sp>
       <p:sp>
         <p:nvSpPr>
+          <p:cNvPr id="9" name="Freeform 11"/>
+          <p:cNvSpPr/>
+          <p:nvPr/>
+        </p:nvSpPr>
+        <p:spPr bwMode="auto">
+          <a:xfrm flipV="1">
+            <a:off x="-4189" y="3178175"/>
+            <a:ext cx="1588527" cy="507297"/>
+          </a:xfrm>
+          <a:custGeom>
+            <a:avLst/>
+            <a:gdLst/>
+            <a:ahLst/>
+            <a:cxnLst/>
+            <a:rect l="l" t="t" r="r" b="b"/>
+            <a:pathLst>
+              <a:path w="9248" h="10000">
+                <a:moveTo>
+                  <a:pt x="9248" y="4701"/>
+                </a:moveTo>
+                <a:lnTo>
+                  <a:pt x="7915" y="188"/>
+                </a:lnTo>
+                <a:cubicBezTo>
+                  <a:pt x="7906" y="156"/>
+                  <a:pt x="7895" y="126"/>
+                  <a:pt x="7886" y="94"/>
+                </a:cubicBezTo>
+                <a:cubicBezTo>
+                  <a:pt x="7859" y="0"/>
+                  <a:pt x="7831" y="0"/>
+                  <a:pt x="7803" y="0"/>
+                </a:cubicBezTo>
+                <a:lnTo>
+                  <a:pt x="7275" y="0"/>
+                </a:lnTo>
+                <a:lnTo>
+                  <a:pt x="0" y="70"/>
+                </a:lnTo>
+                <a:cubicBezTo>
+                  <a:pt x="8" y="3380"/>
+                  <a:pt x="17" y="6690"/>
+                  <a:pt x="25" y="10000"/>
+                </a:cubicBezTo>
+                <a:lnTo>
+                  <a:pt x="7275" y="9966"/>
+                </a:lnTo>
+                <a:lnTo>
+                  <a:pt x="7803" y="9966"/>
+                </a:lnTo>
+                <a:cubicBezTo>
+                  <a:pt x="7831" y="9966"/>
+                  <a:pt x="7859" y="9872"/>
+                  <a:pt x="7886" y="9872"/>
+                </a:cubicBezTo>
+                <a:cubicBezTo>
+                  <a:pt x="7886" y="9778"/>
+                  <a:pt x="7915" y="9778"/>
+                  <a:pt x="7915" y="9778"/>
+                </a:cubicBezTo>
+                <a:lnTo>
+                  <a:pt x="9248" y="5265"/>
+                </a:lnTo>
+                <a:cubicBezTo>
+                  <a:pt x="9303" y="5077"/>
+                  <a:pt x="9303" y="4889"/>
+                  <a:pt x="9248" y="4701"/>
+                </a:cubicBezTo>
+                <a:close/>
+              </a:path>
+            </a:pathLst>
+          </a:custGeom>
+          <a:solidFill>
+            <a:schemeClr val="accent1"/>
+          </a:solidFill>
+          <a:ln>
+            <a:noFill/>
+          </a:ln>
+        </p:spPr>
+      </p:sp>
+      <p:sp>
+        <p:nvSpPr>
           <p:cNvPr id="6" name="Slide Number Placeholder 5"/>
           <p:cNvSpPr>
             <a:spLocks noGrp="1"/>
@@ -1050,7 +3325,12 @@
             <p:ph type="sldNum" sz="quarter" idx="12"/>
           </p:nvPr>
         </p:nvSpPr>
-        <p:spPr/>
+        <p:spPr>
+          <a:xfrm>
+            <a:off x="531812" y="3244139"/>
+            <a:ext cx="779767" cy="365125"/>
+          </a:xfrm>
+        </p:spPr>
         <p:txBody>
           <a:bodyPr/>
           <a:lstStyle/>
@@ -1066,7 +3346,7 @@
     </p:spTree>
     <p:extLst>
       <p:ext uri="{BB962C8B-B14F-4D97-AF65-F5344CB8AC3E}">
-        <p14:creationId xmlns:p14="http://schemas.microsoft.com/office/powerpoint/2010/main" val="2435200935"/>
+        <p14:creationId xmlns:p14="http://schemas.microsoft.com/office/powerpoint/2010/main" val="1156568467"/>
       </p:ext>
     </p:extLst>
   </p:cSld>
@@ -1095,7 +3375,7 @@
       </p:grpSpPr>
       <p:sp>
         <p:nvSpPr>
-          <p:cNvPr id="2" name="Title 1"/>
+          <p:cNvPr id="8" name="Title 7"/>
           <p:cNvSpPr>
             <a:spLocks noGrp="1"/>
           </p:cNvSpPr>
@@ -1112,7 +3392,7 @@
               <a:rPr lang="en-US" smtClean="0"/>
               <a:t>Click to edit Master title style</a:t>
             </a:r>
-            <a:endParaRPr lang="en-US"/>
+            <a:endParaRPr lang="en-US" dirty="0"/>
           </a:p>
         </p:txBody>
       </p:sp>
@@ -1128,161 +3408,252 @@
         </p:nvSpPr>
         <p:spPr>
           <a:xfrm>
-            <a:off x="838200" y="1825625"/>
-            <a:ext cx="5181600" cy="4351338"/>
+            <a:off x="2589212" y="2133600"/>
+            <a:ext cx="4313864" cy="3777622"/>
           </a:xfrm>
         </p:spPr>
         <p:txBody>
+          <a:bodyPr>
+            <a:normAutofit/>
+          </a:bodyPr>
+          <a:lstStyle/>
+          <a:p>
+            <a:pPr lvl="0"/>
+            <a:r>
+              <a:rPr lang="en-US" smtClean="0"/>
+              <a:t>Click to edit Master text styles</a:t>
+            </a:r>
+          </a:p>
+          <a:p>
+            <a:pPr lvl="1"/>
+            <a:r>
+              <a:rPr lang="en-US" smtClean="0"/>
+              <a:t>Second level</a:t>
+            </a:r>
+          </a:p>
+          <a:p>
+            <a:pPr lvl="2"/>
+            <a:r>
+              <a:rPr lang="en-US" smtClean="0"/>
+              <a:t>Third level</a:t>
+            </a:r>
+          </a:p>
+          <a:p>
+            <a:pPr lvl="3"/>
+            <a:r>
+              <a:rPr lang="en-US" smtClean="0"/>
+              <a:t>Fourth level</a:t>
+            </a:r>
+          </a:p>
+          <a:p>
+            <a:pPr lvl="4"/>
+            <a:r>
+              <a:rPr lang="en-US" smtClean="0"/>
+              <a:t>Fifth level</a:t>
+            </a:r>
+            <a:endParaRPr lang="en-US" dirty="0"/>
+          </a:p>
+        </p:txBody>
+      </p:sp>
+      <p:sp>
+        <p:nvSpPr>
+          <p:cNvPr id="4" name="Content Placeholder 3"/>
+          <p:cNvSpPr>
+            <a:spLocks noGrp="1"/>
+          </p:cNvSpPr>
+          <p:nvPr>
+            <p:ph sz="half" idx="2"/>
+          </p:nvPr>
+        </p:nvSpPr>
+        <p:spPr>
+          <a:xfrm>
+            <a:off x="7190747" y="2126222"/>
+            <a:ext cx="4313864" cy="3777622"/>
+          </a:xfrm>
+        </p:spPr>
+        <p:txBody>
+          <a:bodyPr>
+            <a:normAutofit/>
+          </a:bodyPr>
+          <a:lstStyle/>
+          <a:p>
+            <a:pPr lvl="0"/>
+            <a:r>
+              <a:rPr lang="en-US" smtClean="0"/>
+              <a:t>Click to edit Master text styles</a:t>
+            </a:r>
+          </a:p>
+          <a:p>
+            <a:pPr lvl="1"/>
+            <a:r>
+              <a:rPr lang="en-US" smtClean="0"/>
+              <a:t>Second level</a:t>
+            </a:r>
+          </a:p>
+          <a:p>
+            <a:pPr lvl="2"/>
+            <a:r>
+              <a:rPr lang="en-US" smtClean="0"/>
+              <a:t>Third level</a:t>
+            </a:r>
+          </a:p>
+          <a:p>
+            <a:pPr lvl="3"/>
+            <a:r>
+              <a:rPr lang="en-US" smtClean="0"/>
+              <a:t>Fourth level</a:t>
+            </a:r>
+          </a:p>
+          <a:p>
+            <a:pPr lvl="4"/>
+            <a:r>
+              <a:rPr lang="en-US" smtClean="0"/>
+              <a:t>Fifth level</a:t>
+            </a:r>
+            <a:endParaRPr lang="en-US" dirty="0"/>
+          </a:p>
+        </p:txBody>
+      </p:sp>
+      <p:sp>
+        <p:nvSpPr>
+          <p:cNvPr id="5" name="Date Placeholder 4"/>
+          <p:cNvSpPr>
+            <a:spLocks noGrp="1"/>
+          </p:cNvSpPr>
+          <p:nvPr>
+            <p:ph type="dt" sz="half" idx="10"/>
+          </p:nvPr>
+        </p:nvSpPr>
+        <p:spPr/>
+        <p:txBody>
           <a:bodyPr/>
           <a:lstStyle/>
           <a:p>
-            <a:pPr lvl="0"/>
-            <a:r>
-              <a:rPr lang="en-US" smtClean="0"/>
-              <a:t>Click to edit Master text styles</a:t>
-            </a:r>
-          </a:p>
-          <a:p>
-            <a:pPr lvl="1"/>
-            <a:r>
-              <a:rPr lang="en-US" smtClean="0"/>
-              <a:t>Second level</a:t>
-            </a:r>
-          </a:p>
-          <a:p>
-            <a:pPr lvl="2"/>
-            <a:r>
-              <a:rPr lang="en-US" smtClean="0"/>
-              <a:t>Third level</a:t>
-            </a:r>
-          </a:p>
-          <a:p>
-            <a:pPr lvl="3"/>
-            <a:r>
-              <a:rPr lang="en-US" smtClean="0"/>
-              <a:t>Fourth level</a:t>
-            </a:r>
-          </a:p>
-          <a:p>
-            <a:pPr lvl="4"/>
-            <a:r>
-              <a:rPr lang="en-US" smtClean="0"/>
-              <a:t>Fifth level</a:t>
-            </a:r>
+            <a:fld id="{1FBC307E-BFDF-4D62-B554-0C8B7619B15D}" type="datetimeFigureOut">
+              <a:rPr lang="en-US" smtClean="0"/>
+              <a:t>11/6/2014</a:t>
+            </a:fld>
             <a:endParaRPr lang="en-US"/>
           </a:p>
         </p:txBody>
       </p:sp>
       <p:sp>
         <p:nvSpPr>
-          <p:cNvPr id="4" name="Content Placeholder 3"/>
-          <p:cNvSpPr>
-            <a:spLocks noGrp="1"/>
-          </p:cNvSpPr>
-          <p:nvPr>
-            <p:ph sz="half" idx="2"/>
+          <p:cNvPr id="6" name="Footer Placeholder 5"/>
+          <p:cNvSpPr>
+            <a:spLocks noGrp="1"/>
+          </p:cNvSpPr>
+          <p:nvPr>
+            <p:ph type="ftr" sz="quarter" idx="11"/>
+          </p:nvPr>
+        </p:nvSpPr>
+        <p:spPr/>
+        <p:txBody>
+          <a:bodyPr/>
+          <a:lstStyle/>
+          <a:p>
+            <a:endParaRPr lang="en-US"/>
+          </a:p>
+        </p:txBody>
+      </p:sp>
+      <p:sp>
+        <p:nvSpPr>
+          <p:cNvPr id="10" name="Freeform 11"/>
+          <p:cNvSpPr/>
+          <p:nvPr/>
+        </p:nvSpPr>
+        <p:spPr bwMode="auto">
+          <a:xfrm flipV="1">
+            <a:off x="-4189" y="714375"/>
+            <a:ext cx="1588527" cy="507297"/>
+          </a:xfrm>
+          <a:custGeom>
+            <a:avLst/>
+            <a:gdLst/>
+            <a:ahLst/>
+            <a:cxnLst/>
+            <a:rect l="l" t="t" r="r" b="b"/>
+            <a:pathLst>
+              <a:path w="9248" h="10000">
+                <a:moveTo>
+                  <a:pt x="9248" y="4701"/>
+                </a:moveTo>
+                <a:lnTo>
+                  <a:pt x="7915" y="188"/>
+                </a:lnTo>
+                <a:cubicBezTo>
+                  <a:pt x="7906" y="156"/>
+                  <a:pt x="7895" y="126"/>
+                  <a:pt x="7886" y="94"/>
+                </a:cubicBezTo>
+                <a:cubicBezTo>
+                  <a:pt x="7859" y="0"/>
+                  <a:pt x="7831" y="0"/>
+                  <a:pt x="7803" y="0"/>
+                </a:cubicBezTo>
+                <a:lnTo>
+                  <a:pt x="7275" y="0"/>
+                </a:lnTo>
+                <a:lnTo>
+                  <a:pt x="0" y="70"/>
+                </a:lnTo>
+                <a:cubicBezTo>
+                  <a:pt x="8" y="3380"/>
+                  <a:pt x="17" y="6690"/>
+                  <a:pt x="25" y="10000"/>
+                </a:cubicBezTo>
+                <a:lnTo>
+                  <a:pt x="7275" y="9966"/>
+                </a:lnTo>
+                <a:lnTo>
+                  <a:pt x="7803" y="9966"/>
+                </a:lnTo>
+                <a:cubicBezTo>
+                  <a:pt x="7831" y="9966"/>
+                  <a:pt x="7859" y="9872"/>
+                  <a:pt x="7886" y="9872"/>
+                </a:cubicBezTo>
+                <a:cubicBezTo>
+                  <a:pt x="7886" y="9778"/>
+                  <a:pt x="7915" y="9778"/>
+                  <a:pt x="7915" y="9778"/>
+                </a:cubicBezTo>
+                <a:lnTo>
+                  <a:pt x="9248" y="5265"/>
+                </a:lnTo>
+                <a:cubicBezTo>
+                  <a:pt x="9303" y="5077"/>
+                  <a:pt x="9303" y="4889"/>
+                  <a:pt x="9248" y="4701"/>
+                </a:cubicBezTo>
+                <a:close/>
+              </a:path>
+            </a:pathLst>
+          </a:custGeom>
+          <a:solidFill>
+            <a:schemeClr val="accent1"/>
+          </a:solidFill>
+          <a:ln>
+            <a:noFill/>
+          </a:ln>
+        </p:spPr>
+      </p:sp>
+      <p:sp>
+        <p:nvSpPr>
+          <p:cNvPr id="11" name="Slide Number Placeholder 5"/>
+          <p:cNvSpPr>
+            <a:spLocks noGrp="1"/>
+          </p:cNvSpPr>
+          <p:nvPr>
+            <p:ph type="sldNum" sz="quarter" idx="12"/>
           </p:nvPr>
         </p:nvSpPr>
         <p:spPr>
           <a:xfrm>
-            <a:off x="6172200" y="1825625"/>
-            <a:ext cx="5181600" cy="4351338"/>
+            <a:off x="531812" y="787782"/>
+            <a:ext cx="779767" cy="365125"/>
           </a:xfrm>
         </p:spPr>
-        <p:txBody>
-          <a:bodyPr/>
-          <a:lstStyle/>
-          <a:p>
-            <a:pPr lvl="0"/>
-            <a:r>
-              <a:rPr lang="en-US" smtClean="0"/>
-              <a:t>Click to edit Master text styles</a:t>
-            </a:r>
-          </a:p>
-          <a:p>
-            <a:pPr lvl="1"/>
-            <a:r>
-              <a:rPr lang="en-US" smtClean="0"/>
-              <a:t>Second level</a:t>
-            </a:r>
-          </a:p>
-          <a:p>
-            <a:pPr lvl="2"/>
-            <a:r>
-              <a:rPr lang="en-US" smtClean="0"/>
-              <a:t>Third level</a:t>
-            </a:r>
-          </a:p>
-          <a:p>
-            <a:pPr lvl="3"/>
-            <a:r>
-              <a:rPr lang="en-US" smtClean="0"/>
-              <a:t>Fourth level</a:t>
-            </a:r>
-          </a:p>
-          <a:p>
-            <a:pPr lvl="4"/>
-            <a:r>
-              <a:rPr lang="en-US" smtClean="0"/>
-              <a:t>Fifth level</a:t>
-            </a:r>
-            <a:endParaRPr lang="en-US"/>
-          </a:p>
-        </p:txBody>
-      </p:sp>
-      <p:sp>
-        <p:nvSpPr>
-          <p:cNvPr id="5" name="Date Placeholder 4"/>
-          <p:cNvSpPr>
-            <a:spLocks noGrp="1"/>
-          </p:cNvSpPr>
-          <p:nvPr>
-            <p:ph type="dt" sz="half" idx="10"/>
-          </p:nvPr>
-        </p:nvSpPr>
-        <p:spPr/>
-        <p:txBody>
-          <a:bodyPr/>
-          <a:lstStyle/>
-          <a:p>
-            <a:fld id="{1FBC307E-BFDF-4D62-B554-0C8B7619B15D}" type="datetimeFigureOut">
-              <a:rPr lang="en-US" smtClean="0"/>
-              <a:t>11/5/2014</a:t>
-            </a:fld>
-            <a:endParaRPr lang="en-US"/>
-          </a:p>
-        </p:txBody>
-      </p:sp>
-      <p:sp>
-        <p:nvSpPr>
-          <p:cNvPr id="6" name="Footer Placeholder 5"/>
-          <p:cNvSpPr>
-            <a:spLocks noGrp="1"/>
-          </p:cNvSpPr>
-          <p:nvPr>
-            <p:ph type="ftr" sz="quarter" idx="11"/>
-          </p:nvPr>
-        </p:nvSpPr>
-        <p:spPr/>
-        <p:txBody>
-          <a:bodyPr/>
-          <a:lstStyle/>
-          <a:p>
-            <a:endParaRPr lang="en-US"/>
-          </a:p>
-        </p:txBody>
-      </p:sp>
-      <p:sp>
-        <p:nvSpPr>
-          <p:cNvPr id="7" name="Slide Number Placeholder 6"/>
-          <p:cNvSpPr>
-            <a:spLocks noGrp="1"/>
-          </p:cNvSpPr>
-          <p:nvPr>
-            <p:ph type="sldNum" sz="quarter" idx="12"/>
-          </p:nvPr>
-        </p:nvSpPr>
-        <p:spPr/>
         <p:txBody>
           <a:bodyPr/>
           <a:lstStyle/>
@@ -1298,7 +3669,7 @@
     </p:spTree>
     <p:extLst>
       <p:ext uri="{BB962C8B-B14F-4D97-AF65-F5344CB8AC3E}">
-        <p14:creationId xmlns:p14="http://schemas.microsoft.com/office/powerpoint/2010/main" val="3711889344"/>
+        <p14:creationId xmlns:p14="http://schemas.microsoft.com/office/powerpoint/2010/main" val="2849226821"/>
       </p:ext>
     </p:extLst>
   </p:cSld>
@@ -1327,54 +3698,51 @@
       </p:grpSpPr>
       <p:sp>
         <p:nvSpPr>
-          <p:cNvPr id="2" name="Title 1"/>
+          <p:cNvPr id="10" name="Title 9"/>
           <p:cNvSpPr>
             <a:spLocks noGrp="1"/>
           </p:cNvSpPr>
           <p:nvPr>
             <p:ph type="title"/>
+          </p:nvPr>
+        </p:nvSpPr>
+        <p:spPr/>
+        <p:txBody>
+          <a:bodyPr/>
+          <a:lstStyle/>
+          <a:p>
+            <a:r>
+              <a:rPr lang="en-US" smtClean="0"/>
+              <a:t>Click to edit Master title style</a:t>
+            </a:r>
+            <a:endParaRPr lang="en-US" dirty="0"/>
+          </a:p>
+        </p:txBody>
+      </p:sp>
+      <p:sp>
+        <p:nvSpPr>
+          <p:cNvPr id="3" name="Text Placeholder 2"/>
+          <p:cNvSpPr>
+            <a:spLocks noGrp="1"/>
+          </p:cNvSpPr>
+          <p:nvPr>
+            <p:ph type="body" idx="1"/>
           </p:nvPr>
         </p:nvSpPr>
         <p:spPr>
           <a:xfrm>
-            <a:off x="839788" y="365125"/>
-            <a:ext cx="10515600" cy="1325563"/>
+            <a:off x="2939373" y="1972703"/>
+            <a:ext cx="3992732" cy="576262"/>
           </a:xfrm>
         </p:spPr>
         <p:txBody>
-          <a:bodyPr/>
-          <a:lstStyle/>
-          <a:p>
-            <a:r>
-              <a:rPr lang="en-US" smtClean="0"/>
-              <a:t>Click to edit Master title style</a:t>
-            </a:r>
-            <a:endParaRPr lang="en-US"/>
-          </a:p>
-        </p:txBody>
-      </p:sp>
-      <p:sp>
-        <p:nvSpPr>
-          <p:cNvPr id="3" name="Text Placeholder 2"/>
-          <p:cNvSpPr>
-            <a:spLocks noGrp="1"/>
-          </p:cNvSpPr>
-          <p:nvPr>
-            <p:ph type="body" idx="1"/>
-          </p:nvPr>
-        </p:nvSpPr>
-        <p:spPr>
-          <a:xfrm>
-            <a:off x="839788" y="1681163"/>
-            <a:ext cx="5157787" cy="823912"/>
-          </a:xfrm>
-        </p:spPr>
-        <p:txBody>
-          <a:bodyPr anchor="b"/>
+          <a:bodyPr anchor="b">
+            <a:noAutofit/>
+          </a:bodyPr>
           <a:lstStyle>
             <a:lvl1pPr marL="0" indent="0">
               <a:buNone/>
-              <a:defRPr sz="2400" b="1"/>
+              <a:defRPr sz="2400" b="0"/>
             </a:lvl1pPr>
             <a:lvl2pPr marL="457200" indent="0">
               <a:buNone/>
@@ -1430,12 +3798,14 @@
         </p:nvSpPr>
         <p:spPr>
           <a:xfrm>
-            <a:off x="839788" y="2505075"/>
-            <a:ext cx="5157787" cy="3684588"/>
+            <a:off x="2589212" y="2548966"/>
+            <a:ext cx="4342893" cy="3354060"/>
           </a:xfrm>
         </p:spPr>
         <p:txBody>
-          <a:bodyPr/>
+          <a:bodyPr>
+            <a:normAutofit/>
+          </a:bodyPr>
           <a:lstStyle/>
           <a:p>
             <a:pPr lvl="0"/>
@@ -1471,7 +3841,7 @@
               <a:rPr lang="en-US" smtClean="0"/>
               <a:t>Fifth level</a:t>
             </a:r>
-            <a:endParaRPr lang="en-US"/>
+            <a:endParaRPr lang="en-US" dirty="0"/>
           </a:p>
         </p:txBody>
       </p:sp>
@@ -1487,16 +3857,18 @@
         </p:nvSpPr>
         <p:spPr>
           <a:xfrm>
-            <a:off x="6172200" y="1681163"/>
-            <a:ext cx="5183188" cy="823912"/>
+            <a:off x="7506629" y="1969475"/>
+            <a:ext cx="3999001" cy="576262"/>
           </a:xfrm>
         </p:spPr>
         <p:txBody>
-          <a:bodyPr anchor="b"/>
+          <a:bodyPr anchor="b">
+            <a:noAutofit/>
+          </a:bodyPr>
           <a:lstStyle>
             <a:lvl1pPr marL="0" indent="0">
               <a:buNone/>
-              <a:defRPr sz="2400" b="1"/>
+              <a:defRPr sz="2400" b="0"/>
             </a:lvl1pPr>
             <a:lvl2pPr marL="457200" indent="0">
               <a:buNone/>
@@ -1552,59 +3924,84 @@
         </p:nvSpPr>
         <p:spPr>
           <a:xfrm>
-            <a:off x="6172200" y="2505075"/>
-            <a:ext cx="5183188" cy="3684588"/>
+            <a:off x="7166957" y="2545738"/>
+            <a:ext cx="4338674" cy="3354060"/>
           </a:xfrm>
         </p:spPr>
         <p:txBody>
+          <a:bodyPr>
+            <a:normAutofit/>
+          </a:bodyPr>
+          <a:lstStyle/>
+          <a:p>
+            <a:pPr lvl="0"/>
+            <a:r>
+              <a:rPr lang="en-US" smtClean="0"/>
+              <a:t>Click to edit Master text styles</a:t>
+            </a:r>
+          </a:p>
+          <a:p>
+            <a:pPr lvl="1"/>
+            <a:r>
+              <a:rPr lang="en-US" smtClean="0"/>
+              <a:t>Second level</a:t>
+            </a:r>
+          </a:p>
+          <a:p>
+            <a:pPr lvl="2"/>
+            <a:r>
+              <a:rPr lang="en-US" smtClean="0"/>
+              <a:t>Third level</a:t>
+            </a:r>
+          </a:p>
+          <a:p>
+            <a:pPr lvl="3"/>
+            <a:r>
+              <a:rPr lang="en-US" smtClean="0"/>
+              <a:t>Fourth level</a:t>
+            </a:r>
+          </a:p>
+          <a:p>
+            <a:pPr lvl="4"/>
+            <a:r>
+              <a:rPr lang="en-US" smtClean="0"/>
+              <a:t>Fifth level</a:t>
+            </a:r>
+            <a:endParaRPr lang="en-US" dirty="0"/>
+          </a:p>
+        </p:txBody>
+      </p:sp>
+      <p:sp>
+        <p:nvSpPr>
+          <p:cNvPr id="7" name="Date Placeholder 6"/>
+          <p:cNvSpPr>
+            <a:spLocks noGrp="1"/>
+          </p:cNvSpPr>
+          <p:nvPr>
+            <p:ph type="dt" sz="half" idx="10"/>
+          </p:nvPr>
+        </p:nvSpPr>
+        <p:spPr/>
+        <p:txBody>
           <a:bodyPr/>
           <a:lstStyle/>
           <a:p>
-            <a:pPr lvl="0"/>
-            <a:r>
-              <a:rPr lang="en-US" smtClean="0"/>
-              <a:t>Click to edit Master text styles</a:t>
-            </a:r>
-          </a:p>
-          <a:p>
-            <a:pPr lvl="1"/>
-            <a:r>
-              <a:rPr lang="en-US" smtClean="0"/>
-              <a:t>Second level</a:t>
-            </a:r>
-          </a:p>
-          <a:p>
-            <a:pPr lvl="2"/>
-            <a:r>
-              <a:rPr lang="en-US" smtClean="0"/>
-              <a:t>Third level</a:t>
-            </a:r>
-          </a:p>
-          <a:p>
-            <a:pPr lvl="3"/>
-            <a:r>
-              <a:rPr lang="en-US" smtClean="0"/>
-              <a:t>Fourth level</a:t>
-            </a:r>
-          </a:p>
-          <a:p>
-            <a:pPr lvl="4"/>
-            <a:r>
-              <a:rPr lang="en-US" smtClean="0"/>
-              <a:t>Fifth level</a:t>
-            </a:r>
+            <a:fld id="{1FBC307E-BFDF-4D62-B554-0C8B7619B15D}" type="datetimeFigureOut">
+              <a:rPr lang="en-US" smtClean="0"/>
+              <a:t>11/6/2014</a:t>
+            </a:fld>
             <a:endParaRPr lang="en-US"/>
           </a:p>
         </p:txBody>
       </p:sp>
       <p:sp>
         <p:nvSpPr>
-          <p:cNvPr id="7" name="Date Placeholder 6"/>
-          <p:cNvSpPr>
-            <a:spLocks noGrp="1"/>
-          </p:cNvSpPr>
-          <p:nvPr>
-            <p:ph type="dt" sz="half" idx="10"/>
+          <p:cNvPr id="8" name="Footer Placeholder 7"/>
+          <p:cNvSpPr>
+            <a:spLocks noGrp="1"/>
+          </p:cNvSpPr>
+          <p:nvPr>
+            <p:ph type="ftr" sz="quarter" idx="11"/>
           </p:nvPr>
         </p:nvSpPr>
         <p:spPr/>
@@ -1612,36 +4009,95 @@
           <a:bodyPr/>
           <a:lstStyle/>
           <a:p>
-            <a:fld id="{1FBC307E-BFDF-4D62-B554-0C8B7619B15D}" type="datetimeFigureOut">
-              <a:rPr lang="en-US" smtClean="0"/>
-              <a:t>11/5/2014</a:t>
-            </a:fld>
             <a:endParaRPr lang="en-US"/>
           </a:p>
         </p:txBody>
       </p:sp>
       <p:sp>
         <p:nvSpPr>
-          <p:cNvPr id="8" name="Footer Placeholder 7"/>
-          <p:cNvSpPr>
-            <a:spLocks noGrp="1"/>
-          </p:cNvSpPr>
-          <p:nvPr>
-            <p:ph type="ftr" sz="quarter" idx="11"/>
-          </p:nvPr>
-        </p:nvSpPr>
-        <p:spPr/>
-        <p:txBody>
-          <a:bodyPr/>
-          <a:lstStyle/>
-          <a:p>
-            <a:endParaRPr lang="en-US"/>
-          </a:p>
-        </p:txBody>
-      </p:sp>
-      <p:sp>
-        <p:nvSpPr>
-          <p:cNvPr id="9" name="Slide Number Placeholder 8"/>
+          <p:cNvPr id="12" name="Freeform 11"/>
+          <p:cNvSpPr/>
+          <p:nvPr/>
+        </p:nvSpPr>
+        <p:spPr bwMode="auto">
+          <a:xfrm flipV="1">
+            <a:off x="-4189" y="714375"/>
+            <a:ext cx="1588527" cy="507297"/>
+          </a:xfrm>
+          <a:custGeom>
+            <a:avLst/>
+            <a:gdLst/>
+            <a:ahLst/>
+            <a:cxnLst/>
+            <a:rect l="l" t="t" r="r" b="b"/>
+            <a:pathLst>
+              <a:path w="9248" h="10000">
+                <a:moveTo>
+                  <a:pt x="9248" y="4701"/>
+                </a:moveTo>
+                <a:lnTo>
+                  <a:pt x="7915" y="188"/>
+                </a:lnTo>
+                <a:cubicBezTo>
+                  <a:pt x="7906" y="156"/>
+                  <a:pt x="7895" y="126"/>
+                  <a:pt x="7886" y="94"/>
+                </a:cubicBezTo>
+                <a:cubicBezTo>
+                  <a:pt x="7859" y="0"/>
+                  <a:pt x="7831" y="0"/>
+                  <a:pt x="7803" y="0"/>
+                </a:cubicBezTo>
+                <a:lnTo>
+                  <a:pt x="7275" y="0"/>
+                </a:lnTo>
+                <a:lnTo>
+                  <a:pt x="0" y="70"/>
+                </a:lnTo>
+                <a:cubicBezTo>
+                  <a:pt x="8" y="3380"/>
+                  <a:pt x="17" y="6690"/>
+                  <a:pt x="25" y="10000"/>
+                </a:cubicBezTo>
+                <a:lnTo>
+                  <a:pt x="7275" y="9966"/>
+                </a:lnTo>
+                <a:lnTo>
+                  <a:pt x="7803" y="9966"/>
+                </a:lnTo>
+                <a:cubicBezTo>
+                  <a:pt x="7831" y="9966"/>
+                  <a:pt x="7859" y="9872"/>
+                  <a:pt x="7886" y="9872"/>
+                </a:cubicBezTo>
+                <a:cubicBezTo>
+                  <a:pt x="7886" y="9778"/>
+                  <a:pt x="7915" y="9778"/>
+                  <a:pt x="7915" y="9778"/>
+                </a:cubicBezTo>
+                <a:lnTo>
+                  <a:pt x="9248" y="5265"/>
+                </a:lnTo>
+                <a:cubicBezTo>
+                  <a:pt x="9303" y="5077"/>
+                  <a:pt x="9303" y="4889"/>
+                  <a:pt x="9248" y="4701"/>
+                </a:cubicBezTo>
+                <a:close/>
+              </a:path>
+            </a:pathLst>
+          </a:custGeom>
+          <a:solidFill>
+            <a:schemeClr val="accent1"/>
+          </a:solidFill>
+          <a:ln>
+            <a:noFill/>
+          </a:ln>
+        </p:spPr>
+      </p:sp>
+      <p:sp>
+        <p:nvSpPr>
+          <p:cNvPr id="13" name="Slide Number Placeholder 5"/>
           <p:cNvSpPr>
             <a:spLocks noGrp="1"/>
           </p:cNvSpPr>
@@ -1649,7 +4105,12 @@
             <p:ph type="sldNum" sz="quarter" idx="12"/>
           </p:nvPr>
         </p:nvSpPr>
-        <p:spPr/>
+        <p:spPr>
+          <a:xfrm>
+            <a:off x="531812" y="787782"/>
+            <a:ext cx="779767" cy="365125"/>
+          </a:xfrm>
+        </p:spPr>
         <p:txBody>
           <a:bodyPr/>
           <a:lstStyle/>
@@ -1665,7 +4126,7 @@
     </p:spTree>
     <p:extLst>
       <p:ext uri="{BB962C8B-B14F-4D97-AF65-F5344CB8AC3E}">
-        <p14:creationId xmlns:p14="http://schemas.microsoft.com/office/powerpoint/2010/main" val="3219754553"/>
+        <p14:creationId xmlns:p14="http://schemas.microsoft.com/office/powerpoint/2010/main" val="1611571578"/>
       </p:ext>
     </p:extLst>
   </p:cSld>
@@ -1711,7 +4172,7 @@
               <a:rPr lang="en-US" smtClean="0"/>
               <a:t>Click to edit Master title style</a:t>
             </a:r>
-            <a:endParaRPr lang="en-US"/>
+            <a:endParaRPr lang="en-US" dirty="0"/>
           </a:p>
         </p:txBody>
       </p:sp>
@@ -1732,7 +4193,7 @@
           <a:p>
             <a:fld id="{1FBC307E-BFDF-4D62-B554-0C8B7619B15D}" type="datetimeFigureOut">
               <a:rPr lang="en-US" smtClean="0"/>
-              <a:t>11/5/2014</a:t>
+              <a:t>11/6/2014</a:t>
             </a:fld>
             <a:endParaRPr lang="en-US"/>
           </a:p>
@@ -1756,6 +4217,88 @@
             <a:endParaRPr lang="en-US"/>
           </a:p>
         </p:txBody>
+      </p:sp>
+      <p:sp>
+        <p:nvSpPr>
+          <p:cNvPr id="7" name="Freeform 11"/>
+          <p:cNvSpPr/>
+          <p:nvPr/>
+        </p:nvSpPr>
+        <p:spPr bwMode="auto">
+          <a:xfrm flipV="1">
+            <a:off x="-4189" y="714375"/>
+            <a:ext cx="1588527" cy="507297"/>
+          </a:xfrm>
+          <a:custGeom>
+            <a:avLst/>
+            <a:gdLst/>
+            <a:ahLst/>
+            <a:cxnLst/>
+            <a:rect l="l" t="t" r="r" b="b"/>
+            <a:pathLst>
+              <a:path w="9248" h="10000">
+                <a:moveTo>
+                  <a:pt x="9248" y="4701"/>
+                </a:moveTo>
+                <a:lnTo>
+                  <a:pt x="7915" y="188"/>
+                </a:lnTo>
+                <a:cubicBezTo>
+                  <a:pt x="7906" y="156"/>
+                  <a:pt x="7895" y="126"/>
+                  <a:pt x="7886" y="94"/>
+                </a:cubicBezTo>
+                <a:cubicBezTo>
+                  <a:pt x="7859" y="0"/>
+                  <a:pt x="7831" y="0"/>
+                  <a:pt x="7803" y="0"/>
+                </a:cubicBezTo>
+                <a:lnTo>
+                  <a:pt x="7275" y="0"/>
+                </a:lnTo>
+                <a:lnTo>
+                  <a:pt x="0" y="70"/>
+                </a:lnTo>
+                <a:cubicBezTo>
+                  <a:pt x="8" y="3380"/>
+                  <a:pt x="17" y="6690"/>
+                  <a:pt x="25" y="10000"/>
+                </a:cubicBezTo>
+                <a:lnTo>
+                  <a:pt x="7275" y="9966"/>
+                </a:lnTo>
+                <a:lnTo>
+                  <a:pt x="7803" y="9966"/>
+                </a:lnTo>
+                <a:cubicBezTo>
+                  <a:pt x="7831" y="9966"/>
+                  <a:pt x="7859" y="9872"/>
+                  <a:pt x="7886" y="9872"/>
+                </a:cubicBezTo>
+                <a:cubicBezTo>
+                  <a:pt x="7886" y="9778"/>
+                  <a:pt x="7915" y="9778"/>
+                  <a:pt x="7915" y="9778"/>
+                </a:cubicBezTo>
+                <a:lnTo>
+                  <a:pt x="9248" y="5265"/>
+                </a:lnTo>
+                <a:cubicBezTo>
+                  <a:pt x="9303" y="5077"/>
+                  <a:pt x="9303" y="4889"/>
+                  <a:pt x="9248" y="4701"/>
+                </a:cubicBezTo>
+                <a:close/>
+              </a:path>
+            </a:pathLst>
+          </a:custGeom>
+          <a:solidFill>
+            <a:schemeClr val="accent1"/>
+          </a:solidFill>
+          <a:ln>
+            <a:noFill/>
+          </a:ln>
+        </p:spPr>
       </p:sp>
       <p:sp>
         <p:nvSpPr>
@@ -1783,7 +4326,7 @@
     </p:spTree>
     <p:extLst>
       <p:ext uri="{BB962C8B-B14F-4D97-AF65-F5344CB8AC3E}">
-        <p14:creationId xmlns:p14="http://schemas.microsoft.com/office/powerpoint/2010/main" val="1594120417"/>
+        <p14:creationId xmlns:p14="http://schemas.microsoft.com/office/powerpoint/2010/main" val="1258538018"/>
       </p:ext>
     </p:extLst>
   </p:cSld>
@@ -1827,7 +4370,7 @@
           <a:p>
             <a:fld id="{1FBC307E-BFDF-4D62-B554-0C8B7619B15D}" type="datetimeFigureOut">
               <a:rPr lang="en-US" smtClean="0"/>
-              <a:t>11/5/2014</a:t>
+              <a:t>11/6/2014</a:t>
             </a:fld>
             <a:endParaRPr lang="en-US"/>
           </a:p>
@@ -1851,6 +4394,88 @@
             <a:endParaRPr lang="en-US"/>
           </a:p>
         </p:txBody>
+      </p:sp>
+      <p:sp>
+        <p:nvSpPr>
+          <p:cNvPr id="6" name="Freeform 11"/>
+          <p:cNvSpPr/>
+          <p:nvPr/>
+        </p:nvSpPr>
+        <p:spPr bwMode="auto">
+          <a:xfrm flipV="1">
+            <a:off x="-4189" y="714375"/>
+            <a:ext cx="1588527" cy="507297"/>
+          </a:xfrm>
+          <a:custGeom>
+            <a:avLst/>
+            <a:gdLst/>
+            <a:ahLst/>
+            <a:cxnLst/>
+            <a:rect l="l" t="t" r="r" b="b"/>
+            <a:pathLst>
+              <a:path w="9248" h="10000">
+                <a:moveTo>
+                  <a:pt x="9248" y="4701"/>
+                </a:moveTo>
+                <a:lnTo>
+                  <a:pt x="7915" y="188"/>
+                </a:lnTo>
+                <a:cubicBezTo>
+                  <a:pt x="7906" y="156"/>
+                  <a:pt x="7895" y="126"/>
+                  <a:pt x="7886" y="94"/>
+                </a:cubicBezTo>
+                <a:cubicBezTo>
+                  <a:pt x="7859" y="0"/>
+                  <a:pt x="7831" y="0"/>
+                  <a:pt x="7803" y="0"/>
+                </a:cubicBezTo>
+                <a:lnTo>
+                  <a:pt x="7275" y="0"/>
+                </a:lnTo>
+                <a:lnTo>
+                  <a:pt x="0" y="70"/>
+                </a:lnTo>
+                <a:cubicBezTo>
+                  <a:pt x="8" y="3380"/>
+                  <a:pt x="17" y="6690"/>
+                  <a:pt x="25" y="10000"/>
+                </a:cubicBezTo>
+                <a:lnTo>
+                  <a:pt x="7275" y="9966"/>
+                </a:lnTo>
+                <a:lnTo>
+                  <a:pt x="7803" y="9966"/>
+                </a:lnTo>
+                <a:cubicBezTo>
+                  <a:pt x="7831" y="9966"/>
+                  <a:pt x="7859" y="9872"/>
+                  <a:pt x="7886" y="9872"/>
+                </a:cubicBezTo>
+                <a:cubicBezTo>
+                  <a:pt x="7886" y="9778"/>
+                  <a:pt x="7915" y="9778"/>
+                  <a:pt x="7915" y="9778"/>
+                </a:cubicBezTo>
+                <a:lnTo>
+                  <a:pt x="9248" y="5265"/>
+                </a:lnTo>
+                <a:cubicBezTo>
+                  <a:pt x="9303" y="5077"/>
+                  <a:pt x="9303" y="4889"/>
+                  <a:pt x="9248" y="4701"/>
+                </a:cubicBezTo>
+                <a:close/>
+              </a:path>
+            </a:pathLst>
+          </a:custGeom>
+          <a:solidFill>
+            <a:schemeClr val="accent1"/>
+          </a:solidFill>
+          <a:ln>
+            <a:noFill/>
+          </a:ln>
+        </p:spPr>
       </p:sp>
       <p:sp>
         <p:nvSpPr>
@@ -1878,7 +4503,7 @@
     </p:spTree>
     <p:extLst>
       <p:ext uri="{BB962C8B-B14F-4D97-AF65-F5344CB8AC3E}">
-        <p14:creationId xmlns:p14="http://schemas.microsoft.com/office/powerpoint/2010/main" val="2852038190"/>
+        <p14:creationId xmlns:p14="http://schemas.microsoft.com/office/powerpoint/2010/main" val="1553846053"/>
       </p:ext>
     </p:extLst>
   </p:cSld>
@@ -1917,15 +4542,15 @@
         </p:nvSpPr>
         <p:spPr>
           <a:xfrm>
-            <a:off x="839788" y="457200"/>
-            <a:ext cx="3932237" cy="1600200"/>
+            <a:off x="2589212" y="446088"/>
+            <a:ext cx="3505199" cy="976312"/>
           </a:xfrm>
         </p:spPr>
         <p:txBody>
           <a:bodyPr anchor="b"/>
           <a:lstStyle>
-            <a:lvl1pPr>
-              <a:defRPr sz="3200"/>
+            <a:lvl1pPr algn="l">
+              <a:defRPr sz="2000" b="0"/>
             </a:lvl1pPr>
           </a:lstStyle>
           <a:p>
@@ -1933,7 +4558,7 @@
               <a:rPr lang="en-US" smtClean="0"/>
               <a:t>Click to edit Master title style</a:t>
             </a:r>
-            <a:endParaRPr lang="en-US"/>
+            <a:endParaRPr lang="en-US" dirty="0"/>
           </a:p>
         </p:txBody>
       </p:sp>
@@ -1949,41 +4574,15 @@
         </p:nvSpPr>
         <p:spPr>
           <a:xfrm>
-            <a:off x="5183188" y="987425"/>
-            <a:ext cx="6172200" cy="4873625"/>
+            <a:off x="6323012" y="446088"/>
+            <a:ext cx="5181600" cy="5414963"/>
           </a:xfrm>
         </p:spPr>
         <p:txBody>
-          <a:bodyPr/>
-          <a:lstStyle>
-            <a:lvl1pPr>
-              <a:defRPr sz="3200"/>
-            </a:lvl1pPr>
-            <a:lvl2pPr>
-              <a:defRPr sz="2800"/>
-            </a:lvl2pPr>
-            <a:lvl3pPr>
-              <a:defRPr sz="2400"/>
-            </a:lvl3pPr>
-            <a:lvl4pPr>
-              <a:defRPr sz="2000"/>
-            </a:lvl4pPr>
-            <a:lvl5pPr>
-              <a:defRPr sz="2000"/>
-            </a:lvl5pPr>
-            <a:lvl6pPr>
-              <a:defRPr sz="2000"/>
-            </a:lvl6pPr>
-            <a:lvl7pPr>
-              <a:defRPr sz="2000"/>
-            </a:lvl7pPr>
-            <a:lvl8pPr>
-              <a:defRPr sz="2000"/>
-            </a:lvl8pPr>
-            <a:lvl9pPr>
-              <a:defRPr sz="2000"/>
-            </a:lvl9pPr>
-          </a:lstStyle>
+          <a:bodyPr anchor="ctr">
+            <a:normAutofit/>
+          </a:bodyPr>
+          <a:lstStyle/>
           <a:p>
             <a:pPr lvl="0"/>
             <a:r>
@@ -2018,7 +4617,7 @@
               <a:rPr lang="en-US" smtClean="0"/>
               <a:t>Fifth level</a:t>
             </a:r>
-            <a:endParaRPr lang="en-US"/>
+            <a:endParaRPr lang="en-US" dirty="0"/>
           </a:p>
         </p:txBody>
       </p:sp>
@@ -2034,8 +4633,8 @@
         </p:nvSpPr>
         <p:spPr>
           <a:xfrm>
-            <a:off x="839788" y="2057400"/>
-            <a:ext cx="3932237" cy="3811588"/>
+            <a:off x="2589212" y="1598613"/>
+            <a:ext cx="3505199" cy="4262436"/>
           </a:xfrm>
         </p:spPr>
         <p:txBody>
@@ -2043,39 +4642,39 @@
           <a:lstStyle>
             <a:lvl1pPr marL="0" indent="0">
               <a:buNone/>
-              <a:defRPr sz="1600"/>
+              <a:defRPr sz="1400"/>
             </a:lvl1pPr>
             <a:lvl2pPr marL="457200" indent="0">
               <a:buNone/>
-              <a:defRPr sz="1400"/>
+              <a:defRPr sz="1200"/>
             </a:lvl2pPr>
             <a:lvl3pPr marL="914400" indent="0">
               <a:buNone/>
-              <a:defRPr sz="1200"/>
+              <a:defRPr sz="1000"/>
             </a:lvl3pPr>
             <a:lvl4pPr marL="1371600" indent="0">
               <a:buNone/>
-              <a:defRPr sz="1000"/>
+              <a:defRPr sz="900"/>
             </a:lvl4pPr>
             <a:lvl5pPr marL="1828800" indent="0">
               <a:buNone/>
-              <a:defRPr sz="1000"/>
+              <a:defRPr sz="900"/>
             </a:lvl5pPr>
             <a:lvl6pPr marL="2286000" indent="0">
               <a:buNone/>
-              <a:defRPr sz="1000"/>
+              <a:defRPr sz="900"/>
             </a:lvl6pPr>
             <a:lvl7pPr marL="2743200" indent="0">
               <a:buNone/>
-              <a:defRPr sz="1000"/>
+              <a:defRPr sz="900"/>
             </a:lvl7pPr>
             <a:lvl8pPr marL="3200400" indent="0">
               <a:buNone/>
-              <a:defRPr sz="1000"/>
+              <a:defRPr sz="900"/>
             </a:lvl8pPr>
             <a:lvl9pPr marL="3657600" indent="0">
               <a:buNone/>
-              <a:defRPr sz="1000"/>
+              <a:defRPr sz="900"/>
             </a:lvl9pPr>
           </a:lstStyle>
           <a:p>
@@ -2104,7 +4703,7 @@
           <a:p>
             <a:fld id="{1FBC307E-BFDF-4D62-B554-0C8B7619B15D}" type="datetimeFigureOut">
               <a:rPr lang="en-US" smtClean="0"/>
-              <a:t>11/5/2014</a:t>
+              <a:t>11/6/2014</a:t>
             </a:fld>
             <a:endParaRPr lang="en-US"/>
           </a:p>
@@ -2128,6 +4727,88 @@
             <a:endParaRPr lang="en-US"/>
           </a:p>
         </p:txBody>
+      </p:sp>
+      <p:sp>
+        <p:nvSpPr>
+          <p:cNvPr id="9" name="Freeform 11"/>
+          <p:cNvSpPr/>
+          <p:nvPr/>
+        </p:nvSpPr>
+        <p:spPr bwMode="auto">
+          <a:xfrm flipV="1">
+            <a:off x="-4189" y="714375"/>
+            <a:ext cx="1588527" cy="507297"/>
+          </a:xfrm>
+          <a:custGeom>
+            <a:avLst/>
+            <a:gdLst/>
+            <a:ahLst/>
+            <a:cxnLst/>
+            <a:rect l="l" t="t" r="r" b="b"/>
+            <a:pathLst>
+              <a:path w="9248" h="10000">
+                <a:moveTo>
+                  <a:pt x="9248" y="4701"/>
+                </a:moveTo>
+                <a:lnTo>
+                  <a:pt x="7915" y="188"/>
+                </a:lnTo>
+                <a:cubicBezTo>
+                  <a:pt x="7906" y="156"/>
+                  <a:pt x="7895" y="126"/>
+                  <a:pt x="7886" y="94"/>
+                </a:cubicBezTo>
+                <a:cubicBezTo>
+                  <a:pt x="7859" y="0"/>
+                  <a:pt x="7831" y="0"/>
+                  <a:pt x="7803" y="0"/>
+                </a:cubicBezTo>
+                <a:lnTo>
+                  <a:pt x="7275" y="0"/>
+                </a:lnTo>
+                <a:lnTo>
+                  <a:pt x="0" y="70"/>
+                </a:lnTo>
+                <a:cubicBezTo>
+                  <a:pt x="8" y="3380"/>
+                  <a:pt x="17" y="6690"/>
+                  <a:pt x="25" y="10000"/>
+                </a:cubicBezTo>
+                <a:lnTo>
+                  <a:pt x="7275" y="9966"/>
+                </a:lnTo>
+                <a:lnTo>
+                  <a:pt x="7803" y="9966"/>
+                </a:lnTo>
+                <a:cubicBezTo>
+                  <a:pt x="7831" y="9966"/>
+                  <a:pt x="7859" y="9872"/>
+                  <a:pt x="7886" y="9872"/>
+                </a:cubicBezTo>
+                <a:cubicBezTo>
+                  <a:pt x="7886" y="9778"/>
+                  <a:pt x="7915" y="9778"/>
+                  <a:pt x="7915" y="9778"/>
+                </a:cubicBezTo>
+                <a:lnTo>
+                  <a:pt x="9248" y="5265"/>
+                </a:lnTo>
+                <a:cubicBezTo>
+                  <a:pt x="9303" y="5077"/>
+                  <a:pt x="9303" y="4889"/>
+                  <a:pt x="9248" y="4701"/>
+                </a:cubicBezTo>
+                <a:close/>
+              </a:path>
+            </a:pathLst>
+          </a:custGeom>
+          <a:solidFill>
+            <a:schemeClr val="accent1"/>
+          </a:solidFill>
+          <a:ln>
+            <a:noFill/>
+          </a:ln>
+        </p:spPr>
       </p:sp>
       <p:sp>
         <p:nvSpPr>
@@ -2155,7 +4836,7 @@
     </p:spTree>
     <p:extLst>
       <p:ext uri="{BB962C8B-B14F-4D97-AF65-F5344CB8AC3E}">
-        <p14:creationId xmlns:p14="http://schemas.microsoft.com/office/powerpoint/2010/main" val="3801144726"/>
+        <p14:creationId xmlns:p14="http://schemas.microsoft.com/office/powerpoint/2010/main" val="3112866355"/>
       </p:ext>
     </p:extLst>
   </p:cSld>
@@ -2194,15 +4875,17 @@
         </p:nvSpPr>
         <p:spPr>
           <a:xfrm>
-            <a:off x="839788" y="457200"/>
-            <a:ext cx="3932237" cy="1600200"/>
+            <a:off x="2589213" y="4800600"/>
+            <a:ext cx="8915400" cy="566738"/>
           </a:xfrm>
         </p:spPr>
         <p:txBody>
-          <a:bodyPr anchor="b"/>
+          <a:bodyPr anchor="b">
+            <a:normAutofit/>
+          </a:bodyPr>
           <a:lstStyle>
-            <a:lvl1pPr>
-              <a:defRPr sz="3200"/>
+            <a:lvl1pPr algn="l">
+              <a:defRPr sz="2400" b="0"/>
             </a:lvl1pPr>
           </a:lstStyle>
           <a:p>
@@ -2210,7 +4893,7 @@
               <a:rPr lang="en-US" smtClean="0"/>
               <a:t>Click to edit Master title style</a:t>
             </a:r>
-            <a:endParaRPr lang="en-US"/>
+            <a:endParaRPr lang="en-US" dirty="0"/>
           </a:p>
         </p:txBody>
       </p:sp>
@@ -2218,7 +4901,7 @@
         <p:nvSpPr>
           <p:cNvPr id="3" name="Picture Placeholder 2"/>
           <p:cNvSpPr>
-            <a:spLocks noGrp="1"/>
+            <a:spLocks noGrp="1" noChangeAspect="1"/>
           </p:cNvSpPr>
           <p:nvPr>
             <p:ph type="pic" idx="1"/>
@@ -2226,112 +4909,120 @@
         </p:nvSpPr>
         <p:spPr>
           <a:xfrm>
-            <a:off x="5183188" y="987425"/>
-            <a:ext cx="6172200" cy="4873625"/>
+            <a:off x="2589212" y="634965"/>
+            <a:ext cx="8915400" cy="3854970"/>
           </a:xfrm>
         </p:spPr>
         <p:txBody>
-          <a:bodyPr/>
+          <a:bodyPr anchor="t">
+            <a:normAutofit/>
+          </a:bodyPr>
           <a:lstStyle>
-            <a:lvl1pPr marL="0" indent="0">
-              <a:buNone/>
-              <a:defRPr sz="3200"/>
-            </a:lvl1pPr>
-            <a:lvl2pPr marL="457200" indent="0">
-              <a:buNone/>
-              <a:defRPr sz="2800"/>
-            </a:lvl2pPr>
-            <a:lvl3pPr marL="914400" indent="0">
-              <a:buNone/>
-              <a:defRPr sz="2400"/>
-            </a:lvl3pPr>
-            <a:lvl4pPr marL="1371600" indent="0">
-              <a:buNone/>
-              <a:defRPr sz="2000"/>
-            </a:lvl4pPr>
-            <a:lvl5pPr marL="1828800" indent="0">
-              <a:buNone/>
-              <a:defRPr sz="2000"/>
-            </a:lvl5pPr>
-            <a:lvl6pPr marL="2286000" indent="0">
-              <a:buNone/>
-              <a:defRPr sz="2000"/>
-            </a:lvl6pPr>
-            <a:lvl7pPr marL="2743200" indent="0">
-              <a:buNone/>
-              <a:defRPr sz="2000"/>
-            </a:lvl7pPr>
-            <a:lvl8pPr marL="3200400" indent="0">
-              <a:buNone/>
-              <a:defRPr sz="2000"/>
-            </a:lvl8pPr>
-            <a:lvl9pPr marL="3657600" indent="0">
-              <a:buNone/>
-              <a:defRPr sz="2000"/>
-            </a:lvl9pPr>
-          </a:lstStyle>
-          <a:p>
-            <a:endParaRPr lang="en-US"/>
-          </a:p>
-        </p:txBody>
-      </p:sp>
-      <p:sp>
-        <p:nvSpPr>
-          <p:cNvPr id="4" name="Text Placeholder 3"/>
-          <p:cNvSpPr>
-            <a:spLocks noGrp="1"/>
-          </p:cNvSpPr>
-          <p:nvPr>
-            <p:ph type="body" sz="half" idx="2"/>
-          </p:nvPr>
-        </p:nvSpPr>
-        <p:spPr>
-          <a:xfrm>
-            <a:off x="839788" y="2057400"/>
-            <a:ext cx="3932237" cy="3811588"/>
-          </a:xfrm>
-        </p:spPr>
-        <p:txBody>
-          <a:bodyPr/>
-          <a:lstStyle>
-            <a:lvl1pPr marL="0" indent="0">
+            <a:lvl1pPr marL="0" indent="0" algn="ctr">
               <a:buNone/>
               <a:defRPr sz="1600"/>
             </a:lvl1pPr>
             <a:lvl2pPr marL="457200" indent="0">
               <a:buNone/>
-              <a:defRPr sz="1400"/>
+              <a:defRPr sz="1600"/>
             </a:lvl2pPr>
             <a:lvl3pPr marL="914400" indent="0">
               <a:buNone/>
-              <a:defRPr sz="1200"/>
+              <a:defRPr sz="1600"/>
             </a:lvl3pPr>
             <a:lvl4pPr marL="1371600" indent="0">
               <a:buNone/>
-              <a:defRPr sz="1000"/>
+              <a:defRPr sz="1600"/>
             </a:lvl4pPr>
             <a:lvl5pPr marL="1828800" indent="0">
               <a:buNone/>
-              <a:defRPr sz="1000"/>
+              <a:defRPr sz="1600"/>
             </a:lvl5pPr>
             <a:lvl6pPr marL="2286000" indent="0">
               <a:buNone/>
-              <a:defRPr sz="1000"/>
+              <a:defRPr sz="1600"/>
             </a:lvl6pPr>
             <a:lvl7pPr marL="2743200" indent="0">
               <a:buNone/>
-              <a:defRPr sz="1000"/>
+              <a:defRPr sz="1600"/>
             </a:lvl7pPr>
             <a:lvl8pPr marL="3200400" indent="0">
               <a:buNone/>
-              <a:defRPr sz="1000"/>
+              <a:defRPr sz="1600"/>
             </a:lvl8pPr>
             <a:lvl9pPr marL="3657600" indent="0">
               <a:buNone/>
-              <a:defRPr sz="1000"/>
+              <a:defRPr sz="1600"/>
             </a:lvl9pPr>
           </a:lstStyle>
           <a:p>
+            <a:r>
+              <a:rPr lang="en-US" smtClean="0"/>
+              <a:t>Click icon to add picture</a:t>
+            </a:r>
+            <a:endParaRPr lang="en-US" dirty="0"/>
+          </a:p>
+        </p:txBody>
+      </p:sp>
+      <p:sp>
+        <p:nvSpPr>
+          <p:cNvPr id="4" name="Text Placeholder 3"/>
+          <p:cNvSpPr>
+            <a:spLocks noGrp="1"/>
+          </p:cNvSpPr>
+          <p:nvPr>
+            <p:ph type="body" sz="half" idx="2"/>
+          </p:nvPr>
+        </p:nvSpPr>
+        <p:spPr>
+          <a:xfrm>
+            <a:off x="2589213" y="5367338"/>
+            <a:ext cx="8915400" cy="493712"/>
+          </a:xfrm>
+        </p:spPr>
+        <p:txBody>
+          <a:bodyPr>
+            <a:normAutofit/>
+          </a:bodyPr>
+          <a:lstStyle>
+            <a:lvl1pPr marL="0" indent="0">
+              <a:buNone/>
+              <a:defRPr sz="1200"/>
+            </a:lvl1pPr>
+            <a:lvl2pPr marL="457200" indent="0">
+              <a:buNone/>
+              <a:defRPr sz="1200"/>
+            </a:lvl2pPr>
+            <a:lvl3pPr marL="914400" indent="0">
+              <a:buNone/>
+              <a:defRPr sz="1000"/>
+            </a:lvl3pPr>
+            <a:lvl4pPr marL="1371600" indent="0">
+              <a:buNone/>
+              <a:defRPr sz="900"/>
+            </a:lvl4pPr>
+            <a:lvl5pPr marL="1828800" indent="0">
+              <a:buNone/>
+              <a:defRPr sz="900"/>
+            </a:lvl5pPr>
+            <a:lvl6pPr marL="2286000" indent="0">
+              <a:buNone/>
+              <a:defRPr sz="900"/>
+            </a:lvl6pPr>
+            <a:lvl7pPr marL="2743200" indent="0">
+              <a:buNone/>
+              <a:defRPr sz="900"/>
+            </a:lvl7pPr>
+            <a:lvl8pPr marL="3200400" indent="0">
+              <a:buNone/>
+              <a:defRPr sz="900"/>
+            </a:lvl8pPr>
+            <a:lvl9pPr marL="3657600" indent="0">
+              <a:buNone/>
+              <a:defRPr sz="900"/>
+            </a:lvl9pPr>
+          </a:lstStyle>
+          <a:p>
             <a:pPr lvl="0"/>
             <a:r>
               <a:rPr lang="en-US" smtClean="0"/>
@@ -2357,7 +5048,7 @@
           <a:p>
             <a:fld id="{1FBC307E-BFDF-4D62-B554-0C8B7619B15D}" type="datetimeFigureOut">
               <a:rPr lang="en-US" smtClean="0"/>
-              <a:t>11/5/2014</a:t>
+              <a:t>11/6/2014</a:t>
             </a:fld>
             <a:endParaRPr lang="en-US"/>
           </a:p>
@@ -2384,6 +5075,88 @@
       </p:sp>
       <p:sp>
         <p:nvSpPr>
+          <p:cNvPr id="9" name="Freeform 11"/>
+          <p:cNvSpPr/>
+          <p:nvPr/>
+        </p:nvSpPr>
+        <p:spPr bwMode="auto">
+          <a:xfrm flipV="1">
+            <a:off x="-4189" y="4911725"/>
+            <a:ext cx="1588527" cy="507297"/>
+          </a:xfrm>
+          <a:custGeom>
+            <a:avLst/>
+            <a:gdLst/>
+            <a:ahLst/>
+            <a:cxnLst/>
+            <a:rect l="l" t="t" r="r" b="b"/>
+            <a:pathLst>
+              <a:path w="9248" h="10000">
+                <a:moveTo>
+                  <a:pt x="9248" y="4701"/>
+                </a:moveTo>
+                <a:lnTo>
+                  <a:pt x="7915" y="188"/>
+                </a:lnTo>
+                <a:cubicBezTo>
+                  <a:pt x="7906" y="156"/>
+                  <a:pt x="7895" y="126"/>
+                  <a:pt x="7886" y="94"/>
+                </a:cubicBezTo>
+                <a:cubicBezTo>
+                  <a:pt x="7859" y="0"/>
+                  <a:pt x="7831" y="0"/>
+                  <a:pt x="7803" y="0"/>
+                </a:cubicBezTo>
+                <a:lnTo>
+                  <a:pt x="7275" y="0"/>
+                </a:lnTo>
+                <a:lnTo>
+                  <a:pt x="0" y="70"/>
+                </a:lnTo>
+                <a:cubicBezTo>
+                  <a:pt x="8" y="3380"/>
+                  <a:pt x="17" y="6690"/>
+                  <a:pt x="25" y="10000"/>
+                </a:cubicBezTo>
+                <a:lnTo>
+                  <a:pt x="7275" y="9966"/>
+                </a:lnTo>
+                <a:lnTo>
+                  <a:pt x="7803" y="9966"/>
+                </a:lnTo>
+                <a:cubicBezTo>
+                  <a:pt x="7831" y="9966"/>
+                  <a:pt x="7859" y="9872"/>
+                  <a:pt x="7886" y="9872"/>
+                </a:cubicBezTo>
+                <a:cubicBezTo>
+                  <a:pt x="7886" y="9778"/>
+                  <a:pt x="7915" y="9778"/>
+                  <a:pt x="7915" y="9778"/>
+                </a:cubicBezTo>
+                <a:lnTo>
+                  <a:pt x="9248" y="5265"/>
+                </a:lnTo>
+                <a:cubicBezTo>
+                  <a:pt x="9303" y="5077"/>
+                  <a:pt x="9303" y="4889"/>
+                  <a:pt x="9248" y="4701"/>
+                </a:cubicBezTo>
+                <a:close/>
+              </a:path>
+            </a:pathLst>
+          </a:custGeom>
+          <a:solidFill>
+            <a:schemeClr val="accent1"/>
+          </a:solidFill>
+          <a:ln>
+            <a:noFill/>
+          </a:ln>
+        </p:spPr>
+      </p:sp>
+      <p:sp>
+        <p:nvSpPr>
           <p:cNvPr id="7" name="Slide Number Placeholder 6"/>
           <p:cNvSpPr>
             <a:spLocks noGrp="1"/>
@@ -2392,7 +5165,12 @@
             <p:ph type="sldNum" sz="quarter" idx="12"/>
           </p:nvPr>
         </p:nvSpPr>
-        <p:spPr/>
+        <p:spPr>
+          <a:xfrm>
+            <a:off x="531812" y="4983087"/>
+            <a:ext cx="779767" cy="365125"/>
+          </a:xfrm>
+        </p:spPr>
         <p:txBody>
           <a:bodyPr/>
           <a:lstStyle/>
@@ -2408,7 +5186,7 @@
     </p:spTree>
     <p:extLst>
       <p:ext uri="{BB962C8B-B14F-4D97-AF65-F5344CB8AC3E}">
-        <p14:creationId xmlns:p14="http://schemas.microsoft.com/office/powerpoint/2010/main" val="1749589678"/>
+        <p14:creationId xmlns:p14="http://schemas.microsoft.com/office/powerpoint/2010/main" val="2091390707"/>
       </p:ext>
     </p:extLst>
   </p:cSld>
@@ -2422,8 +5200,8 @@
 <p:sldMaster xmlns:a="http://schemas.openxmlformats.org/drawingml/2006/main" xmlns:r="http://schemas.openxmlformats.org/officeDocument/2006/relationships" xmlns:p="http://schemas.openxmlformats.org/presentationml/2006/main">
   <p:cSld>
     <p:bg>
-      <p:bgRef idx="1001">
-        <a:schemeClr val="bg1"/>
+      <p:bgRef idx="1003">
+        <a:schemeClr val="bg2"/>
       </p:bgRef>
     </p:bg>
     <p:spTree>
@@ -2440,27 +5218,1844 @@
           <a:chExt cx="0" cy="0"/>
         </a:xfrm>
       </p:grpSpPr>
-      <p:sp>
-        <p:nvSpPr>
-          <p:cNvPr id="2" name="Title Placeholder 1"/>
-          <p:cNvSpPr>
-            <a:spLocks noGrp="1"/>
-          </p:cNvSpPr>
-          <p:nvPr>
-            <p:ph type="title"/>
-          </p:nvPr>
+      <p:grpSp>
+        <p:nvGrpSpPr>
+          <p:cNvPr id="23" name="Group 22"/>
+          <p:cNvGrpSpPr/>
+          <p:nvPr/>
+        </p:nvGrpSpPr>
+        <p:grpSpPr>
+          <a:xfrm>
+            <a:off x="1" y="228600"/>
+            <a:ext cx="2851516" cy="6638628"/>
+            <a:chOff x="2487613" y="285750"/>
+            <a:chExt cx="2428875" cy="5654676"/>
+          </a:xfrm>
+        </p:grpSpPr>
+        <p:sp>
+          <p:nvSpPr>
+            <p:cNvPr id="24" name="Freeform 11"/>
+            <p:cNvSpPr/>
+            <p:nvPr/>
+          </p:nvSpPr>
+          <p:spPr bwMode="auto">
+            <a:xfrm>
+              <a:off x="2487613" y="2284413"/>
+              <a:ext cx="85725" cy="533400"/>
+            </a:xfrm>
+            <a:custGeom>
+              <a:avLst/>
+              <a:gdLst/>
+              <a:ahLst/>
+              <a:cxnLst/>
+              <a:rect l="0" t="0" r="r" b="b"/>
+              <a:pathLst>
+                <a:path w="22" h="136">
+                  <a:moveTo>
+                    <a:pt x="22" y="136"/>
+                  </a:moveTo>
+                  <a:cubicBezTo>
+                    <a:pt x="20" y="117"/>
+                    <a:pt x="19" y="99"/>
+                    <a:pt x="17" y="80"/>
+                  </a:cubicBezTo>
+                  <a:cubicBezTo>
+                    <a:pt x="11" y="54"/>
+                    <a:pt x="6" y="27"/>
+                    <a:pt x="0" y="0"/>
+                  </a:cubicBezTo>
+                  <a:cubicBezTo>
+                    <a:pt x="0" y="35"/>
+                    <a:pt x="0" y="35"/>
+                    <a:pt x="0" y="35"/>
+                  </a:cubicBezTo>
+                  <a:cubicBezTo>
+                    <a:pt x="6" y="64"/>
+                    <a:pt x="13" y="94"/>
+                    <a:pt x="20" y="124"/>
+                  </a:cubicBezTo>
+                  <a:cubicBezTo>
+                    <a:pt x="20" y="128"/>
+                    <a:pt x="21" y="132"/>
+                    <a:pt x="22" y="136"/>
+                  </a:cubicBezTo>
+                  <a:close/>
+                </a:path>
+              </a:pathLst>
+            </a:custGeom>
+            <a:solidFill>
+              <a:schemeClr val="tx2">
+                <a:alpha val="20000"/>
+              </a:schemeClr>
+            </a:solidFill>
+            <a:ln>
+              <a:noFill/>
+            </a:ln>
+          </p:spPr>
+        </p:sp>
+        <p:sp>
+          <p:nvSpPr>
+            <p:cNvPr id="25" name="Freeform 12"/>
+            <p:cNvSpPr/>
+            <p:nvPr/>
+          </p:nvSpPr>
+          <p:spPr bwMode="auto">
+            <a:xfrm>
+              <a:off x="2597151" y="2779713"/>
+              <a:ext cx="550863" cy="1978025"/>
+            </a:xfrm>
+            <a:custGeom>
+              <a:avLst/>
+              <a:gdLst/>
+              <a:ahLst/>
+              <a:cxnLst/>
+              <a:rect l="0" t="0" r="r" b="b"/>
+              <a:pathLst>
+                <a:path w="140" h="504">
+                  <a:moveTo>
+                    <a:pt x="86" y="350"/>
+                  </a:moveTo>
+                  <a:cubicBezTo>
+                    <a:pt x="103" y="402"/>
+                    <a:pt x="120" y="453"/>
+                    <a:pt x="139" y="504"/>
+                  </a:cubicBezTo>
+                  <a:cubicBezTo>
+                    <a:pt x="139" y="495"/>
+                    <a:pt x="139" y="487"/>
+                    <a:pt x="140" y="478"/>
+                  </a:cubicBezTo>
+                  <a:cubicBezTo>
+                    <a:pt x="124" y="435"/>
+                    <a:pt x="109" y="391"/>
+                    <a:pt x="95" y="347"/>
+                  </a:cubicBezTo>
+                  <a:cubicBezTo>
+                    <a:pt x="58" y="233"/>
+                    <a:pt x="27" y="117"/>
+                    <a:pt x="0" y="0"/>
+                  </a:cubicBezTo>
+                  <a:cubicBezTo>
+                    <a:pt x="2" y="20"/>
+                    <a:pt x="4" y="41"/>
+                    <a:pt x="6" y="61"/>
+                  </a:cubicBezTo>
+                  <a:cubicBezTo>
+                    <a:pt x="30" y="158"/>
+                    <a:pt x="56" y="255"/>
+                    <a:pt x="86" y="350"/>
+                  </a:cubicBezTo>
+                  <a:close/>
+                </a:path>
+              </a:pathLst>
+            </a:custGeom>
+            <a:solidFill>
+              <a:schemeClr val="tx2">
+                <a:alpha val="20000"/>
+              </a:schemeClr>
+            </a:solidFill>
+            <a:ln>
+              <a:noFill/>
+            </a:ln>
+          </p:spPr>
+        </p:sp>
+        <p:sp>
+          <p:nvSpPr>
+            <p:cNvPr id="26" name="Freeform 13"/>
+            <p:cNvSpPr/>
+            <p:nvPr/>
+          </p:nvSpPr>
+          <p:spPr bwMode="auto">
+            <a:xfrm>
+              <a:off x="3175001" y="4730750"/>
+              <a:ext cx="519113" cy="1209675"/>
+            </a:xfrm>
+            <a:custGeom>
+              <a:avLst/>
+              <a:gdLst/>
+              <a:ahLst/>
+              <a:cxnLst/>
+              <a:rect l="0" t="0" r="r" b="b"/>
+              <a:pathLst>
+                <a:path w="132" h="308">
+                  <a:moveTo>
+                    <a:pt x="8" y="22"/>
+                  </a:moveTo>
+                  <a:cubicBezTo>
+                    <a:pt x="5" y="15"/>
+                    <a:pt x="2" y="8"/>
+                    <a:pt x="0" y="0"/>
+                  </a:cubicBezTo>
+                  <a:cubicBezTo>
+                    <a:pt x="0" y="10"/>
+                    <a:pt x="0" y="19"/>
+                    <a:pt x="0" y="29"/>
+                  </a:cubicBezTo>
+                  <a:cubicBezTo>
+                    <a:pt x="21" y="85"/>
+                    <a:pt x="44" y="140"/>
+                    <a:pt x="68" y="194"/>
+                  </a:cubicBezTo>
+                  <a:cubicBezTo>
+                    <a:pt x="85" y="232"/>
+                    <a:pt x="104" y="270"/>
+                    <a:pt x="123" y="308"/>
+                  </a:cubicBezTo>
+                  <a:cubicBezTo>
+                    <a:pt x="132" y="308"/>
+                    <a:pt x="132" y="308"/>
+                    <a:pt x="132" y="308"/>
+                  </a:cubicBezTo>
+                  <a:cubicBezTo>
+                    <a:pt x="113" y="269"/>
+                    <a:pt x="94" y="230"/>
+                    <a:pt x="77" y="190"/>
+                  </a:cubicBezTo>
+                  <a:cubicBezTo>
+                    <a:pt x="52" y="135"/>
+                    <a:pt x="29" y="79"/>
+                    <a:pt x="8" y="22"/>
+                  </a:cubicBezTo>
+                  <a:close/>
+                </a:path>
+              </a:pathLst>
+            </a:custGeom>
+            <a:solidFill>
+              <a:schemeClr val="tx2">
+                <a:alpha val="20000"/>
+              </a:schemeClr>
+            </a:solidFill>
+            <a:ln>
+              <a:noFill/>
+            </a:ln>
+          </p:spPr>
+        </p:sp>
+        <p:sp>
+          <p:nvSpPr>
+            <p:cNvPr id="27" name="Freeform 14"/>
+            <p:cNvSpPr/>
+            <p:nvPr/>
+          </p:nvSpPr>
+          <p:spPr bwMode="auto">
+            <a:xfrm>
+              <a:off x="3305176" y="5630863"/>
+              <a:ext cx="146050" cy="309563"/>
+            </a:xfrm>
+            <a:custGeom>
+              <a:avLst/>
+              <a:gdLst/>
+              <a:ahLst/>
+              <a:cxnLst/>
+              <a:rect l="0" t="0" r="r" b="b"/>
+              <a:pathLst>
+                <a:path w="37" h="79">
+                  <a:moveTo>
+                    <a:pt x="28" y="79"/>
+                  </a:moveTo>
+                  <a:cubicBezTo>
+                    <a:pt x="37" y="79"/>
+                    <a:pt x="37" y="79"/>
+                    <a:pt x="37" y="79"/>
+                  </a:cubicBezTo>
+                  <a:cubicBezTo>
+                    <a:pt x="24" y="53"/>
+                    <a:pt x="12" y="27"/>
+                    <a:pt x="0" y="0"/>
+                  </a:cubicBezTo>
+                  <a:cubicBezTo>
+                    <a:pt x="8" y="27"/>
+                    <a:pt x="17" y="53"/>
+                    <a:pt x="28" y="79"/>
+                  </a:cubicBezTo>
+                  <a:close/>
+                </a:path>
+              </a:pathLst>
+            </a:custGeom>
+            <a:solidFill>
+              <a:schemeClr val="tx2">
+                <a:alpha val="20000"/>
+              </a:schemeClr>
+            </a:solidFill>
+            <a:ln>
+              <a:noFill/>
+            </a:ln>
+          </p:spPr>
+        </p:sp>
+        <p:sp>
+          <p:nvSpPr>
+            <p:cNvPr id="28" name="Freeform 15"/>
+            <p:cNvSpPr/>
+            <p:nvPr/>
+          </p:nvSpPr>
+          <p:spPr bwMode="auto">
+            <a:xfrm>
+              <a:off x="2573338" y="2817813"/>
+              <a:ext cx="700088" cy="2835275"/>
+            </a:xfrm>
+            <a:custGeom>
+              <a:avLst/>
+              <a:gdLst/>
+              <a:ahLst/>
+              <a:cxnLst/>
+              <a:rect l="0" t="0" r="r" b="b"/>
+              <a:pathLst>
+                <a:path w="178" h="722">
+                  <a:moveTo>
+                    <a:pt x="162" y="660"/>
+                  </a:moveTo>
+                  <a:cubicBezTo>
+                    <a:pt x="145" y="618"/>
+                    <a:pt x="130" y="576"/>
+                    <a:pt x="116" y="534"/>
+                  </a:cubicBezTo>
+                  <a:cubicBezTo>
+                    <a:pt x="84" y="437"/>
+                    <a:pt x="59" y="337"/>
+                    <a:pt x="40" y="236"/>
+                  </a:cubicBezTo>
+                  <a:cubicBezTo>
+                    <a:pt x="29" y="175"/>
+                    <a:pt x="20" y="113"/>
+                    <a:pt x="12" y="51"/>
+                  </a:cubicBezTo>
+                  <a:cubicBezTo>
+                    <a:pt x="8" y="34"/>
+                    <a:pt x="4" y="17"/>
+                    <a:pt x="0" y="0"/>
+                  </a:cubicBezTo>
+                  <a:cubicBezTo>
+                    <a:pt x="8" y="79"/>
+                    <a:pt x="19" y="159"/>
+                    <a:pt x="33" y="237"/>
+                  </a:cubicBezTo>
+                  <a:cubicBezTo>
+                    <a:pt x="51" y="339"/>
+                    <a:pt x="76" y="439"/>
+                    <a:pt x="107" y="537"/>
+                  </a:cubicBezTo>
+                  <a:cubicBezTo>
+                    <a:pt x="123" y="586"/>
+                    <a:pt x="141" y="634"/>
+                    <a:pt x="160" y="681"/>
+                  </a:cubicBezTo>
+                  <a:cubicBezTo>
+                    <a:pt x="166" y="695"/>
+                    <a:pt x="172" y="708"/>
+                    <a:pt x="178" y="722"/>
+                  </a:cubicBezTo>
+                  <a:cubicBezTo>
+                    <a:pt x="176" y="717"/>
+                    <a:pt x="175" y="713"/>
+                    <a:pt x="174" y="708"/>
+                  </a:cubicBezTo>
+                  <a:cubicBezTo>
+                    <a:pt x="169" y="692"/>
+                    <a:pt x="165" y="676"/>
+                    <a:pt x="162" y="660"/>
+                  </a:cubicBezTo>
+                  <a:close/>
+                </a:path>
+              </a:pathLst>
+            </a:custGeom>
+            <a:solidFill>
+              <a:schemeClr val="tx2">
+                <a:alpha val="20000"/>
+              </a:schemeClr>
+            </a:solidFill>
+            <a:ln>
+              <a:noFill/>
+            </a:ln>
+          </p:spPr>
+        </p:sp>
+        <p:sp>
+          <p:nvSpPr>
+            <p:cNvPr id="29" name="Freeform 16"/>
+            <p:cNvSpPr/>
+            <p:nvPr/>
+          </p:nvSpPr>
+          <p:spPr bwMode="auto">
+            <a:xfrm>
+              <a:off x="2506663" y="285750"/>
+              <a:ext cx="90488" cy="2493963"/>
+            </a:xfrm>
+            <a:custGeom>
+              <a:avLst/>
+              <a:gdLst/>
+              <a:ahLst/>
+              <a:cxnLst/>
+              <a:rect l="0" t="0" r="r" b="b"/>
+              <a:pathLst>
+                <a:path w="23" h="635">
+                  <a:moveTo>
+                    <a:pt x="11" y="577"/>
+                  </a:moveTo>
+                  <a:cubicBezTo>
+                    <a:pt x="12" y="581"/>
+                    <a:pt x="12" y="585"/>
+                    <a:pt x="12" y="589"/>
+                  </a:cubicBezTo>
+                  <a:cubicBezTo>
+                    <a:pt x="15" y="603"/>
+                    <a:pt x="19" y="617"/>
+                    <a:pt x="22" y="632"/>
+                  </a:cubicBezTo>
+                  <a:cubicBezTo>
+                    <a:pt x="22" y="633"/>
+                    <a:pt x="22" y="634"/>
+                    <a:pt x="23" y="635"/>
+                  </a:cubicBezTo>
+                  <a:cubicBezTo>
+                    <a:pt x="21" y="615"/>
+                    <a:pt x="19" y="596"/>
+                    <a:pt x="17" y="576"/>
+                  </a:cubicBezTo>
+                  <a:cubicBezTo>
+                    <a:pt x="9" y="474"/>
+                    <a:pt x="5" y="372"/>
+                    <a:pt x="5" y="269"/>
+                  </a:cubicBezTo>
+                  <a:cubicBezTo>
+                    <a:pt x="6" y="179"/>
+                    <a:pt x="9" y="90"/>
+                    <a:pt x="15" y="0"/>
+                  </a:cubicBezTo>
+                  <a:cubicBezTo>
+                    <a:pt x="12" y="0"/>
+                    <a:pt x="12" y="0"/>
+                    <a:pt x="12" y="0"/>
+                  </a:cubicBezTo>
+                  <a:cubicBezTo>
+                    <a:pt x="5" y="89"/>
+                    <a:pt x="2" y="179"/>
+                    <a:pt x="1" y="269"/>
+                  </a:cubicBezTo>
+                  <a:cubicBezTo>
+                    <a:pt x="0" y="372"/>
+                    <a:pt x="3" y="474"/>
+                    <a:pt x="11" y="577"/>
+                  </a:cubicBezTo>
+                  <a:close/>
+                </a:path>
+              </a:pathLst>
+            </a:custGeom>
+            <a:solidFill>
+              <a:schemeClr val="tx2">
+                <a:alpha val="20000"/>
+              </a:schemeClr>
+            </a:solidFill>
+            <a:ln>
+              <a:noFill/>
+            </a:ln>
+          </p:spPr>
+        </p:sp>
+        <p:sp>
+          <p:nvSpPr>
+            <p:cNvPr id="30" name="Freeform 17"/>
+            <p:cNvSpPr/>
+            <p:nvPr/>
+          </p:nvSpPr>
+          <p:spPr bwMode="auto">
+            <a:xfrm>
+              <a:off x="2554288" y="2598738"/>
+              <a:ext cx="66675" cy="420688"/>
+            </a:xfrm>
+            <a:custGeom>
+              <a:avLst/>
+              <a:gdLst/>
+              <a:ahLst/>
+              <a:cxnLst/>
+              <a:rect l="0" t="0" r="r" b="b"/>
+              <a:pathLst>
+                <a:path w="17" h="107">
+                  <a:moveTo>
+                    <a:pt x="0" y="0"/>
+                  </a:moveTo>
+                  <a:cubicBezTo>
+                    <a:pt x="2" y="19"/>
+                    <a:pt x="3" y="37"/>
+                    <a:pt x="5" y="56"/>
+                  </a:cubicBezTo>
+                  <a:cubicBezTo>
+                    <a:pt x="9" y="73"/>
+                    <a:pt x="13" y="90"/>
+                    <a:pt x="17" y="107"/>
+                  </a:cubicBezTo>
+                  <a:cubicBezTo>
+                    <a:pt x="15" y="87"/>
+                    <a:pt x="13" y="66"/>
+                    <a:pt x="11" y="46"/>
+                  </a:cubicBezTo>
+                  <a:cubicBezTo>
+                    <a:pt x="10" y="45"/>
+                    <a:pt x="10" y="44"/>
+                    <a:pt x="10" y="43"/>
+                  </a:cubicBezTo>
+                  <a:cubicBezTo>
+                    <a:pt x="7" y="28"/>
+                    <a:pt x="3" y="14"/>
+                    <a:pt x="0" y="0"/>
+                  </a:cubicBezTo>
+                  <a:close/>
+                </a:path>
+              </a:pathLst>
+            </a:custGeom>
+            <a:solidFill>
+              <a:schemeClr val="tx2">
+                <a:alpha val="20000"/>
+              </a:schemeClr>
+            </a:solidFill>
+            <a:ln>
+              <a:noFill/>
+            </a:ln>
+          </p:spPr>
+        </p:sp>
+        <p:sp>
+          <p:nvSpPr>
+            <p:cNvPr id="31" name="Freeform 18"/>
+            <p:cNvSpPr/>
+            <p:nvPr/>
+          </p:nvSpPr>
+          <p:spPr bwMode="auto">
+            <a:xfrm>
+              <a:off x="3143251" y="4757738"/>
+              <a:ext cx="161925" cy="873125"/>
+            </a:xfrm>
+            <a:custGeom>
+              <a:avLst/>
+              <a:gdLst/>
+              <a:ahLst/>
+              <a:cxnLst/>
+              <a:rect l="0" t="0" r="r" b="b"/>
+              <a:pathLst>
+                <a:path w="41" h="222">
+                  <a:moveTo>
+                    <a:pt x="0" y="0"/>
+                  </a:moveTo>
+                  <a:cubicBezTo>
+                    <a:pt x="0" y="31"/>
+                    <a:pt x="2" y="62"/>
+                    <a:pt x="5" y="93"/>
+                  </a:cubicBezTo>
+                  <a:cubicBezTo>
+                    <a:pt x="8" y="117"/>
+                    <a:pt x="12" y="142"/>
+                    <a:pt x="17" y="166"/>
+                  </a:cubicBezTo>
+                  <a:cubicBezTo>
+                    <a:pt x="19" y="172"/>
+                    <a:pt x="22" y="178"/>
+                    <a:pt x="24" y="184"/>
+                  </a:cubicBezTo>
+                  <a:cubicBezTo>
+                    <a:pt x="30" y="197"/>
+                    <a:pt x="35" y="209"/>
+                    <a:pt x="41" y="222"/>
+                  </a:cubicBezTo>
+                  <a:cubicBezTo>
+                    <a:pt x="40" y="219"/>
+                    <a:pt x="39" y="215"/>
+                    <a:pt x="38" y="212"/>
+                  </a:cubicBezTo>
+                  <a:cubicBezTo>
+                    <a:pt x="26" y="172"/>
+                    <a:pt x="18" y="132"/>
+                    <a:pt x="13" y="92"/>
+                  </a:cubicBezTo>
+                  <a:cubicBezTo>
+                    <a:pt x="11" y="68"/>
+                    <a:pt x="9" y="45"/>
+                    <a:pt x="8" y="22"/>
+                  </a:cubicBezTo>
+                  <a:cubicBezTo>
+                    <a:pt x="8" y="21"/>
+                    <a:pt x="7" y="20"/>
+                    <a:pt x="7" y="18"/>
+                  </a:cubicBezTo>
+                  <a:cubicBezTo>
+                    <a:pt x="5" y="12"/>
+                    <a:pt x="2" y="6"/>
+                    <a:pt x="0" y="0"/>
+                  </a:cubicBezTo>
+                  <a:close/>
+                </a:path>
+              </a:pathLst>
+            </a:custGeom>
+            <a:solidFill>
+              <a:schemeClr val="tx2">
+                <a:alpha val="20000"/>
+              </a:schemeClr>
+            </a:solidFill>
+            <a:ln>
+              <a:noFill/>
+            </a:ln>
+          </p:spPr>
+        </p:sp>
+        <p:sp>
+          <p:nvSpPr>
+            <p:cNvPr id="32" name="Freeform 19"/>
+            <p:cNvSpPr/>
+            <p:nvPr/>
+          </p:nvSpPr>
+          <p:spPr bwMode="auto">
+            <a:xfrm>
+              <a:off x="3148013" y="1282700"/>
+              <a:ext cx="1768475" cy="3448050"/>
+            </a:xfrm>
+            <a:custGeom>
+              <a:avLst/>
+              <a:gdLst/>
+              <a:ahLst/>
+              <a:cxnLst/>
+              <a:rect l="0" t="0" r="r" b="b"/>
+              <a:pathLst>
+                <a:path w="450" h="878">
+                  <a:moveTo>
+                    <a:pt x="7" y="854"/>
+                  </a:moveTo>
+                  <a:cubicBezTo>
+                    <a:pt x="10" y="772"/>
+                    <a:pt x="26" y="691"/>
+                    <a:pt x="50" y="613"/>
+                  </a:cubicBezTo>
+                  <a:cubicBezTo>
+                    <a:pt x="75" y="535"/>
+                    <a:pt x="109" y="460"/>
+                    <a:pt x="149" y="388"/>
+                  </a:cubicBezTo>
+                  <a:cubicBezTo>
+                    <a:pt x="189" y="316"/>
+                    <a:pt x="235" y="248"/>
+                    <a:pt x="285" y="183"/>
+                  </a:cubicBezTo>
+                  <a:cubicBezTo>
+                    <a:pt x="310" y="151"/>
+                    <a:pt x="337" y="119"/>
+                    <a:pt x="364" y="89"/>
+                  </a:cubicBezTo>
+                  <a:cubicBezTo>
+                    <a:pt x="378" y="74"/>
+                    <a:pt x="392" y="58"/>
+                    <a:pt x="406" y="44"/>
+                  </a:cubicBezTo>
+                  <a:cubicBezTo>
+                    <a:pt x="421" y="29"/>
+                    <a:pt x="435" y="15"/>
+                    <a:pt x="450" y="1"/>
+                  </a:cubicBezTo>
+                  <a:cubicBezTo>
+                    <a:pt x="450" y="0"/>
+                    <a:pt x="450" y="0"/>
+                    <a:pt x="450" y="0"/>
+                  </a:cubicBezTo>
+                  <a:cubicBezTo>
+                    <a:pt x="434" y="14"/>
+                    <a:pt x="420" y="28"/>
+                    <a:pt x="405" y="43"/>
+                  </a:cubicBezTo>
+                  <a:cubicBezTo>
+                    <a:pt x="391" y="57"/>
+                    <a:pt x="377" y="72"/>
+                    <a:pt x="363" y="88"/>
+                  </a:cubicBezTo>
+                  <a:cubicBezTo>
+                    <a:pt x="335" y="118"/>
+                    <a:pt x="308" y="149"/>
+                    <a:pt x="283" y="181"/>
+                  </a:cubicBezTo>
+                  <a:cubicBezTo>
+                    <a:pt x="232" y="246"/>
+                    <a:pt x="185" y="314"/>
+                    <a:pt x="145" y="386"/>
+                  </a:cubicBezTo>
+                  <a:cubicBezTo>
+                    <a:pt x="104" y="457"/>
+                    <a:pt x="70" y="533"/>
+                    <a:pt x="45" y="611"/>
+                  </a:cubicBezTo>
+                  <a:cubicBezTo>
+                    <a:pt x="19" y="690"/>
+                    <a:pt x="3" y="771"/>
+                    <a:pt x="0" y="854"/>
+                  </a:cubicBezTo>
+                  <a:cubicBezTo>
+                    <a:pt x="0" y="856"/>
+                    <a:pt x="0" y="857"/>
+                    <a:pt x="0" y="859"/>
+                  </a:cubicBezTo>
+                  <a:cubicBezTo>
+                    <a:pt x="2" y="865"/>
+                    <a:pt x="4" y="872"/>
+                    <a:pt x="7" y="878"/>
+                  </a:cubicBezTo>
+                  <a:cubicBezTo>
+                    <a:pt x="7" y="870"/>
+                    <a:pt x="7" y="862"/>
+                    <a:pt x="7" y="854"/>
+                  </a:cubicBezTo>
+                  <a:close/>
+                </a:path>
+              </a:pathLst>
+            </a:custGeom>
+            <a:solidFill>
+              <a:schemeClr val="tx2">
+                <a:alpha val="20000"/>
+              </a:schemeClr>
+            </a:solidFill>
+            <a:ln>
+              <a:noFill/>
+            </a:ln>
+          </p:spPr>
+        </p:sp>
+        <p:sp>
+          <p:nvSpPr>
+            <p:cNvPr id="33" name="Freeform 20"/>
+            <p:cNvSpPr/>
+            <p:nvPr/>
+          </p:nvSpPr>
+          <p:spPr bwMode="auto">
+            <a:xfrm>
+              <a:off x="3273426" y="5653088"/>
+              <a:ext cx="138113" cy="287338"/>
+            </a:xfrm>
+            <a:custGeom>
+              <a:avLst/>
+              <a:gdLst/>
+              <a:ahLst/>
+              <a:cxnLst/>
+              <a:rect l="0" t="0" r="r" b="b"/>
+              <a:pathLst>
+                <a:path w="35" h="73">
+                  <a:moveTo>
+                    <a:pt x="0" y="0"/>
+                  </a:moveTo>
+                  <a:cubicBezTo>
+                    <a:pt x="7" y="24"/>
+                    <a:pt x="16" y="49"/>
+                    <a:pt x="26" y="73"/>
+                  </a:cubicBezTo>
+                  <a:cubicBezTo>
+                    <a:pt x="35" y="73"/>
+                    <a:pt x="35" y="73"/>
+                    <a:pt x="35" y="73"/>
+                  </a:cubicBezTo>
+                  <a:cubicBezTo>
+                    <a:pt x="23" y="49"/>
+                    <a:pt x="11" y="24"/>
+                    <a:pt x="0" y="0"/>
+                  </a:cubicBezTo>
+                  <a:close/>
+                </a:path>
+              </a:pathLst>
+            </a:custGeom>
+            <a:solidFill>
+              <a:schemeClr val="tx2">
+                <a:alpha val="20000"/>
+              </a:schemeClr>
+            </a:solidFill>
+            <a:ln>
+              <a:noFill/>
+            </a:ln>
+          </p:spPr>
+        </p:sp>
+        <p:sp>
+          <p:nvSpPr>
+            <p:cNvPr id="34" name="Freeform 21"/>
+            <p:cNvSpPr/>
+            <p:nvPr/>
+          </p:nvSpPr>
+          <p:spPr bwMode="auto">
+            <a:xfrm>
+              <a:off x="3143251" y="4656138"/>
+              <a:ext cx="31750" cy="188913"/>
+            </a:xfrm>
+            <a:custGeom>
+              <a:avLst/>
+              <a:gdLst/>
+              <a:ahLst/>
+              <a:cxnLst/>
+              <a:rect l="0" t="0" r="r" b="b"/>
+              <a:pathLst>
+                <a:path w="8" h="48">
+                  <a:moveTo>
+                    <a:pt x="7" y="44"/>
+                  </a:moveTo>
+                  <a:cubicBezTo>
+                    <a:pt x="7" y="46"/>
+                    <a:pt x="8" y="47"/>
+                    <a:pt x="8" y="48"/>
+                  </a:cubicBezTo>
+                  <a:cubicBezTo>
+                    <a:pt x="8" y="38"/>
+                    <a:pt x="8" y="29"/>
+                    <a:pt x="8" y="19"/>
+                  </a:cubicBezTo>
+                  <a:cubicBezTo>
+                    <a:pt x="5" y="13"/>
+                    <a:pt x="3" y="6"/>
+                    <a:pt x="1" y="0"/>
+                  </a:cubicBezTo>
+                  <a:cubicBezTo>
+                    <a:pt x="0" y="9"/>
+                    <a:pt x="0" y="17"/>
+                    <a:pt x="0" y="26"/>
+                  </a:cubicBezTo>
+                  <a:cubicBezTo>
+                    <a:pt x="2" y="32"/>
+                    <a:pt x="5" y="38"/>
+                    <a:pt x="7" y="44"/>
+                  </a:cubicBezTo>
+                  <a:close/>
+                </a:path>
+              </a:pathLst>
+            </a:custGeom>
+            <a:solidFill>
+              <a:schemeClr val="tx2">
+                <a:alpha val="20000"/>
+              </a:schemeClr>
+            </a:solidFill>
+            <a:ln>
+              <a:noFill/>
+            </a:ln>
+          </p:spPr>
+        </p:sp>
+        <p:sp>
+          <p:nvSpPr>
+            <p:cNvPr id="35" name="Freeform 22"/>
+            <p:cNvSpPr/>
+            <p:nvPr/>
+          </p:nvSpPr>
+          <p:spPr bwMode="auto">
+            <a:xfrm>
+              <a:off x="3211513" y="5410200"/>
+              <a:ext cx="203200" cy="530225"/>
+            </a:xfrm>
+            <a:custGeom>
+              <a:avLst/>
+              <a:gdLst/>
+              <a:ahLst/>
+              <a:cxnLst/>
+              <a:rect l="0" t="0" r="r" b="b"/>
+              <a:pathLst>
+                <a:path w="52" h="135">
+                  <a:moveTo>
+                    <a:pt x="7" y="18"/>
+                  </a:moveTo>
+                  <a:cubicBezTo>
+                    <a:pt x="5" y="12"/>
+                    <a:pt x="2" y="6"/>
+                    <a:pt x="0" y="0"/>
+                  </a:cubicBezTo>
+                  <a:cubicBezTo>
+                    <a:pt x="3" y="16"/>
+                    <a:pt x="7" y="32"/>
+                    <a:pt x="12" y="48"/>
+                  </a:cubicBezTo>
+                  <a:cubicBezTo>
+                    <a:pt x="13" y="53"/>
+                    <a:pt x="14" y="57"/>
+                    <a:pt x="16" y="62"/>
+                  </a:cubicBezTo>
+                  <a:cubicBezTo>
+                    <a:pt x="27" y="86"/>
+                    <a:pt x="39" y="111"/>
+                    <a:pt x="51" y="135"/>
+                  </a:cubicBezTo>
+                  <a:cubicBezTo>
+                    <a:pt x="52" y="135"/>
+                    <a:pt x="52" y="135"/>
+                    <a:pt x="52" y="135"/>
+                  </a:cubicBezTo>
+                  <a:cubicBezTo>
+                    <a:pt x="41" y="109"/>
+                    <a:pt x="32" y="83"/>
+                    <a:pt x="24" y="56"/>
+                  </a:cubicBezTo>
+                  <a:cubicBezTo>
+                    <a:pt x="18" y="43"/>
+                    <a:pt x="13" y="31"/>
+                    <a:pt x="7" y="18"/>
+                  </a:cubicBezTo>
+                  <a:close/>
+                </a:path>
+              </a:pathLst>
+            </a:custGeom>
+            <a:solidFill>
+              <a:schemeClr val="tx2">
+                <a:alpha val="20000"/>
+              </a:schemeClr>
+            </a:solidFill>
+            <a:ln>
+              <a:noFill/>
+            </a:ln>
+          </p:spPr>
+        </p:sp>
+      </p:grpSp>
+      <p:grpSp>
+        <p:nvGrpSpPr>
+          <p:cNvPr id="10" name="Group 9"/>
+          <p:cNvGrpSpPr/>
+          <p:nvPr/>
+        </p:nvGrpSpPr>
+        <p:grpSpPr>
+          <a:xfrm>
+            <a:off x="27221" y="-786"/>
+            <a:ext cx="2356674" cy="6854039"/>
+            <a:chOff x="6627813" y="194833"/>
+            <a:chExt cx="1952625" cy="5678918"/>
+          </a:xfrm>
+        </p:grpSpPr>
+        <p:sp>
+          <p:nvSpPr>
+            <p:cNvPr id="11" name="Freeform 27"/>
+            <p:cNvSpPr/>
+            <p:nvPr/>
+          </p:nvSpPr>
+          <p:spPr bwMode="auto">
+            <a:xfrm>
+              <a:off x="6627813" y="194833"/>
+              <a:ext cx="409575" cy="3646488"/>
+            </a:xfrm>
+            <a:custGeom>
+              <a:avLst/>
+              <a:gdLst/>
+              <a:ahLst/>
+              <a:cxnLst/>
+              <a:rect l="0" t="0" r="r" b="b"/>
+              <a:pathLst>
+                <a:path w="103" h="920">
+                  <a:moveTo>
+                    <a:pt x="7" y="210"/>
+                  </a:moveTo>
+                  <a:cubicBezTo>
+                    <a:pt x="11" y="288"/>
+                    <a:pt x="17" y="367"/>
+                    <a:pt x="26" y="445"/>
+                  </a:cubicBezTo>
+                  <a:cubicBezTo>
+                    <a:pt x="34" y="523"/>
+                    <a:pt x="44" y="601"/>
+                    <a:pt x="57" y="679"/>
+                  </a:cubicBezTo>
+                  <a:cubicBezTo>
+                    <a:pt x="69" y="757"/>
+                    <a:pt x="84" y="834"/>
+                    <a:pt x="101" y="911"/>
+                  </a:cubicBezTo>
+                  <a:cubicBezTo>
+                    <a:pt x="102" y="914"/>
+                    <a:pt x="103" y="917"/>
+                    <a:pt x="103" y="920"/>
+                  </a:cubicBezTo>
+                  <a:cubicBezTo>
+                    <a:pt x="102" y="905"/>
+                    <a:pt x="100" y="889"/>
+                    <a:pt x="99" y="874"/>
+                  </a:cubicBezTo>
+                  <a:cubicBezTo>
+                    <a:pt x="99" y="871"/>
+                    <a:pt x="99" y="868"/>
+                    <a:pt x="99" y="866"/>
+                  </a:cubicBezTo>
+                  <a:cubicBezTo>
+                    <a:pt x="85" y="803"/>
+                    <a:pt x="73" y="741"/>
+                    <a:pt x="63" y="678"/>
+                  </a:cubicBezTo>
+                  <a:cubicBezTo>
+                    <a:pt x="50" y="600"/>
+                    <a:pt x="39" y="523"/>
+                    <a:pt x="30" y="444"/>
+                  </a:cubicBezTo>
+                  <a:cubicBezTo>
+                    <a:pt x="21" y="366"/>
+                    <a:pt x="14" y="288"/>
+                    <a:pt x="9" y="209"/>
+                  </a:cubicBezTo>
+                  <a:cubicBezTo>
+                    <a:pt x="7" y="170"/>
+                    <a:pt x="5" y="131"/>
+                    <a:pt x="3" y="92"/>
+                  </a:cubicBezTo>
+                  <a:cubicBezTo>
+                    <a:pt x="2" y="61"/>
+                    <a:pt x="1" y="31"/>
+                    <a:pt x="1" y="0"/>
+                  </a:cubicBezTo>
+                  <a:cubicBezTo>
+                    <a:pt x="0" y="0"/>
+                    <a:pt x="0" y="0"/>
+                    <a:pt x="0" y="0"/>
+                  </a:cubicBezTo>
+                  <a:cubicBezTo>
+                    <a:pt x="0" y="31"/>
+                    <a:pt x="1" y="61"/>
+                    <a:pt x="1" y="92"/>
+                  </a:cubicBezTo>
+                  <a:cubicBezTo>
+                    <a:pt x="3" y="131"/>
+                    <a:pt x="4" y="170"/>
+                    <a:pt x="7" y="210"/>
+                  </a:cubicBezTo>
+                  <a:close/>
+                </a:path>
+              </a:pathLst>
+            </a:custGeom>
+            <a:solidFill>
+              <a:schemeClr val="tx2"/>
+            </a:solidFill>
+            <a:ln>
+              <a:noFill/>
+            </a:ln>
+          </p:spPr>
+        </p:sp>
+        <p:sp>
+          <p:nvSpPr>
+            <p:cNvPr id="12" name="Freeform 28"/>
+            <p:cNvSpPr/>
+            <p:nvPr/>
+          </p:nvSpPr>
+          <p:spPr bwMode="auto">
+            <a:xfrm>
+              <a:off x="7061201" y="3771900"/>
+              <a:ext cx="350838" cy="1309688"/>
+            </a:xfrm>
+            <a:custGeom>
+              <a:avLst/>
+              <a:gdLst/>
+              <a:ahLst/>
+              <a:cxnLst/>
+              <a:rect l="0" t="0" r="r" b="b"/>
+              <a:pathLst>
+                <a:path w="88" h="330">
+                  <a:moveTo>
+                    <a:pt x="53" y="229"/>
+                  </a:moveTo>
+                  <a:cubicBezTo>
+                    <a:pt x="64" y="263"/>
+                    <a:pt x="75" y="297"/>
+                    <a:pt x="88" y="330"/>
+                  </a:cubicBezTo>
+                  <a:cubicBezTo>
+                    <a:pt x="88" y="323"/>
+                    <a:pt x="88" y="315"/>
+                    <a:pt x="88" y="308"/>
+                  </a:cubicBezTo>
+                  <a:cubicBezTo>
+                    <a:pt x="88" y="307"/>
+                    <a:pt x="88" y="305"/>
+                    <a:pt x="88" y="304"/>
+                  </a:cubicBezTo>
+                  <a:cubicBezTo>
+                    <a:pt x="79" y="278"/>
+                    <a:pt x="70" y="252"/>
+                    <a:pt x="62" y="226"/>
+                  </a:cubicBezTo>
+                  <a:cubicBezTo>
+                    <a:pt x="38" y="152"/>
+                    <a:pt x="17" y="76"/>
+                    <a:pt x="0" y="0"/>
+                  </a:cubicBezTo>
+                  <a:cubicBezTo>
+                    <a:pt x="2" y="21"/>
+                    <a:pt x="4" y="42"/>
+                    <a:pt x="7" y="63"/>
+                  </a:cubicBezTo>
+                  <a:cubicBezTo>
+                    <a:pt x="21" y="119"/>
+                    <a:pt x="36" y="174"/>
+                    <a:pt x="53" y="229"/>
+                  </a:cubicBezTo>
+                  <a:close/>
+                </a:path>
+              </a:pathLst>
+            </a:custGeom>
+            <a:solidFill>
+              <a:schemeClr val="tx2"/>
+            </a:solidFill>
+            <a:ln>
+              <a:noFill/>
+            </a:ln>
+          </p:spPr>
+        </p:sp>
+        <p:sp>
+          <p:nvSpPr>
+            <p:cNvPr id="13" name="Freeform 29"/>
+            <p:cNvSpPr/>
+            <p:nvPr/>
+          </p:nvSpPr>
+          <p:spPr bwMode="auto">
+            <a:xfrm>
+              <a:off x="7439026" y="5053013"/>
+              <a:ext cx="357188" cy="820738"/>
+            </a:xfrm>
+            <a:custGeom>
+              <a:avLst/>
+              <a:gdLst/>
+              <a:ahLst/>
+              <a:cxnLst/>
+              <a:rect l="0" t="0" r="r" b="b"/>
+              <a:pathLst>
+                <a:path w="90" h="207">
+                  <a:moveTo>
+                    <a:pt x="6" y="15"/>
+                  </a:moveTo>
+                  <a:cubicBezTo>
+                    <a:pt x="4" y="10"/>
+                    <a:pt x="2" y="5"/>
+                    <a:pt x="0" y="0"/>
+                  </a:cubicBezTo>
+                  <a:cubicBezTo>
+                    <a:pt x="0" y="9"/>
+                    <a:pt x="0" y="19"/>
+                    <a:pt x="1" y="29"/>
+                  </a:cubicBezTo>
+                  <a:cubicBezTo>
+                    <a:pt x="14" y="62"/>
+                    <a:pt x="27" y="95"/>
+                    <a:pt x="42" y="127"/>
+                  </a:cubicBezTo>
+                  <a:cubicBezTo>
+                    <a:pt x="54" y="154"/>
+                    <a:pt x="67" y="181"/>
+                    <a:pt x="80" y="207"/>
+                  </a:cubicBezTo>
+                  <a:cubicBezTo>
+                    <a:pt x="90" y="207"/>
+                    <a:pt x="90" y="207"/>
+                    <a:pt x="90" y="207"/>
+                  </a:cubicBezTo>
+                  <a:cubicBezTo>
+                    <a:pt x="76" y="180"/>
+                    <a:pt x="63" y="152"/>
+                    <a:pt x="50" y="123"/>
+                  </a:cubicBezTo>
+                  <a:cubicBezTo>
+                    <a:pt x="34" y="88"/>
+                    <a:pt x="20" y="51"/>
+                    <a:pt x="6" y="15"/>
+                  </a:cubicBezTo>
+                  <a:close/>
+                </a:path>
+              </a:pathLst>
+            </a:custGeom>
+            <a:solidFill>
+              <a:schemeClr val="tx2"/>
+            </a:solidFill>
+            <a:ln>
+              <a:noFill/>
+            </a:ln>
+          </p:spPr>
+        </p:sp>
+        <p:sp>
+          <p:nvSpPr>
+            <p:cNvPr id="14" name="Freeform 30"/>
+            <p:cNvSpPr/>
+            <p:nvPr/>
+          </p:nvSpPr>
+          <p:spPr bwMode="auto">
+            <a:xfrm>
+              <a:off x="7037388" y="3811588"/>
+              <a:ext cx="457200" cy="1852613"/>
+            </a:xfrm>
+            <a:custGeom>
+              <a:avLst/>
+              <a:gdLst/>
+              <a:ahLst/>
+              <a:cxnLst/>
+              <a:rect l="0" t="0" r="r" b="b"/>
+              <a:pathLst>
+                <a:path w="115" h="467">
+                  <a:moveTo>
+                    <a:pt x="101" y="409"/>
+                  </a:moveTo>
+                  <a:cubicBezTo>
+                    <a:pt x="93" y="388"/>
+                    <a:pt x="85" y="366"/>
+                    <a:pt x="78" y="344"/>
+                  </a:cubicBezTo>
+                  <a:cubicBezTo>
+                    <a:pt x="57" y="281"/>
+                    <a:pt x="41" y="216"/>
+                    <a:pt x="29" y="151"/>
+                  </a:cubicBezTo>
+                  <a:cubicBezTo>
+                    <a:pt x="22" y="119"/>
+                    <a:pt x="17" y="86"/>
+                    <a:pt x="13" y="53"/>
+                  </a:cubicBezTo>
+                  <a:cubicBezTo>
+                    <a:pt x="9" y="35"/>
+                    <a:pt x="4" y="18"/>
+                    <a:pt x="0" y="0"/>
+                  </a:cubicBezTo>
+                  <a:cubicBezTo>
+                    <a:pt x="5" y="51"/>
+                    <a:pt x="12" y="102"/>
+                    <a:pt x="21" y="152"/>
+                  </a:cubicBezTo>
+                  <a:cubicBezTo>
+                    <a:pt x="33" y="218"/>
+                    <a:pt x="49" y="283"/>
+                    <a:pt x="69" y="347"/>
+                  </a:cubicBezTo>
+                  <a:cubicBezTo>
+                    <a:pt x="79" y="378"/>
+                    <a:pt x="90" y="410"/>
+                    <a:pt x="103" y="441"/>
+                  </a:cubicBezTo>
+                  <a:cubicBezTo>
+                    <a:pt x="107" y="449"/>
+                    <a:pt x="111" y="458"/>
+                    <a:pt x="115" y="467"/>
+                  </a:cubicBezTo>
+                  <a:cubicBezTo>
+                    <a:pt x="114" y="464"/>
+                    <a:pt x="113" y="461"/>
+                    <a:pt x="112" y="458"/>
+                  </a:cubicBezTo>
+                  <a:cubicBezTo>
+                    <a:pt x="108" y="442"/>
+                    <a:pt x="104" y="425"/>
+                    <a:pt x="101" y="409"/>
+                  </a:cubicBezTo>
+                  <a:close/>
+                </a:path>
+              </a:pathLst>
+            </a:custGeom>
+            <a:solidFill>
+              <a:schemeClr val="tx2"/>
+            </a:solidFill>
+            <a:ln>
+              <a:noFill/>
+            </a:ln>
+          </p:spPr>
+        </p:sp>
+        <p:sp>
+          <p:nvSpPr>
+            <p:cNvPr id="15" name="Freeform 31"/>
+            <p:cNvSpPr/>
+            <p:nvPr/>
+          </p:nvSpPr>
+          <p:spPr bwMode="auto">
+            <a:xfrm>
+              <a:off x="6992938" y="1263650"/>
+              <a:ext cx="144463" cy="2508250"/>
+            </a:xfrm>
+            <a:custGeom>
+              <a:avLst/>
+              <a:gdLst/>
+              <a:ahLst/>
+              <a:cxnLst/>
+              <a:rect l="0" t="0" r="r" b="b"/>
+              <a:pathLst>
+                <a:path w="36" h="633">
+                  <a:moveTo>
+                    <a:pt x="17" y="633"/>
+                  </a:moveTo>
+                  <a:cubicBezTo>
+                    <a:pt x="15" y="621"/>
+                    <a:pt x="14" y="609"/>
+                    <a:pt x="13" y="597"/>
+                  </a:cubicBezTo>
+                  <a:cubicBezTo>
+                    <a:pt x="8" y="530"/>
+                    <a:pt x="5" y="464"/>
+                    <a:pt x="5" y="398"/>
+                  </a:cubicBezTo>
+                  <a:cubicBezTo>
+                    <a:pt x="5" y="331"/>
+                    <a:pt x="8" y="265"/>
+                    <a:pt x="13" y="198"/>
+                  </a:cubicBezTo>
+                  <a:cubicBezTo>
+                    <a:pt x="15" y="165"/>
+                    <a:pt x="18" y="132"/>
+                    <a:pt x="22" y="99"/>
+                  </a:cubicBezTo>
+                  <a:cubicBezTo>
+                    <a:pt x="26" y="66"/>
+                    <a:pt x="30" y="33"/>
+                    <a:pt x="36" y="0"/>
+                  </a:cubicBezTo>
+                  <a:cubicBezTo>
+                    <a:pt x="35" y="0"/>
+                    <a:pt x="35" y="0"/>
+                    <a:pt x="35" y="0"/>
+                  </a:cubicBezTo>
+                  <a:cubicBezTo>
+                    <a:pt x="29" y="33"/>
+                    <a:pt x="24" y="66"/>
+                    <a:pt x="20" y="99"/>
+                  </a:cubicBezTo>
+                  <a:cubicBezTo>
+                    <a:pt x="16" y="132"/>
+                    <a:pt x="13" y="165"/>
+                    <a:pt x="10" y="198"/>
+                  </a:cubicBezTo>
+                  <a:cubicBezTo>
+                    <a:pt x="4" y="264"/>
+                    <a:pt x="1" y="331"/>
+                    <a:pt x="1" y="398"/>
+                  </a:cubicBezTo>
+                  <a:cubicBezTo>
+                    <a:pt x="0" y="461"/>
+                    <a:pt x="2" y="525"/>
+                    <a:pt x="7" y="589"/>
+                  </a:cubicBezTo>
+                  <a:cubicBezTo>
+                    <a:pt x="10" y="603"/>
+                    <a:pt x="13" y="618"/>
+                    <a:pt x="16" y="632"/>
+                  </a:cubicBezTo>
+                  <a:cubicBezTo>
+                    <a:pt x="16" y="632"/>
+                    <a:pt x="17" y="633"/>
+                    <a:pt x="17" y="633"/>
+                  </a:cubicBezTo>
+                  <a:close/>
+                </a:path>
+              </a:pathLst>
+            </a:custGeom>
+            <a:solidFill>
+              <a:schemeClr val="tx2"/>
+            </a:solidFill>
+            <a:ln>
+              <a:noFill/>
+            </a:ln>
+          </p:spPr>
+        </p:sp>
+        <p:sp>
+          <p:nvSpPr>
+            <p:cNvPr id="16" name="Freeform 32"/>
+            <p:cNvSpPr/>
+            <p:nvPr/>
+          </p:nvSpPr>
+          <p:spPr bwMode="auto">
+            <a:xfrm>
+              <a:off x="7526338" y="5640388"/>
+              <a:ext cx="111125" cy="233363"/>
+            </a:xfrm>
+            <a:custGeom>
+              <a:avLst/>
+              <a:gdLst/>
+              <a:ahLst/>
+              <a:cxnLst/>
+              <a:rect l="0" t="0" r="r" b="b"/>
+              <a:pathLst>
+                <a:path w="28" h="59">
+                  <a:moveTo>
+                    <a:pt x="22" y="59"/>
+                  </a:moveTo>
+                  <a:cubicBezTo>
+                    <a:pt x="28" y="59"/>
+                    <a:pt x="28" y="59"/>
+                    <a:pt x="28" y="59"/>
+                  </a:cubicBezTo>
+                  <a:cubicBezTo>
+                    <a:pt x="18" y="40"/>
+                    <a:pt x="9" y="20"/>
+                    <a:pt x="0" y="0"/>
+                  </a:cubicBezTo>
+                  <a:cubicBezTo>
+                    <a:pt x="6" y="20"/>
+                    <a:pt x="13" y="40"/>
+                    <a:pt x="22" y="59"/>
+                  </a:cubicBezTo>
+                  <a:close/>
+                </a:path>
+              </a:pathLst>
+            </a:custGeom>
+            <a:solidFill>
+              <a:schemeClr val="tx2"/>
+            </a:solidFill>
+            <a:ln>
+              <a:noFill/>
+            </a:ln>
+          </p:spPr>
+        </p:sp>
+        <p:sp>
+          <p:nvSpPr>
+            <p:cNvPr id="17" name="Freeform 33"/>
+            <p:cNvSpPr/>
+            <p:nvPr/>
+          </p:nvSpPr>
+          <p:spPr bwMode="auto">
+            <a:xfrm>
+              <a:off x="7021513" y="3598863"/>
+              <a:ext cx="68263" cy="423863"/>
+            </a:xfrm>
+            <a:custGeom>
+              <a:avLst/>
+              <a:gdLst/>
+              <a:ahLst/>
+              <a:cxnLst/>
+              <a:rect l="0" t="0" r="r" b="b"/>
+              <a:pathLst>
+                <a:path w="17" h="107">
+                  <a:moveTo>
+                    <a:pt x="4" y="54"/>
+                  </a:moveTo>
+                  <a:cubicBezTo>
+                    <a:pt x="8" y="72"/>
+                    <a:pt x="13" y="89"/>
+                    <a:pt x="17" y="107"/>
+                  </a:cubicBezTo>
+                  <a:cubicBezTo>
+                    <a:pt x="14" y="86"/>
+                    <a:pt x="12" y="65"/>
+                    <a:pt x="10" y="44"/>
+                  </a:cubicBezTo>
+                  <a:cubicBezTo>
+                    <a:pt x="10" y="44"/>
+                    <a:pt x="9" y="43"/>
+                    <a:pt x="9" y="43"/>
+                  </a:cubicBezTo>
+                  <a:cubicBezTo>
+                    <a:pt x="6" y="29"/>
+                    <a:pt x="3" y="14"/>
+                    <a:pt x="0" y="0"/>
+                  </a:cubicBezTo>
+                  <a:cubicBezTo>
+                    <a:pt x="0" y="2"/>
+                    <a:pt x="0" y="5"/>
+                    <a:pt x="0" y="8"/>
+                  </a:cubicBezTo>
+                  <a:cubicBezTo>
+                    <a:pt x="1" y="23"/>
+                    <a:pt x="3" y="39"/>
+                    <a:pt x="4" y="54"/>
+                  </a:cubicBezTo>
+                  <a:close/>
+                </a:path>
+              </a:pathLst>
+            </a:custGeom>
+            <a:solidFill>
+              <a:schemeClr val="tx2"/>
+            </a:solidFill>
+            <a:ln>
+              <a:noFill/>
+            </a:ln>
+          </p:spPr>
+        </p:sp>
+        <p:sp>
+          <p:nvSpPr>
+            <p:cNvPr id="18" name="Freeform 34"/>
+            <p:cNvSpPr/>
+            <p:nvPr/>
+          </p:nvSpPr>
+          <p:spPr bwMode="auto">
+            <a:xfrm>
+              <a:off x="7412038" y="2801938"/>
+              <a:ext cx="1168400" cy="2251075"/>
+            </a:xfrm>
+            <a:custGeom>
+              <a:avLst/>
+              <a:gdLst/>
+              <a:ahLst/>
+              <a:cxnLst/>
+              <a:rect l="0" t="0" r="r" b="b"/>
+              <a:pathLst>
+                <a:path w="294" h="568">
+                  <a:moveTo>
+                    <a:pt x="8" y="553"/>
+                  </a:moveTo>
+                  <a:cubicBezTo>
+                    <a:pt x="9" y="501"/>
+                    <a:pt x="19" y="448"/>
+                    <a:pt x="35" y="397"/>
+                  </a:cubicBezTo>
+                  <a:cubicBezTo>
+                    <a:pt x="51" y="347"/>
+                    <a:pt x="73" y="298"/>
+                    <a:pt x="99" y="252"/>
+                  </a:cubicBezTo>
+                  <a:cubicBezTo>
+                    <a:pt x="124" y="205"/>
+                    <a:pt x="154" y="161"/>
+                    <a:pt x="187" y="119"/>
+                  </a:cubicBezTo>
+                  <a:cubicBezTo>
+                    <a:pt x="203" y="98"/>
+                    <a:pt x="220" y="77"/>
+                    <a:pt x="238" y="58"/>
+                  </a:cubicBezTo>
+                  <a:cubicBezTo>
+                    <a:pt x="247" y="48"/>
+                    <a:pt x="256" y="38"/>
+                    <a:pt x="265" y="28"/>
+                  </a:cubicBezTo>
+                  <a:cubicBezTo>
+                    <a:pt x="274" y="19"/>
+                    <a:pt x="284" y="9"/>
+                    <a:pt x="294" y="0"/>
+                  </a:cubicBezTo>
+                  <a:cubicBezTo>
+                    <a:pt x="293" y="0"/>
+                    <a:pt x="293" y="0"/>
+                    <a:pt x="293" y="0"/>
+                  </a:cubicBezTo>
+                  <a:cubicBezTo>
+                    <a:pt x="283" y="9"/>
+                    <a:pt x="273" y="18"/>
+                    <a:pt x="264" y="27"/>
+                  </a:cubicBezTo>
+                  <a:cubicBezTo>
+                    <a:pt x="255" y="37"/>
+                    <a:pt x="246" y="47"/>
+                    <a:pt x="237" y="56"/>
+                  </a:cubicBezTo>
+                  <a:cubicBezTo>
+                    <a:pt x="218" y="76"/>
+                    <a:pt x="201" y="96"/>
+                    <a:pt x="185" y="117"/>
+                  </a:cubicBezTo>
+                  <a:cubicBezTo>
+                    <a:pt x="151" y="159"/>
+                    <a:pt x="121" y="203"/>
+                    <a:pt x="95" y="249"/>
+                  </a:cubicBezTo>
+                  <a:cubicBezTo>
+                    <a:pt x="68" y="296"/>
+                    <a:pt x="46" y="345"/>
+                    <a:pt x="30" y="396"/>
+                  </a:cubicBezTo>
+                  <a:cubicBezTo>
+                    <a:pt x="13" y="445"/>
+                    <a:pt x="3" y="497"/>
+                    <a:pt x="0" y="549"/>
+                  </a:cubicBezTo>
+                  <a:cubicBezTo>
+                    <a:pt x="3" y="555"/>
+                    <a:pt x="5" y="561"/>
+                    <a:pt x="7" y="568"/>
+                  </a:cubicBezTo>
+                  <a:cubicBezTo>
+                    <a:pt x="7" y="563"/>
+                    <a:pt x="7" y="558"/>
+                    <a:pt x="8" y="553"/>
+                  </a:cubicBezTo>
+                  <a:close/>
+                </a:path>
+              </a:pathLst>
+            </a:custGeom>
+            <a:solidFill>
+              <a:schemeClr val="tx2"/>
+            </a:solidFill>
+            <a:ln>
+              <a:noFill/>
+            </a:ln>
+          </p:spPr>
+        </p:sp>
+        <p:sp>
+          <p:nvSpPr>
+            <p:cNvPr id="19" name="Freeform 35"/>
+            <p:cNvSpPr/>
+            <p:nvPr/>
+          </p:nvSpPr>
+          <p:spPr bwMode="auto">
+            <a:xfrm>
+              <a:off x="7494588" y="5664200"/>
+              <a:ext cx="100013" cy="209550"/>
+            </a:xfrm>
+            <a:custGeom>
+              <a:avLst/>
+              <a:gdLst/>
+              <a:ahLst/>
+              <a:cxnLst/>
+              <a:rect l="0" t="0" r="r" b="b"/>
+              <a:pathLst>
+                <a:path w="25" h="53">
+                  <a:moveTo>
+                    <a:pt x="0" y="0"/>
+                  </a:moveTo>
+                  <a:cubicBezTo>
+                    <a:pt x="5" y="18"/>
+                    <a:pt x="12" y="36"/>
+                    <a:pt x="19" y="53"/>
+                  </a:cubicBezTo>
+                  <a:cubicBezTo>
+                    <a:pt x="25" y="53"/>
+                    <a:pt x="25" y="53"/>
+                    <a:pt x="25" y="53"/>
+                  </a:cubicBezTo>
+                  <a:cubicBezTo>
+                    <a:pt x="16" y="36"/>
+                    <a:pt x="8" y="18"/>
+                    <a:pt x="0" y="0"/>
+                  </a:cubicBezTo>
+                  <a:close/>
+                </a:path>
+              </a:pathLst>
+            </a:custGeom>
+            <a:solidFill>
+              <a:schemeClr val="tx2"/>
+            </a:solidFill>
+            <a:ln>
+              <a:noFill/>
+            </a:ln>
+          </p:spPr>
+        </p:sp>
+        <p:sp>
+          <p:nvSpPr>
+            <p:cNvPr id="20" name="Freeform 36"/>
+            <p:cNvSpPr/>
+            <p:nvPr/>
+          </p:nvSpPr>
+          <p:spPr bwMode="auto">
+            <a:xfrm>
+              <a:off x="7412038" y="5081588"/>
+              <a:ext cx="114300" cy="558800"/>
+            </a:xfrm>
+            <a:custGeom>
+              <a:avLst/>
+              <a:gdLst/>
+              <a:ahLst/>
+              <a:cxnLst/>
+              <a:rect l="0" t="0" r="r" b="b"/>
+              <a:pathLst>
+                <a:path w="29" h="141">
+                  <a:moveTo>
+                    <a:pt x="0" y="0"/>
+                  </a:moveTo>
+                  <a:cubicBezTo>
+                    <a:pt x="0" y="30"/>
+                    <a:pt x="2" y="60"/>
+                    <a:pt x="7" y="89"/>
+                  </a:cubicBezTo>
+                  <a:cubicBezTo>
+                    <a:pt x="11" y="98"/>
+                    <a:pt x="14" y="108"/>
+                    <a:pt x="18" y="117"/>
+                  </a:cubicBezTo>
+                  <a:cubicBezTo>
+                    <a:pt x="22" y="125"/>
+                    <a:pt x="25" y="133"/>
+                    <a:pt x="29" y="141"/>
+                  </a:cubicBezTo>
+                  <a:cubicBezTo>
+                    <a:pt x="28" y="139"/>
+                    <a:pt x="28" y="137"/>
+                    <a:pt x="27" y="135"/>
+                  </a:cubicBezTo>
+                  <a:cubicBezTo>
+                    <a:pt x="16" y="98"/>
+                    <a:pt x="10" y="60"/>
+                    <a:pt x="8" y="22"/>
+                  </a:cubicBezTo>
+                  <a:cubicBezTo>
+                    <a:pt x="7" y="18"/>
+                    <a:pt x="5" y="15"/>
+                    <a:pt x="4" y="11"/>
+                  </a:cubicBezTo>
+                  <a:cubicBezTo>
+                    <a:pt x="2" y="7"/>
+                    <a:pt x="1" y="3"/>
+                    <a:pt x="0" y="0"/>
+                  </a:cubicBezTo>
+                  <a:close/>
+                </a:path>
+              </a:pathLst>
+            </a:custGeom>
+            <a:solidFill>
+              <a:schemeClr val="tx2"/>
+            </a:solidFill>
+            <a:ln>
+              <a:noFill/>
+            </a:ln>
+          </p:spPr>
+        </p:sp>
+        <p:sp>
+          <p:nvSpPr>
+            <p:cNvPr id="21" name="Freeform 37"/>
+            <p:cNvSpPr/>
+            <p:nvPr/>
+          </p:nvSpPr>
+          <p:spPr bwMode="auto">
+            <a:xfrm>
+              <a:off x="7412038" y="4978400"/>
+              <a:ext cx="31750" cy="188913"/>
+            </a:xfrm>
+            <a:custGeom>
+              <a:avLst/>
+              <a:gdLst/>
+              <a:ahLst/>
+              <a:cxnLst/>
+              <a:rect l="0" t="0" r="r" b="b"/>
+              <a:pathLst>
+                <a:path w="8" h="48">
+                  <a:moveTo>
+                    <a:pt x="0" y="26"/>
+                  </a:moveTo>
+                  <a:cubicBezTo>
+                    <a:pt x="1" y="29"/>
+                    <a:pt x="2" y="33"/>
+                    <a:pt x="4" y="37"/>
+                  </a:cubicBezTo>
+                  <a:cubicBezTo>
+                    <a:pt x="5" y="41"/>
+                    <a:pt x="7" y="44"/>
+                    <a:pt x="8" y="48"/>
+                  </a:cubicBezTo>
+                  <a:cubicBezTo>
+                    <a:pt x="7" y="38"/>
+                    <a:pt x="7" y="28"/>
+                    <a:pt x="7" y="19"/>
+                  </a:cubicBezTo>
+                  <a:cubicBezTo>
+                    <a:pt x="5" y="12"/>
+                    <a:pt x="3" y="6"/>
+                    <a:pt x="0" y="0"/>
+                  </a:cubicBezTo>
+                  <a:cubicBezTo>
+                    <a:pt x="0" y="1"/>
+                    <a:pt x="0" y="3"/>
+                    <a:pt x="0" y="4"/>
+                  </a:cubicBezTo>
+                  <a:cubicBezTo>
+                    <a:pt x="0" y="11"/>
+                    <a:pt x="0" y="19"/>
+                    <a:pt x="0" y="26"/>
+                  </a:cubicBezTo>
+                  <a:close/>
+                </a:path>
+              </a:pathLst>
+            </a:custGeom>
+            <a:solidFill>
+              <a:schemeClr val="tx2"/>
+            </a:solidFill>
+            <a:ln>
+              <a:noFill/>
+            </a:ln>
+          </p:spPr>
+        </p:sp>
+        <p:sp>
+          <p:nvSpPr>
+            <p:cNvPr id="22" name="Freeform 38"/>
+            <p:cNvSpPr/>
+            <p:nvPr/>
+          </p:nvSpPr>
+          <p:spPr bwMode="auto">
+            <a:xfrm>
+              <a:off x="7439026" y="5434013"/>
+              <a:ext cx="174625" cy="439738"/>
+            </a:xfrm>
+            <a:custGeom>
+              <a:avLst/>
+              <a:gdLst/>
+              <a:ahLst/>
+              <a:cxnLst/>
+              <a:rect l="0" t="0" r="r" b="b"/>
+              <a:pathLst>
+                <a:path w="44" h="111">
+                  <a:moveTo>
+                    <a:pt x="11" y="28"/>
+                  </a:moveTo>
+                  <a:cubicBezTo>
+                    <a:pt x="7" y="19"/>
+                    <a:pt x="4" y="9"/>
+                    <a:pt x="0" y="0"/>
+                  </a:cubicBezTo>
+                  <a:cubicBezTo>
+                    <a:pt x="3" y="16"/>
+                    <a:pt x="7" y="33"/>
+                    <a:pt x="11" y="49"/>
+                  </a:cubicBezTo>
+                  <a:cubicBezTo>
+                    <a:pt x="12" y="52"/>
+                    <a:pt x="13" y="55"/>
+                    <a:pt x="14" y="58"/>
+                  </a:cubicBezTo>
+                  <a:cubicBezTo>
+                    <a:pt x="22" y="76"/>
+                    <a:pt x="30" y="94"/>
+                    <a:pt x="39" y="111"/>
+                  </a:cubicBezTo>
+                  <a:cubicBezTo>
+                    <a:pt x="44" y="111"/>
+                    <a:pt x="44" y="111"/>
+                    <a:pt x="44" y="111"/>
+                  </a:cubicBezTo>
+                  <a:cubicBezTo>
+                    <a:pt x="35" y="92"/>
+                    <a:pt x="28" y="72"/>
+                    <a:pt x="22" y="52"/>
+                  </a:cubicBezTo>
+                  <a:cubicBezTo>
+                    <a:pt x="18" y="44"/>
+                    <a:pt x="15" y="36"/>
+                    <a:pt x="11" y="28"/>
+                  </a:cubicBezTo>
+                  <a:close/>
+                </a:path>
+              </a:pathLst>
+            </a:custGeom>
+            <a:solidFill>
+              <a:schemeClr val="tx2"/>
+            </a:solidFill>
+            <a:ln>
+              <a:noFill/>
+            </a:ln>
+          </p:spPr>
+        </p:sp>
+      </p:grpSp>
+      <p:sp>
+        <p:nvSpPr>
+          <p:cNvPr id="7" name="Rectangle 6"/>
+          <p:cNvSpPr/>
+          <p:nvPr/>
         </p:nvSpPr>
         <p:spPr>
           <a:xfrm>
-            <a:off x="838200" y="365125"/>
-            <a:ext cx="10515600" cy="1325563"/>
+            <a:off x="0" y="0"/>
+            <a:ext cx="182880" cy="6858000"/>
+          </a:xfrm>
+          <a:prstGeom prst="rect">
+            <a:avLst/>
+          </a:prstGeom>
+          <a:solidFill>
+            <a:schemeClr val="tx2"/>
+          </a:solidFill>
+          <a:ln>
+            <a:noFill/>
+          </a:ln>
+          <a:effectLst/>
+        </p:spPr>
+        <p:style>
+          <a:lnRef idx="1">
+            <a:schemeClr val="accent1"/>
+          </a:lnRef>
+          <a:fillRef idx="3">
+            <a:schemeClr val="accent1"/>
+          </a:fillRef>
+          <a:effectRef idx="2">
+            <a:schemeClr val="accent1"/>
+          </a:effectRef>
+          <a:fontRef idx="minor">
+            <a:schemeClr val="lt1"/>
+          </a:fontRef>
+        </p:style>
+      </p:sp>
+      <p:sp>
+        <p:nvSpPr>
+          <p:cNvPr id="2" name="Title Placeholder 1"/>
+          <p:cNvSpPr>
+            <a:spLocks noGrp="1"/>
+          </p:cNvSpPr>
+          <p:nvPr>
+            <p:ph type="title"/>
+          </p:nvPr>
+        </p:nvSpPr>
+        <p:spPr>
+          <a:xfrm>
+            <a:off x="2592924" y="624110"/>
+            <a:ext cx="8911687" cy="1280890"/>
           </a:xfrm>
           <a:prstGeom prst="rect">
             <a:avLst/>
           </a:prstGeom>
         </p:spPr>
         <p:txBody>
-          <a:bodyPr vert="horz" lIns="91440" tIns="45720" rIns="91440" bIns="45720" rtlCol="0" anchor="ctr">
+          <a:bodyPr vert="horz" lIns="91440" tIns="45720" rIns="91440" bIns="45720" rtlCol="0" anchor="t">
             <a:normAutofit/>
           </a:bodyPr>
           <a:lstStyle/>
@@ -2469,7 +7064,7 @@
               <a:rPr lang="en-US" smtClean="0"/>
               <a:t>Click to edit Master title style</a:t>
             </a:r>
-            <a:endParaRPr lang="en-US"/>
+            <a:endParaRPr lang="en-US" dirty="0"/>
           </a:p>
         </p:txBody>
       </p:sp>
@@ -2485,8 +7080,8 @@
         </p:nvSpPr>
         <p:spPr>
           <a:xfrm>
-            <a:off x="838200" y="1825625"/>
-            <a:ext cx="10515600" cy="4351338"/>
+            <a:off x="2589212" y="2133600"/>
+            <a:ext cx="8915400" cy="3886200"/>
           </a:xfrm>
           <a:prstGeom prst="rect">
             <a:avLst/>
@@ -2531,7 +7126,7 @@
               <a:rPr lang="en-US" smtClean="0"/>
               <a:t>Fifth level</a:t>
             </a:r>
-            <a:endParaRPr lang="en-US"/>
+            <a:endParaRPr lang="en-US" dirty="0"/>
           </a:p>
         </p:txBody>
       </p:sp>
@@ -2547,8 +7142,8 @@
         </p:nvSpPr>
         <p:spPr>
           <a:xfrm>
-            <a:off x="838200" y="6356350"/>
-            <a:ext cx="2743200" cy="365125"/>
+            <a:off x="10361612" y="6130437"/>
+            <a:ext cx="1146283" cy="370396"/>
           </a:xfrm>
           <a:prstGeom prst="rect">
             <a:avLst/>
@@ -2557,8 +7152,8 @@
         <p:txBody>
           <a:bodyPr vert="horz" lIns="91440" tIns="45720" rIns="91440" bIns="45720" rtlCol="0" anchor="ctr"/>
           <a:lstStyle>
-            <a:lvl1pPr algn="l">
-              <a:defRPr sz="1200">
+            <a:lvl1pPr algn="r">
+              <a:defRPr sz="900">
                 <a:solidFill>
                   <a:schemeClr val="tx1">
                     <a:tint val="75000"/>
@@ -2570,7 +7165,7 @@
           <a:p>
             <a:fld id="{1FBC307E-BFDF-4D62-B554-0C8B7619B15D}" type="datetimeFigureOut">
               <a:rPr lang="en-US" smtClean="0"/>
-              <a:t>11/5/2014</a:t>
+              <a:t>11/6/2014</a:t>
             </a:fld>
             <a:endParaRPr lang="en-US"/>
           </a:p>
@@ -2588,8 +7183,8 @@
         </p:nvSpPr>
         <p:spPr>
           <a:xfrm>
-            <a:off x="4038600" y="6356350"/>
-            <a:ext cx="4114800" cy="365125"/>
+            <a:off x="2589212" y="6135808"/>
+            <a:ext cx="7619999" cy="365125"/>
           </a:xfrm>
           <a:prstGeom prst="rect">
             <a:avLst/>
@@ -2598,8 +7193,8 @@
         <p:txBody>
           <a:bodyPr vert="horz" lIns="91440" tIns="45720" rIns="91440" bIns="45720" rtlCol="0" anchor="ctr"/>
           <a:lstStyle>
-            <a:lvl1pPr algn="ctr">
-              <a:defRPr sz="1200">
+            <a:lvl1pPr algn="l">
+              <a:defRPr sz="900">
                 <a:solidFill>
                   <a:schemeClr val="tx1">
                     <a:tint val="75000"/>
@@ -2623,10 +7218,10 @@
             <p:ph type="sldNum" sz="quarter" idx="4"/>
           </p:nvPr>
         </p:nvSpPr>
-        <p:spPr>
+        <p:spPr bwMode="gray">
           <a:xfrm>
-            <a:off x="8610600" y="6356350"/>
-            <a:ext cx="2743200" cy="365125"/>
+            <a:off x="531812" y="787782"/>
+            <a:ext cx="779767" cy="365125"/>
           </a:xfrm>
           <a:prstGeom prst="rect">
             <a:avLst/>
@@ -2636,11 +7231,9 @@
           <a:bodyPr vert="horz" lIns="91440" tIns="45720" rIns="91440" bIns="45720" rtlCol="0" anchor="ctr"/>
           <a:lstStyle>
             <a:lvl1pPr algn="r">
-              <a:defRPr sz="1200">
+              <a:defRPr sz="2000">
                 <a:solidFill>
-                  <a:schemeClr val="tx1">
-                    <a:tint val="75000"/>
-                  </a:schemeClr>
+                  <a:srgbClr val="FEFFFF"/>
                 </a:solidFill>
               </a:defRPr>
             </a:lvl1pPr>
@@ -2657,201 +7250,316 @@
     </p:spTree>
     <p:extLst>
       <p:ext uri="{BB962C8B-B14F-4D97-AF65-F5344CB8AC3E}">
-        <p14:creationId xmlns:p14="http://schemas.microsoft.com/office/powerpoint/2010/main" val="468102430"/>
+        <p14:creationId xmlns:p14="http://schemas.microsoft.com/office/powerpoint/2010/main" val="366871878"/>
       </p:ext>
     </p:extLst>
   </p:cSld>
   <p:clrMap bg1="lt1" tx1="dk1" bg2="lt2" tx2="dk2" accent1="accent1" accent2="accent2" accent3="accent3" accent4="accent4" accent5="accent5" accent6="accent6" hlink="hlink" folHlink="folHlink"/>
   <p:sldLayoutIdLst>
-    <p:sldLayoutId id="2147483649" r:id="rId1"/>
-    <p:sldLayoutId id="2147483650" r:id="rId2"/>
-    <p:sldLayoutId id="2147483651" r:id="rId3"/>
-    <p:sldLayoutId id="2147483652" r:id="rId4"/>
-    <p:sldLayoutId id="2147483653" r:id="rId5"/>
-    <p:sldLayoutId id="2147483654" r:id="rId6"/>
-    <p:sldLayoutId id="2147483655" r:id="rId7"/>
-    <p:sldLayoutId id="2147483656" r:id="rId8"/>
-    <p:sldLayoutId id="2147483657" r:id="rId9"/>
-    <p:sldLayoutId id="2147483658" r:id="rId10"/>
-    <p:sldLayoutId id="2147483659" r:id="rId11"/>
+    <p:sldLayoutId id="2147483924" r:id="rId1"/>
+    <p:sldLayoutId id="2147483925" r:id="rId2"/>
+    <p:sldLayoutId id="2147483926" r:id="rId3"/>
+    <p:sldLayoutId id="2147483927" r:id="rId4"/>
+    <p:sldLayoutId id="2147483928" r:id="rId5"/>
+    <p:sldLayoutId id="2147483929" r:id="rId6"/>
+    <p:sldLayoutId id="2147483930" r:id="rId7"/>
+    <p:sldLayoutId id="2147483931" r:id="rId8"/>
+    <p:sldLayoutId id="2147483932" r:id="rId9"/>
+    <p:sldLayoutId id="2147483933" r:id="rId10"/>
+    <p:sldLayoutId id="2147483934" r:id="rId11"/>
+    <p:sldLayoutId id="2147483935" r:id="rId12"/>
+    <p:sldLayoutId id="2147483936" r:id="rId13"/>
+    <p:sldLayoutId id="2147483937" r:id="rId14"/>
+    <p:sldLayoutId id="2147483938" r:id="rId15"/>
+    <p:sldLayoutId id="2147483939" r:id="rId16"/>
   </p:sldLayoutIdLst>
   <p:txStyles>
     <p:titleStyle>
-      <a:lvl1pPr algn="l" defTabSz="914400" rtl="0" eaLnBrk="1" latinLnBrk="0" hangingPunct="1">
-        <a:lnSpc>
-          <a:spcPct val="90000"/>
-        </a:lnSpc>
+      <a:lvl1pPr algn="l" defTabSz="457200" rtl="0" eaLnBrk="1" latinLnBrk="0" hangingPunct="1">
         <a:spcBef>
           <a:spcPct val="0"/>
         </a:spcBef>
         <a:buNone/>
-        <a:defRPr sz="4400" kern="1200">
+        <a:defRPr sz="3600" kern="1200">
           <a:solidFill>
-            <a:schemeClr val="tx1"/>
+            <a:schemeClr val="tx1">
+              <a:lumMod val="85000"/>
+              <a:lumOff val="15000"/>
+            </a:schemeClr>
           </a:solidFill>
           <a:latin typeface="+mj-lt"/>
           <a:ea typeface="+mj-ea"/>
           <a:cs typeface="+mj-cs"/>
         </a:defRPr>
       </a:lvl1pPr>
+      <a:lvl2pPr eaLnBrk="1" hangingPunct="1">
+        <a:defRPr>
+          <a:solidFill>
+            <a:schemeClr val="tx2"/>
+          </a:solidFill>
+        </a:defRPr>
+      </a:lvl2pPr>
+      <a:lvl3pPr eaLnBrk="1" hangingPunct="1">
+        <a:defRPr>
+          <a:solidFill>
+            <a:schemeClr val="tx2"/>
+          </a:solidFill>
+        </a:defRPr>
+      </a:lvl3pPr>
+      <a:lvl4pPr eaLnBrk="1" hangingPunct="1">
+        <a:defRPr>
+          <a:solidFill>
+            <a:schemeClr val="tx2"/>
+          </a:solidFill>
+        </a:defRPr>
+      </a:lvl4pPr>
+      <a:lvl5pPr eaLnBrk="1" hangingPunct="1">
+        <a:defRPr>
+          <a:solidFill>
+            <a:schemeClr val="tx2"/>
+          </a:solidFill>
+        </a:defRPr>
+      </a:lvl5pPr>
+      <a:lvl6pPr eaLnBrk="1" hangingPunct="1">
+        <a:defRPr>
+          <a:solidFill>
+            <a:schemeClr val="tx2"/>
+          </a:solidFill>
+        </a:defRPr>
+      </a:lvl6pPr>
+      <a:lvl7pPr eaLnBrk="1" hangingPunct="1">
+        <a:defRPr>
+          <a:solidFill>
+            <a:schemeClr val="tx2"/>
+          </a:solidFill>
+        </a:defRPr>
+      </a:lvl7pPr>
+      <a:lvl8pPr eaLnBrk="1" hangingPunct="1">
+        <a:defRPr>
+          <a:solidFill>
+            <a:schemeClr val="tx2"/>
+          </a:solidFill>
+        </a:defRPr>
+      </a:lvl8pPr>
+      <a:lvl9pPr eaLnBrk="1" hangingPunct="1">
+        <a:defRPr>
+          <a:solidFill>
+            <a:schemeClr val="tx2"/>
+          </a:solidFill>
+        </a:defRPr>
+      </a:lvl9pPr>
     </p:titleStyle>
     <p:bodyStyle>
-      <a:lvl1pPr marL="228600" indent="-228600" algn="l" defTabSz="914400" rtl="0" eaLnBrk="1" latinLnBrk="0" hangingPunct="1">
-        <a:lnSpc>
-          <a:spcPct val="90000"/>
-        </a:lnSpc>
+      <a:lvl1pPr marL="342900" indent="-342900" algn="l" defTabSz="457200" rtl="0" eaLnBrk="1" latinLnBrk="0" hangingPunct="1">
         <a:spcBef>
           <a:spcPts val="1000"/>
         </a:spcBef>
-        <a:buFont typeface="Arial" panose="020B0604020202020204" pitchFamily="34" charset="0"/>
-        <a:buChar char="•"/>
-        <a:defRPr sz="2800" kern="1200">
+        <a:spcAft>
+          <a:spcPts val="0"/>
+        </a:spcAft>
+        <a:buClr>
+          <a:schemeClr val="accent1"/>
+        </a:buClr>
+        <a:buFont typeface="Wingdings 3" charset="2"/>
+        <a:buChar char=""/>
+        <a:defRPr sz="1800" kern="1200">
           <a:solidFill>
-            <a:schemeClr val="tx1"/>
+            <a:schemeClr val="tx1">
+              <a:lumMod val="75000"/>
+              <a:lumOff val="25000"/>
+            </a:schemeClr>
           </a:solidFill>
           <a:latin typeface="+mn-lt"/>
           <a:ea typeface="+mn-ea"/>
           <a:cs typeface="+mn-cs"/>
         </a:defRPr>
       </a:lvl1pPr>
-      <a:lvl2pPr marL="685800" indent="-228600" algn="l" defTabSz="914400" rtl="0" eaLnBrk="1" latinLnBrk="0" hangingPunct="1">
-        <a:lnSpc>
-          <a:spcPct val="90000"/>
-        </a:lnSpc>
+      <a:lvl2pPr marL="742950" indent="-285750" algn="l" defTabSz="457200" rtl="0" eaLnBrk="1" latinLnBrk="0" hangingPunct="1">
         <a:spcBef>
-          <a:spcPts val="500"/>
+          <a:spcPts val="1000"/>
         </a:spcBef>
-        <a:buFont typeface="Arial" panose="020B0604020202020204" pitchFamily="34" charset="0"/>
-        <a:buChar char="•"/>
-        <a:defRPr sz="2400" kern="1200">
+        <a:spcAft>
+          <a:spcPts val="0"/>
+        </a:spcAft>
+        <a:buClr>
+          <a:schemeClr val="accent1"/>
+        </a:buClr>
+        <a:buFont typeface="Wingdings 3" charset="2"/>
+        <a:buChar char=""/>
+        <a:defRPr sz="1600" kern="1200">
           <a:solidFill>
-            <a:schemeClr val="tx1"/>
+            <a:schemeClr val="tx1">
+              <a:lumMod val="75000"/>
+              <a:lumOff val="25000"/>
+            </a:schemeClr>
           </a:solidFill>
           <a:latin typeface="+mn-lt"/>
           <a:ea typeface="+mn-ea"/>
           <a:cs typeface="+mn-cs"/>
         </a:defRPr>
       </a:lvl2pPr>
-      <a:lvl3pPr marL="1143000" indent="-228600" algn="l" defTabSz="914400" rtl="0" eaLnBrk="1" latinLnBrk="0" hangingPunct="1">
-        <a:lnSpc>
-          <a:spcPct val="90000"/>
-        </a:lnSpc>
+      <a:lvl3pPr marL="1143000" indent="-228600" algn="l" defTabSz="457200" rtl="0" eaLnBrk="1" latinLnBrk="0" hangingPunct="1">
         <a:spcBef>
-          <a:spcPts val="500"/>
+          <a:spcPts val="1000"/>
         </a:spcBef>
-        <a:buFont typeface="Arial" panose="020B0604020202020204" pitchFamily="34" charset="0"/>
-        <a:buChar char="•"/>
-        <a:defRPr sz="2000" kern="1200">
+        <a:spcAft>
+          <a:spcPts val="0"/>
+        </a:spcAft>
+        <a:buClr>
+          <a:schemeClr val="accent1"/>
+        </a:buClr>
+        <a:buFont typeface="Wingdings 3" charset="2"/>
+        <a:buChar char=""/>
+        <a:defRPr sz="1400" kern="1200">
           <a:solidFill>
-            <a:schemeClr val="tx1"/>
+            <a:schemeClr val="tx1">
+              <a:lumMod val="75000"/>
+              <a:lumOff val="25000"/>
+            </a:schemeClr>
           </a:solidFill>
           <a:latin typeface="+mn-lt"/>
           <a:ea typeface="+mn-ea"/>
           <a:cs typeface="+mn-cs"/>
         </a:defRPr>
       </a:lvl3pPr>
-      <a:lvl4pPr marL="1600200" indent="-228600" algn="l" defTabSz="914400" rtl="0" eaLnBrk="1" latinLnBrk="0" hangingPunct="1">
-        <a:lnSpc>
-          <a:spcPct val="90000"/>
-        </a:lnSpc>
+      <a:lvl4pPr marL="1600200" indent="-228600" algn="l" defTabSz="457200" rtl="0" eaLnBrk="1" latinLnBrk="0" hangingPunct="1">
         <a:spcBef>
-          <a:spcPts val="500"/>
+          <a:spcPts val="1000"/>
         </a:spcBef>
-        <a:buFont typeface="Arial" panose="020B0604020202020204" pitchFamily="34" charset="0"/>
-        <a:buChar char="•"/>
-        <a:defRPr sz="1800" kern="1200">
+        <a:spcAft>
+          <a:spcPts val="0"/>
+        </a:spcAft>
+        <a:buClr>
+          <a:schemeClr val="accent1"/>
+        </a:buClr>
+        <a:buFont typeface="Wingdings 3" charset="2"/>
+        <a:buChar char=""/>
+        <a:defRPr sz="1200" kern="1200">
           <a:solidFill>
-            <a:schemeClr val="tx1"/>
+            <a:schemeClr val="tx1">
+              <a:lumMod val="75000"/>
+              <a:lumOff val="25000"/>
+            </a:schemeClr>
           </a:solidFill>
           <a:latin typeface="+mn-lt"/>
           <a:ea typeface="+mn-ea"/>
           <a:cs typeface="+mn-cs"/>
         </a:defRPr>
       </a:lvl4pPr>
-      <a:lvl5pPr marL="2057400" indent="-228600" algn="l" defTabSz="914400" rtl="0" eaLnBrk="1" latinLnBrk="0" hangingPunct="1">
-        <a:lnSpc>
-          <a:spcPct val="90000"/>
-        </a:lnSpc>
+      <a:lvl5pPr marL="2057400" indent="-228600" algn="l" defTabSz="457200" rtl="0" eaLnBrk="1" latinLnBrk="0" hangingPunct="1">
         <a:spcBef>
-          <a:spcPts val="500"/>
+          <a:spcPts val="1000"/>
         </a:spcBef>
-        <a:buFont typeface="Arial" panose="020B0604020202020204" pitchFamily="34" charset="0"/>
-        <a:buChar char="•"/>
-        <a:defRPr sz="1800" kern="1200">
+        <a:spcAft>
+          <a:spcPts val="0"/>
+        </a:spcAft>
+        <a:buClr>
+          <a:schemeClr val="accent1"/>
+        </a:buClr>
+        <a:buFont typeface="Wingdings 3" charset="2"/>
+        <a:buChar char=""/>
+        <a:defRPr sz="1200" kern="1200">
           <a:solidFill>
-            <a:schemeClr val="tx1"/>
+            <a:schemeClr val="tx1">
+              <a:lumMod val="75000"/>
+              <a:lumOff val="25000"/>
+            </a:schemeClr>
           </a:solidFill>
           <a:latin typeface="+mn-lt"/>
           <a:ea typeface="+mn-ea"/>
           <a:cs typeface="+mn-cs"/>
         </a:defRPr>
       </a:lvl5pPr>
-      <a:lvl6pPr marL="2514600" indent="-228600" algn="l" defTabSz="914400" rtl="0" eaLnBrk="1" latinLnBrk="0" hangingPunct="1">
-        <a:lnSpc>
-          <a:spcPct val="90000"/>
-        </a:lnSpc>
+      <a:lvl6pPr marL="2514600" indent="-228600" algn="l" defTabSz="457200" rtl="0" eaLnBrk="1" latinLnBrk="0" hangingPunct="1">
         <a:spcBef>
-          <a:spcPts val="500"/>
+          <a:spcPts val="1000"/>
         </a:spcBef>
-        <a:buFont typeface="Arial" panose="020B0604020202020204" pitchFamily="34" charset="0"/>
-        <a:buChar char="•"/>
-        <a:defRPr sz="1800" kern="1200">
+        <a:spcAft>
+          <a:spcPts val="0"/>
+        </a:spcAft>
+        <a:buClr>
+          <a:schemeClr val="accent1"/>
+        </a:buClr>
+        <a:buFont typeface="Wingdings 3" charset="2"/>
+        <a:buChar char=""/>
+        <a:defRPr sz="1200" kern="1200">
           <a:solidFill>
-            <a:schemeClr val="tx1"/>
+            <a:schemeClr val="tx1">
+              <a:lumMod val="75000"/>
+              <a:lumOff val="25000"/>
+            </a:schemeClr>
           </a:solidFill>
           <a:latin typeface="+mn-lt"/>
           <a:ea typeface="+mn-ea"/>
           <a:cs typeface="+mn-cs"/>
         </a:defRPr>
       </a:lvl6pPr>
-      <a:lvl7pPr marL="2971800" indent="-228600" algn="l" defTabSz="914400" rtl="0" eaLnBrk="1" latinLnBrk="0" hangingPunct="1">
-        <a:lnSpc>
-          <a:spcPct val="90000"/>
-        </a:lnSpc>
+      <a:lvl7pPr marL="2971800" indent="-228600" algn="l" defTabSz="457200" rtl="0" eaLnBrk="1" latinLnBrk="0" hangingPunct="1">
         <a:spcBef>
-          <a:spcPts val="500"/>
+          <a:spcPts val="1000"/>
         </a:spcBef>
-        <a:buFont typeface="Arial" panose="020B0604020202020204" pitchFamily="34" charset="0"/>
-        <a:buChar char="•"/>
-        <a:defRPr sz="1800" kern="1200">
+        <a:spcAft>
+          <a:spcPts val="0"/>
+        </a:spcAft>
+        <a:buClr>
+          <a:schemeClr val="accent1"/>
+        </a:buClr>
+        <a:buFont typeface="Wingdings 3" charset="2"/>
+        <a:buChar char=""/>
+        <a:defRPr sz="1200" kern="1200">
           <a:solidFill>
-            <a:schemeClr val="tx1"/>
+            <a:schemeClr val="tx1">
+              <a:lumMod val="75000"/>
+              <a:lumOff val="25000"/>
+            </a:schemeClr>
           </a:solidFill>
           <a:latin typeface="+mn-lt"/>
           <a:ea typeface="+mn-ea"/>
           <a:cs typeface="+mn-cs"/>
         </a:defRPr>
       </a:lvl7pPr>
-      <a:lvl8pPr marL="3429000" indent="-228600" algn="l" defTabSz="914400" rtl="0" eaLnBrk="1" latinLnBrk="0" hangingPunct="1">
-        <a:lnSpc>
-          <a:spcPct val="90000"/>
-        </a:lnSpc>
+      <a:lvl8pPr marL="3429000" indent="-228600" algn="l" defTabSz="457200" rtl="0" eaLnBrk="1" latinLnBrk="0" hangingPunct="1">
         <a:spcBef>
-          <a:spcPts val="500"/>
+          <a:spcPts val="1000"/>
         </a:spcBef>
-        <a:buFont typeface="Arial" panose="020B0604020202020204" pitchFamily="34" charset="0"/>
-        <a:buChar char="•"/>
-        <a:defRPr sz="1800" kern="1200">
+        <a:spcAft>
+          <a:spcPts val="0"/>
+        </a:spcAft>
+        <a:buClr>
+          <a:schemeClr val="accent1"/>
+        </a:buClr>
+        <a:buFont typeface="Wingdings 3" charset="2"/>
+        <a:buChar char=""/>
+        <a:defRPr sz="1200" kern="1200">
           <a:solidFill>
-            <a:schemeClr val="tx1"/>
+            <a:schemeClr val="tx1">
+              <a:lumMod val="75000"/>
+              <a:lumOff val="25000"/>
+            </a:schemeClr>
           </a:solidFill>
           <a:latin typeface="+mn-lt"/>
           <a:ea typeface="+mn-ea"/>
           <a:cs typeface="+mn-cs"/>
         </a:defRPr>
       </a:lvl8pPr>
-      <a:lvl9pPr marL="3886200" indent="-228600" algn="l" defTabSz="914400" rtl="0" eaLnBrk="1" latinLnBrk="0" hangingPunct="1">
-        <a:lnSpc>
-          <a:spcPct val="90000"/>
-        </a:lnSpc>
+      <a:lvl9pPr marL="3886200" indent="-228600" algn="l" defTabSz="457200" rtl="0" eaLnBrk="1" latinLnBrk="0" hangingPunct="1">
         <a:spcBef>
-          <a:spcPts val="500"/>
+          <a:spcPts val="1000"/>
         </a:spcBef>
-        <a:buFont typeface="Arial" panose="020B0604020202020204" pitchFamily="34" charset="0"/>
-        <a:buChar char="•"/>
-        <a:defRPr sz="1800" kern="1200">
+        <a:spcAft>
+          <a:spcPts val="0"/>
+        </a:spcAft>
+        <a:buClr>
+          <a:schemeClr val="accent1"/>
+        </a:buClr>
+        <a:buFont typeface="Wingdings 3" charset="2"/>
+        <a:buChar char=""/>
+        <a:defRPr sz="1200" kern="1200">
           <a:solidFill>
-            <a:schemeClr val="tx1"/>
+            <a:schemeClr val="tx1">
+              <a:lumMod val="75000"/>
+              <a:lumOff val="25000"/>
+            </a:schemeClr>
           </a:solidFill>
           <a:latin typeface="+mn-lt"/>
           <a:ea typeface="+mn-ea"/>
@@ -2863,7 +7571,7 @@
       <a:defPPr>
         <a:defRPr lang="en-US"/>
       </a:defPPr>
-      <a:lvl1pPr marL="0" algn="l" defTabSz="914400" rtl="0" eaLnBrk="1" latinLnBrk="0" hangingPunct="1">
+      <a:lvl1pPr marL="0" algn="l" defTabSz="457200" rtl="0" eaLnBrk="1" latinLnBrk="0" hangingPunct="1">
         <a:defRPr sz="1800" kern="1200">
           <a:solidFill>
             <a:schemeClr val="tx1"/>
@@ -2873,7 +7581,7 @@
           <a:cs typeface="+mn-cs"/>
         </a:defRPr>
       </a:lvl1pPr>
-      <a:lvl2pPr marL="457200" algn="l" defTabSz="914400" rtl="0" eaLnBrk="1" latinLnBrk="0" hangingPunct="1">
+      <a:lvl2pPr marL="457200" algn="l" defTabSz="457200" rtl="0" eaLnBrk="1" latinLnBrk="0" hangingPunct="1">
         <a:defRPr sz="1800" kern="1200">
           <a:solidFill>
             <a:schemeClr val="tx1"/>
@@ -2883,7 +7591,7 @@
           <a:cs typeface="+mn-cs"/>
         </a:defRPr>
       </a:lvl2pPr>
-      <a:lvl3pPr marL="914400" algn="l" defTabSz="914400" rtl="0" eaLnBrk="1" latinLnBrk="0" hangingPunct="1">
+      <a:lvl3pPr marL="914400" algn="l" defTabSz="457200" rtl="0" eaLnBrk="1" latinLnBrk="0" hangingPunct="1">
         <a:defRPr sz="1800" kern="1200">
           <a:solidFill>
             <a:schemeClr val="tx1"/>
@@ -2893,7 +7601,7 @@
           <a:cs typeface="+mn-cs"/>
         </a:defRPr>
       </a:lvl3pPr>
-      <a:lvl4pPr marL="1371600" algn="l" defTabSz="914400" rtl="0" eaLnBrk="1" latinLnBrk="0" hangingPunct="1">
+      <a:lvl4pPr marL="1371600" algn="l" defTabSz="457200" rtl="0" eaLnBrk="1" latinLnBrk="0" hangingPunct="1">
         <a:defRPr sz="1800" kern="1200">
           <a:solidFill>
             <a:schemeClr val="tx1"/>
@@ -2903,7 +7611,7 @@
           <a:cs typeface="+mn-cs"/>
         </a:defRPr>
       </a:lvl4pPr>
-      <a:lvl5pPr marL="1828800" algn="l" defTabSz="914400" rtl="0" eaLnBrk="1" latinLnBrk="0" hangingPunct="1">
+      <a:lvl5pPr marL="1828800" algn="l" defTabSz="457200" rtl="0" eaLnBrk="1" latinLnBrk="0" hangingPunct="1">
         <a:defRPr sz="1800" kern="1200">
           <a:solidFill>
             <a:schemeClr val="tx1"/>
@@ -2913,7 +7621,7 @@
           <a:cs typeface="+mn-cs"/>
         </a:defRPr>
       </a:lvl5pPr>
-      <a:lvl6pPr marL="2286000" algn="l" defTabSz="914400" rtl="0" eaLnBrk="1" latinLnBrk="0" hangingPunct="1">
+      <a:lvl6pPr marL="2286000" algn="l" defTabSz="457200" rtl="0" eaLnBrk="1" latinLnBrk="0" hangingPunct="1">
         <a:defRPr sz="1800" kern="1200">
           <a:solidFill>
             <a:schemeClr val="tx1"/>
@@ -2923,7 +7631,7 @@
           <a:cs typeface="+mn-cs"/>
         </a:defRPr>
       </a:lvl6pPr>
-      <a:lvl7pPr marL="2743200" algn="l" defTabSz="914400" rtl="0" eaLnBrk="1" latinLnBrk="0" hangingPunct="1">
+      <a:lvl7pPr marL="2743200" algn="l" defTabSz="457200" rtl="0" eaLnBrk="1" latinLnBrk="0" hangingPunct="1">
         <a:defRPr sz="1800" kern="1200">
           <a:solidFill>
             <a:schemeClr val="tx1"/>
@@ -2933,7 +7641,7 @@
           <a:cs typeface="+mn-cs"/>
         </a:defRPr>
       </a:lvl7pPr>
-      <a:lvl8pPr marL="3200400" algn="l" defTabSz="914400" rtl="0" eaLnBrk="1" latinLnBrk="0" hangingPunct="1">
+      <a:lvl8pPr marL="3200400" algn="l" defTabSz="457200" rtl="0" eaLnBrk="1" latinLnBrk="0" hangingPunct="1">
         <a:defRPr sz="1800" kern="1200">
           <a:solidFill>
             <a:schemeClr val="tx1"/>
@@ -2943,7 +7651,7 @@
           <a:cs typeface="+mn-cs"/>
         </a:defRPr>
       </a:lvl8pPr>
-      <a:lvl9pPr marL="3657600" algn="l" defTabSz="914400" rtl="0" eaLnBrk="1" latinLnBrk="0" hangingPunct="1">
+      <a:lvl9pPr marL="3657600" algn="l" defTabSz="457200" rtl="0" eaLnBrk="1" latinLnBrk="0" hangingPunct="1">
         <a:defRPr sz="1800" kern="1200">
           <a:solidFill>
             <a:schemeClr val="tx1"/>
@@ -2985,16 +7693,37 @@
             <p:ph type="ctrTitle"/>
           </p:nvPr>
         </p:nvSpPr>
-        <p:spPr/>
+        <p:spPr>
+          <a:xfrm>
+            <a:off x="2397511" y="2514600"/>
+            <a:ext cx="9107101" cy="2262781"/>
+          </a:xfrm>
+        </p:spPr>
         <p:txBody>
           <a:bodyPr>
-            <a:normAutofit fontScale="90000"/>
+            <a:noAutofit/>
           </a:bodyPr>
           <a:lstStyle/>
           <a:p>
             <a:r>
               <a:rPr lang="en-US" dirty="0" smtClean="0"/>
-              <a:t>Getting Started with AngularJS as a .NET Developer</a:t>
+              <a:t>Getting Started with </a:t>
+            </a:r>
+            <a:r>
+              <a:rPr lang="en-US" dirty="0" smtClean="0"/>
+              <a:t>AngularJS </a:t>
+            </a:r>
+            <a:r>
+              <a:rPr lang="en-US" dirty="0" smtClean="0"/>
+              <a:t>as a </a:t>
+            </a:r>
+            <a:r>
+              <a:rPr lang="en-US" dirty="0" smtClean="0"/>
+              <a:t>.</a:t>
+            </a:r>
+            <a:r>
+              <a:rPr lang="en-US" dirty="0" smtClean="0"/>
+              <a:t>NET Developer</a:t>
             </a:r>
             <a:endParaRPr lang="en-US" dirty="0"/>
           </a:p>
@@ -3012,20 +7741,32 @@
         </p:nvSpPr>
         <p:spPr/>
         <p:txBody>
-          <a:bodyPr/>
+          <a:bodyPr>
+            <a:noAutofit/>
+          </a:bodyPr>
           <a:lstStyle/>
           <a:p>
             <a:r>
-              <a:rPr lang="en-US" dirty="0" smtClean="0"/>
+              <a:rPr lang="en-US" sz="3600" dirty="0" smtClean="0"/>
               <a:t>Jake Adams</a:t>
             </a:r>
           </a:p>
           <a:p>
             <a:r>
-              <a:rPr lang="en-US" dirty="0" smtClean="0"/>
-              <a:t>@jacobladams</a:t>
-            </a:r>
-            <a:endParaRPr lang="en-US" dirty="0"/>
+              <a:rPr lang="en-US" sz="3600" dirty="0" smtClean="0"/>
+              <a:t>@</a:t>
+            </a:r>
+            <a:r>
+              <a:rPr lang="en-US" sz="3600" dirty="0" smtClean="0"/>
+              <a:t>jacobladams</a:t>
+            </a:r>
+          </a:p>
+          <a:p>
+            <a:r>
+              <a:rPr lang="en-US" sz="3600" dirty="0" smtClean="0"/>
+              <a:t>Link Bundle http://bit.ly/jakeangular</a:t>
+            </a:r>
+            <a:endParaRPr lang="en-US" sz="3600" dirty="0"/>
           </a:p>
         </p:txBody>
       </p:sp>
@@ -3092,6 +7833,13 @@
   <p:clrMapOvr>
     <a:masterClrMapping/>
   </p:clrMapOvr>
+  <p:timing>
+    <p:tnLst>
+      <p:par>
+        <p:cTn id="1" dur="indefinite" restart="never" nodeType="tmRoot"/>
+      </p:par>
+    </p:tnLst>
+  </p:timing>
 </p:sld>
 </file>
 
@@ -3148,12 +7896,15 @@
         <p:spPr/>
         <p:txBody>
           <a:bodyPr>
-            <a:normAutofit fontScale="85000" lnSpcReduction="20000"/>
+            <a:normAutofit fontScale="77500" lnSpcReduction="20000"/>
           </a:bodyPr>
           <a:lstStyle/>
           <a:p>
-            <a:r>
-              <a:rPr lang="en-US" sz="2400" b="1" dirty="0" smtClean="0">
+            <a:pPr marL="0" indent="0">
+              <a:buNone/>
+            </a:pPr>
+            <a:r>
+              <a:rPr lang="en-US" sz="3100" b="1" dirty="0" smtClean="0">
                 <a:solidFill>
                   <a:schemeClr val="tx1"/>
                 </a:solidFill>
@@ -3162,27 +7913,39 @@
             </a:r>
           </a:p>
           <a:p>
-            <a:r>
-              <a:rPr lang="en-US" dirty="0" smtClean="0"/>
+            <a:pPr marL="0" indent="0">
+              <a:buNone/>
+            </a:pPr>
+            <a:r>
+              <a:rPr lang="en-US" sz="2200" dirty="0" smtClean="0"/>
               <a:t>Software Architect</a:t>
             </a:r>
           </a:p>
           <a:p>
-            <a:r>
-              <a:rPr lang="en-US" dirty="0" smtClean="0"/>
+            <a:pPr marL="0" indent="0">
+              <a:buNone/>
+            </a:pPr>
+            <a:r>
+              <a:rPr lang="en-US" sz="2200" dirty="0" smtClean="0"/>
               <a:t>Thompson Coburn LLP</a:t>
             </a:r>
           </a:p>
           <a:p>
-            <a:endParaRPr lang="en-US" dirty="0" smtClean="0"/>
-          </a:p>
-          <a:p>
-            <a:r>
-              <a:rPr lang="en-US" dirty="0" smtClean="0"/>
+            <a:pPr marL="0" indent="0">
+              <a:buNone/>
+            </a:pPr>
+            <a:endParaRPr lang="en-US" sz="2200" dirty="0" smtClean="0"/>
+          </a:p>
+          <a:p>
+            <a:pPr marL="0" indent="0">
+              <a:buNone/>
+            </a:pPr>
+            <a:r>
+              <a:rPr lang="en-US" sz="2200" dirty="0" smtClean="0"/>
               <a:t>Email: </a:t>
             </a:r>
             <a:r>
-              <a:rPr lang="en-US" b="1" dirty="0" smtClean="0">
+              <a:rPr lang="en-US" sz="2200" b="1" dirty="0" smtClean="0">
                 <a:solidFill>
                   <a:schemeClr val="tx1"/>
                 </a:solidFill>
@@ -3190,17 +7953,20 @@
               <a:t>jacobladams</a:t>
             </a:r>
             <a:r>
-              <a:rPr lang="en-US" dirty="0" smtClean="0"/>
+              <a:rPr lang="en-US" sz="2200" dirty="0" smtClean="0"/>
               <a:t>@gmail.com</a:t>
             </a:r>
           </a:p>
           <a:p>
-            <a:r>
-              <a:rPr lang="en-US" dirty="0" smtClean="0"/>
+            <a:pPr marL="0" indent="0">
+              <a:buNone/>
+            </a:pPr>
+            <a:r>
+              <a:rPr lang="en-US" sz="2200" dirty="0" smtClean="0"/>
               <a:t>Twitter: @</a:t>
             </a:r>
             <a:r>
-              <a:rPr lang="en-US" b="1" dirty="0" smtClean="0">
+              <a:rPr lang="en-US" sz="2200" b="1" dirty="0" smtClean="0">
                 <a:solidFill>
                   <a:schemeClr val="tx1"/>
                 </a:solidFill>
@@ -3209,12 +7975,15 @@
             </a:r>
           </a:p>
           <a:p>
-            <a:r>
-              <a:rPr lang="en-US" dirty="0" smtClean="0"/>
+            <a:pPr marL="0" indent="0">
+              <a:buNone/>
+            </a:pPr>
+            <a:r>
+              <a:rPr lang="en-US" sz="2200" dirty="0" smtClean="0"/>
               <a:t>geekswithblogs.com/</a:t>
             </a:r>
             <a:r>
-              <a:rPr lang="en-US" b="1" dirty="0" smtClean="0">
+              <a:rPr lang="en-US" sz="2200" b="1" dirty="0" smtClean="0">
                 <a:solidFill>
                   <a:schemeClr val="tx1"/>
                 </a:solidFill>
@@ -3222,17 +7991,20 @@
               <a:t>jacobladams</a:t>
             </a:r>
             <a:r>
-              <a:rPr lang="en-US" dirty="0" smtClean="0"/>
+              <a:rPr lang="en-US" sz="2200" dirty="0" smtClean="0"/>
               <a:t> </a:t>
             </a:r>
           </a:p>
           <a:p>
-            <a:r>
-              <a:rPr lang="en-US" dirty="0" smtClean="0"/>
+            <a:pPr marL="0" indent="0">
+              <a:buNone/>
+            </a:pPr>
+            <a:r>
+              <a:rPr lang="en-US" sz="2200" dirty="0" smtClean="0"/>
               <a:t>github.com/</a:t>
             </a:r>
             <a:r>
-              <a:rPr lang="en-US" b="1" dirty="0" smtClean="0">
+              <a:rPr lang="en-US" sz="2200" b="1" dirty="0" smtClean="0">
                 <a:solidFill>
                   <a:schemeClr val="tx1"/>
                 </a:solidFill>
@@ -3240,17 +8012,20 @@
               <a:t>jacobladams</a:t>
             </a:r>
             <a:r>
-              <a:rPr lang="en-US" dirty="0" smtClean="0"/>
+              <a:rPr lang="en-US" sz="2200" dirty="0" smtClean="0"/>
               <a:t> </a:t>
             </a:r>
           </a:p>
           <a:p>
-            <a:r>
-              <a:rPr lang="en-US" dirty="0" smtClean="0"/>
+            <a:pPr marL="0" indent="0">
+              <a:buNone/>
+            </a:pPr>
+            <a:r>
+              <a:rPr lang="en-US" sz="2200" dirty="0" smtClean="0"/>
               <a:t>speakerrate.com/</a:t>
             </a:r>
             <a:r>
-              <a:rPr lang="en-US" b="1" dirty="0" smtClean="0">
+              <a:rPr lang="en-US" sz="2200" b="1" dirty="0" smtClean="0">
                 <a:solidFill>
                   <a:schemeClr val="tx1"/>
                 </a:solidFill>
@@ -3258,20 +8033,26 @@
               <a:t>jacobladams</a:t>
             </a:r>
             <a:r>
-              <a:rPr lang="en-US" dirty="0" smtClean="0"/>
+              <a:rPr lang="en-US" sz="2200" dirty="0" smtClean="0"/>
               <a:t> </a:t>
             </a:r>
           </a:p>
           <a:p>
-            <a:endParaRPr lang="en-US" dirty="0" smtClean="0"/>
-          </a:p>
-          <a:p>
-            <a:r>
-              <a:rPr lang="en-US" dirty="0" smtClean="0"/>
+            <a:pPr marL="0" indent="0">
+              <a:buNone/>
+            </a:pPr>
+            <a:endParaRPr lang="en-US" sz="2200" dirty="0" smtClean="0"/>
+          </a:p>
+          <a:p>
+            <a:pPr marL="0" indent="0">
+              <a:buNone/>
+            </a:pPr>
+            <a:r>
+              <a:rPr lang="en-US" sz="2200" dirty="0" smtClean="0"/>
               <a:t>Bit.ly bundle of links for this presentation - </a:t>
             </a:r>
             <a:r>
-              <a:rPr lang="en-US" b="1" dirty="0" smtClean="0">
+              <a:rPr lang="en-US" sz="2200" b="1" dirty="0" smtClean="0">
                 <a:solidFill>
                   <a:schemeClr val="tx1"/>
                 </a:solidFill>
@@ -3294,6 +8075,13 @@
   <p:clrMapOvr>
     <a:masterClrMapping/>
   </p:clrMapOvr>
+  <p:timing>
+    <p:tnLst>
+      <p:par>
+        <p:cTn id="1" dur="indefinite" restart="never" nodeType="tmRoot"/>
+      </p:par>
+    </p:tnLst>
+  </p:timing>
 </p:sld>
 </file>
 
@@ -3347,46 +8135,68 @@
             <p:ph idx="1"/>
           </p:nvPr>
         </p:nvSpPr>
-        <p:spPr/>
-        <p:txBody>
-          <a:bodyPr/>
+        <p:spPr>
+          <a:xfrm>
+            <a:off x="2276978" y="1988634"/>
+            <a:ext cx="9788642" cy="3777622"/>
+          </a:xfrm>
+        </p:spPr>
+        <p:txBody>
+          <a:bodyPr>
+            <a:noAutofit/>
+          </a:bodyPr>
           <a:lstStyle/>
           <a:p>
-            <a:r>
-              <a:rPr lang="en-US" smtClean="0"/>
-              <a:t>JavaScript </a:t>
-            </a:r>
-            <a:r>
-              <a:rPr lang="en-US" smtClean="0"/>
-              <a:t>MVW (Model –View-Whatever) </a:t>
-            </a:r>
-            <a:r>
-              <a:rPr lang="en-US" dirty="0" smtClean="0"/>
-              <a:t>framework</a:t>
-            </a:r>
-          </a:p>
-          <a:p>
-            <a:endParaRPr lang="en-US" dirty="0"/>
-          </a:p>
-          <a:p>
-            <a:r>
-              <a:rPr lang="en-US" dirty="0"/>
+            <a:pPr marL="0" indent="0">
+              <a:buNone/>
+            </a:pPr>
+            <a:r>
+              <a:rPr lang="en-US" sz="3200" dirty="0" smtClean="0"/>
+              <a:t>JavaScript MVW (</a:t>
+            </a:r>
+            <a:r>
+              <a:rPr lang="en-US" sz="3200" dirty="0" smtClean="0"/>
+              <a:t>Model–View-Whatever</a:t>
+            </a:r>
+            <a:r>
+              <a:rPr lang="en-US" sz="3200" dirty="0" smtClean="0"/>
+              <a:t>) framework</a:t>
+            </a:r>
+          </a:p>
+          <a:p>
+            <a:pPr marL="0" indent="0">
+              <a:buNone/>
+            </a:pPr>
+            <a:endParaRPr lang="en-US" sz="3200" dirty="0"/>
+          </a:p>
+          <a:p>
+            <a:pPr marL="0" indent="0">
+              <a:buNone/>
+            </a:pPr>
+            <a:r>
+              <a:rPr lang="en-US" sz="3200" dirty="0"/>
               <a:t>HTML enhanced for web </a:t>
             </a:r>
             <a:r>
-              <a:rPr lang="en-US" dirty="0" smtClean="0"/>
+              <a:rPr lang="en-US" sz="3200" dirty="0" smtClean="0"/>
               <a:t>apps</a:t>
             </a:r>
           </a:p>
           <a:p>
-            <a:endParaRPr lang="en-US" dirty="0"/>
-          </a:p>
-          <a:p>
-            <a:r>
-              <a:rPr lang="en-US" dirty="0" smtClean="0"/>
+            <a:pPr marL="0" indent="0">
+              <a:buNone/>
+            </a:pPr>
+            <a:endParaRPr lang="en-US" sz="3200" dirty="0"/>
+          </a:p>
+          <a:p>
+            <a:pPr marL="0" indent="0">
+              <a:buNone/>
+            </a:pPr>
+            <a:r>
+              <a:rPr lang="en-US" sz="3200" dirty="0" smtClean="0"/>
               <a:t>Framework for building web applications in JavaScript and HTML</a:t>
             </a:r>
-            <a:endParaRPr lang="en-US" dirty="0"/>
+            <a:endParaRPr lang="en-US" sz="3200" dirty="0"/>
           </a:p>
         </p:txBody>
       </p:sp>
@@ -3400,6 +8210,183 @@
   <p:clrMapOvr>
     <a:masterClrMapping/>
   </p:clrMapOvr>
+  <p:timing>
+    <p:tnLst>
+      <p:par>
+        <p:cTn id="1" dur="indefinite" restart="never" nodeType="tmRoot">
+          <p:childTnLst>
+            <p:seq concurrent="1" nextAc="seek">
+              <p:cTn id="2" dur="indefinite" nodeType="mainSeq">
+                <p:childTnLst>
+                  <p:par>
+                    <p:cTn id="3" fill="hold">
+                      <p:stCondLst>
+                        <p:cond delay="indefinite"/>
+                      </p:stCondLst>
+                      <p:childTnLst>
+                        <p:par>
+                          <p:cTn id="4" fill="hold">
+                            <p:stCondLst>
+                              <p:cond delay="0"/>
+                            </p:stCondLst>
+                            <p:childTnLst>
+                              <p:par>
+                                <p:cTn id="5" presetID="1" presetClass="entr" presetSubtype="0" fill="hold" nodeType="clickEffect">
+                                  <p:stCondLst>
+                                    <p:cond delay="0"/>
+                                  </p:stCondLst>
+                                  <p:childTnLst>
+                                    <p:set>
+                                      <p:cBhvr>
+                                        <p:cTn id="6" dur="1" fill="hold">
+                                          <p:stCondLst>
+                                            <p:cond delay="0"/>
+                                          </p:stCondLst>
+                                        </p:cTn>
+                                        <p:tgtEl>
+                                          <p:spTgt spid="3">
+                                            <p:txEl>
+                                              <p:pRg st="0" end="0"/>
+                                            </p:txEl>
+                                          </p:spTgt>
+                                        </p:tgtEl>
+                                        <p:attrNameLst>
+                                          <p:attrName>style.visibility</p:attrName>
+                                        </p:attrNameLst>
+                                      </p:cBhvr>
+                                      <p:to>
+                                        <p:strVal val="visible"/>
+                                      </p:to>
+                                    </p:set>
+                                  </p:childTnLst>
+                                </p:cTn>
+                              </p:par>
+                            </p:childTnLst>
+                          </p:cTn>
+                        </p:par>
+                      </p:childTnLst>
+                    </p:cTn>
+                  </p:par>
+                  <p:par>
+                    <p:cTn id="7" fill="hold">
+                      <p:stCondLst>
+                        <p:cond delay="indefinite"/>
+                      </p:stCondLst>
+                      <p:childTnLst>
+                        <p:par>
+                          <p:cTn id="8" fill="hold">
+                            <p:stCondLst>
+                              <p:cond delay="0"/>
+                            </p:stCondLst>
+                            <p:childTnLst>
+                              <p:par>
+                                <p:cTn id="9" presetID="1" presetClass="entr" presetSubtype="0" fill="hold" nodeType="clickEffect">
+                                  <p:stCondLst>
+                                    <p:cond delay="0"/>
+                                  </p:stCondLst>
+                                  <p:childTnLst>
+                                    <p:set>
+                                      <p:cBhvr>
+                                        <p:cTn id="10" dur="1" fill="hold">
+                                          <p:stCondLst>
+                                            <p:cond delay="0"/>
+                                          </p:stCondLst>
+                                        </p:cTn>
+                                        <p:tgtEl>
+                                          <p:spTgt spid="3">
+                                            <p:txEl>
+                                              <p:pRg st="2" end="2"/>
+                                            </p:txEl>
+                                          </p:spTgt>
+                                        </p:tgtEl>
+                                        <p:attrNameLst>
+                                          <p:attrName>style.visibility</p:attrName>
+                                        </p:attrNameLst>
+                                      </p:cBhvr>
+                                      <p:to>
+                                        <p:strVal val="visible"/>
+                                      </p:to>
+                                    </p:set>
+                                  </p:childTnLst>
+                                </p:cTn>
+                              </p:par>
+                            </p:childTnLst>
+                          </p:cTn>
+                        </p:par>
+                      </p:childTnLst>
+                    </p:cTn>
+                  </p:par>
+                  <p:par>
+                    <p:cTn id="11" fill="hold">
+                      <p:stCondLst>
+                        <p:cond delay="indefinite"/>
+                      </p:stCondLst>
+                      <p:childTnLst>
+                        <p:par>
+                          <p:cTn id="12" fill="hold">
+                            <p:stCondLst>
+                              <p:cond delay="0"/>
+                            </p:stCondLst>
+                            <p:childTnLst>
+                              <p:par>
+                                <p:cTn id="13" presetID="1" presetClass="entr" presetSubtype="0" fill="hold" nodeType="clickEffect">
+                                  <p:stCondLst>
+                                    <p:cond delay="0"/>
+                                  </p:stCondLst>
+                                  <p:childTnLst>
+                                    <p:set>
+                                      <p:cBhvr>
+                                        <p:cTn id="14" dur="1" fill="hold">
+                                          <p:stCondLst>
+                                            <p:cond delay="0"/>
+                                          </p:stCondLst>
+                                        </p:cTn>
+                                        <p:tgtEl>
+                                          <p:spTgt spid="3">
+                                            <p:txEl>
+                                              <p:pRg st="4" end="4"/>
+                                            </p:txEl>
+                                          </p:spTgt>
+                                        </p:tgtEl>
+                                        <p:attrNameLst>
+                                          <p:attrName>style.visibility</p:attrName>
+                                        </p:attrNameLst>
+                                      </p:cBhvr>
+                                      <p:to>
+                                        <p:strVal val="visible"/>
+                                      </p:to>
+                                    </p:set>
+                                  </p:childTnLst>
+                                </p:cTn>
+                              </p:par>
+                            </p:childTnLst>
+                          </p:cTn>
+                        </p:par>
+                      </p:childTnLst>
+                    </p:cTn>
+                  </p:par>
+                </p:childTnLst>
+              </p:cTn>
+              <p:prevCondLst>
+                <p:cond evt="onPrev" delay="0">
+                  <p:tgtEl>
+                    <p:sldTgt/>
+                  </p:tgtEl>
+                </p:cond>
+              </p:prevCondLst>
+              <p:nextCondLst>
+                <p:cond evt="onNext" delay="0">
+                  <p:tgtEl>
+                    <p:sldTgt/>
+                  </p:tgtEl>
+                </p:cond>
+              </p:nextCondLst>
+            </p:seq>
+          </p:childTnLst>
+        </p:cTn>
+      </p:par>
+    </p:tnLst>
+  </p:timing>
 </p:sld>
 </file>
 
@@ -3476,6 +8463,13 @@
   <p:clrMapOvr>
     <a:masterClrMapping/>
   </p:clrMapOvr>
+  <p:timing>
+    <p:tnLst>
+      <p:par>
+        <p:cTn id="1" dur="indefinite" restart="never" nodeType="tmRoot"/>
+      </p:par>
+    </p:tnLst>
+  </p:timing>
 </p:sld>
 </file>
 
@@ -3532,7 +8526,7 @@
         <p:spPr/>
         <p:txBody>
           <a:bodyPr>
-            <a:normAutofit fontScale="92500" lnSpcReduction="20000"/>
+            <a:noAutofit/>
           </a:bodyPr>
           <a:lstStyle/>
           <a:p>
@@ -3540,85 +8534,50 @@
               <a:buNone/>
             </a:pPr>
             <a:r>
-              <a:rPr lang="en-US" dirty="0" smtClean="0"/>
+              <a:rPr lang="en-US" sz="2800" dirty="0" smtClean="0"/>
+              <a:t>Angular is a:</a:t>
+            </a:r>
+            <a:r>
+              <a:rPr lang="en-US" sz="2600" dirty="0" smtClean="0"/>
+              <a:t> </a:t>
+            </a:r>
+          </a:p>
+          <a:p>
+            <a:pPr marL="400050" lvl="1" indent="0">
+              <a:buNone/>
+            </a:pPr>
+            <a:r>
+              <a:rPr lang="en-US" sz="2600" dirty="0" smtClean="0"/>
               <a:t>Client Side</a:t>
             </a:r>
           </a:p>
           <a:p>
-            <a:pPr marL="0" indent="0">
+            <a:pPr marL="400050" lvl="1" indent="0">
               <a:buNone/>
             </a:pPr>
             <a:r>
-              <a:rPr lang="en-US" dirty="0" smtClean="0"/>
-              <a:t>Rich, full featured framework</a:t>
-            </a:r>
-          </a:p>
-          <a:p>
-            <a:pPr marL="0" indent="0">
+              <a:rPr lang="en-US" sz="2600" dirty="0" smtClean="0"/>
+              <a:t>JavaScript</a:t>
+            </a:r>
+          </a:p>
+          <a:p>
+            <a:pPr marL="400050" lvl="1" indent="0">
               <a:buNone/>
             </a:pPr>
             <a:r>
-              <a:rPr lang="en-US" dirty="0" smtClean="0"/>
-              <a:t>Makes HTML and JavaScript work the way you want</a:t>
-            </a:r>
-          </a:p>
-          <a:p>
-            <a:pPr marL="0" indent="0">
+              <a:rPr lang="en-US" sz="2600" dirty="0" smtClean="0"/>
+              <a:t>Framework</a:t>
+            </a:r>
+          </a:p>
+          <a:p>
+            <a:pPr marL="400050" lvl="1" indent="0">
               <a:buNone/>
             </a:pPr>
             <a:r>
-              <a:rPr lang="en-US" dirty="0" smtClean="0"/>
-              <a:t>Built using many best practices such as separate of concerns, dependency injection, and testing.</a:t>
-            </a:r>
-          </a:p>
-          <a:p>
-            <a:pPr marL="0" indent="0">
-              <a:buNone/>
-            </a:pPr>
-            <a:endParaRPr lang="en-US" dirty="0" smtClean="0"/>
-          </a:p>
-          <a:p>
-            <a:pPr marL="0" indent="0">
-              <a:buNone/>
-            </a:pPr>
-            <a:endParaRPr lang="en-US" dirty="0"/>
-          </a:p>
-          <a:p>
-            <a:pPr marL="0" indent="0">
-              <a:buNone/>
-            </a:pPr>
-            <a:r>
-              <a:rPr lang="en-US" dirty="0" smtClean="0"/>
-              <a:t>Compared to Win Forms</a:t>
-            </a:r>
-          </a:p>
-          <a:p>
-            <a:pPr marL="0" indent="0">
-              <a:buNone/>
-            </a:pPr>
-            <a:r>
-              <a:rPr lang="en-US" dirty="0" smtClean="0"/>
-              <a:t>Compared to ASP, ASP.NET Web Forms</a:t>
-            </a:r>
-          </a:p>
-          <a:p>
-            <a:pPr marL="0" indent="0">
-              <a:buNone/>
-            </a:pPr>
-            <a:r>
-              <a:rPr lang="en-US" dirty="0" smtClean="0"/>
-              <a:t>Compared to MVC (combine with web forms)</a:t>
-            </a:r>
-          </a:p>
-          <a:p>
-            <a:pPr marL="0" indent="0">
-              <a:buNone/>
-            </a:pPr>
-            <a:r>
-              <a:rPr lang="en-US" dirty="0" smtClean="0"/>
-              <a:t>Compared to WPF and Silverlight</a:t>
-            </a:r>
-            <a:endParaRPr lang="en-US" dirty="0"/>
+              <a:rPr lang="en-US" sz="2600" dirty="0" smtClean="0"/>
+              <a:t>For Building Web Applications</a:t>
+            </a:r>
+            <a:endParaRPr lang="en-US" sz="2600" dirty="0" smtClean="0"/>
           </a:p>
         </p:txBody>
       </p:sp>
@@ -3632,6 +8591,13 @@
   <p:clrMapOvr>
     <a:masterClrMapping/>
   </p:clrMapOvr>
+  <p:timing>
+    <p:tnLst>
+      <p:par>
+        <p:cTn id="1" dur="indefinite" restart="never" nodeType="tmRoot"/>
+      </p:par>
+    </p:tnLst>
+  </p:timing>
 </p:sld>
 </file>
 
@@ -3722,13 +8688,99 @@
   <p:clrMapOvr>
     <a:masterClrMapping/>
   </p:clrMapOvr>
+  <p:timing>
+    <p:tnLst>
+      <p:par>
+        <p:cTn id="1" dur="indefinite" restart="never" nodeType="tmRoot"/>
+      </p:par>
+    </p:tnLst>
+  </p:timing>
+</p:sld>
+</file>
+
+<file path=ppt/slides/slide8.xml><?xml version="1.0" encoding="utf-8"?>
+<p:sld xmlns:a="http://schemas.openxmlformats.org/drawingml/2006/main" xmlns:r="http://schemas.openxmlformats.org/officeDocument/2006/relationships" xmlns:p="http://schemas.openxmlformats.org/presentationml/2006/main">
+  <p:cSld>
+    <p:spTree>
+      <p:nvGrpSpPr>
+        <p:cNvPr id="1" name=""/>
+        <p:cNvGrpSpPr/>
+        <p:nvPr/>
+      </p:nvGrpSpPr>
+      <p:grpSpPr>
+        <a:xfrm>
+          <a:off x="0" y="0"/>
+          <a:ext cx="0" cy="0"/>
+          <a:chOff x="0" y="0"/>
+          <a:chExt cx="0" cy="0"/>
+        </a:xfrm>
+      </p:grpSpPr>
+      <p:sp>
+        <p:nvSpPr>
+          <p:cNvPr id="2" name="Title 1"/>
+          <p:cNvSpPr>
+            <a:spLocks noGrp="1"/>
+          </p:cNvSpPr>
+          <p:nvPr>
+            <p:ph type="ctrTitle"/>
+          </p:nvPr>
+        </p:nvSpPr>
+        <p:spPr/>
+        <p:txBody>
+          <a:bodyPr/>
+          <a:lstStyle/>
+          <a:p>
+            <a:r>
+              <a:rPr lang="en-US" dirty="0" smtClean="0"/>
+              <a:t>GIVE MEH TEH CODEZ!</a:t>
+            </a:r>
+            <a:endParaRPr lang="en-US" dirty="0"/>
+          </a:p>
+        </p:txBody>
+      </p:sp>
+      <p:sp>
+        <p:nvSpPr>
+          <p:cNvPr id="3" name="Subtitle 2"/>
+          <p:cNvSpPr>
+            <a:spLocks noGrp="1"/>
+          </p:cNvSpPr>
+          <p:nvPr>
+            <p:ph type="subTitle" idx="1"/>
+          </p:nvPr>
+        </p:nvSpPr>
+        <p:spPr/>
+        <p:txBody>
+          <a:bodyPr/>
+          <a:lstStyle/>
+          <a:p>
+            <a:endParaRPr lang="en-US"/>
+          </a:p>
+        </p:txBody>
+      </p:sp>
+    </p:spTree>
+    <p:extLst>
+      <p:ext uri="{BB962C8B-B14F-4D97-AF65-F5344CB8AC3E}">
+        <p14:creationId xmlns:p14="http://schemas.microsoft.com/office/powerpoint/2010/main" val="1375240444"/>
+      </p:ext>
+    </p:extLst>
+  </p:cSld>
+  <p:clrMapOvr>
+    <a:masterClrMapping/>
+  </p:clrMapOvr>
+  <p:timing>
+    <p:tnLst>
+      <p:par>
+        <p:cTn id="1" dur="indefinite" restart="never" nodeType="tmRoot"/>
+      </p:par>
+    </p:tnLst>
+  </p:timing>
 </p:sld>
 </file>
 
 <file path=ppt/theme/theme1.xml><?xml version="1.0" encoding="utf-8"?>
-<a:theme xmlns:a="http://schemas.openxmlformats.org/drawingml/2006/main" name="Office Theme">
+<a:theme xmlns:a="http://schemas.openxmlformats.org/drawingml/2006/main" name="Wisp">
   <a:themeElements>
-    <a:clrScheme name="Office">
+    <a:clrScheme name="Wisp">
       <a:dk1>
         <a:sysClr val="windowText" lastClr="000000"/>
       </a:dk1>
@@ -3736,83 +8788,48 @@
         <a:sysClr val="window" lastClr="FFFFFF"/>
       </a:lt1>
       <a:dk2>
-        <a:srgbClr val="44546A"/>
+        <a:srgbClr val="766F54"/>
       </a:dk2>
       <a:lt2>
-        <a:srgbClr val="E7E6E6"/>
+        <a:srgbClr val="E3EACF"/>
       </a:lt2>
       <a:accent1>
-        <a:srgbClr val="5B9BD5"/>
+        <a:srgbClr val="A53010"/>
       </a:accent1>
       <a:accent2>
-        <a:srgbClr val="ED7D31"/>
+        <a:srgbClr val="DE7E18"/>
       </a:accent2>
       <a:accent3>
-        <a:srgbClr val="A5A5A5"/>
+        <a:srgbClr val="9F8351"/>
       </a:accent3>
       <a:accent4>
-        <a:srgbClr val="FFC000"/>
+        <a:srgbClr val="728653"/>
       </a:accent4>
       <a:accent5>
-        <a:srgbClr val="4472C4"/>
+        <a:srgbClr val="92AA4C"/>
       </a:accent5>
       <a:accent6>
-        <a:srgbClr val="70AD47"/>
+        <a:srgbClr val="6AAC91"/>
       </a:accent6>
       <a:hlink>
-        <a:srgbClr val="0563C1"/>
+        <a:srgbClr val="FB4A18"/>
       </a:hlink>
       <a:folHlink>
-        <a:srgbClr val="954F72"/>
+        <a:srgbClr val="FB9318"/>
       </a:folHlink>
     </a:clrScheme>
-    <a:fontScheme name="Office">
+    <a:fontScheme name="Wisp">
       <a:majorFont>
-        <a:latin typeface="Calibri Light" panose="020F0302020204030204"/>
+        <a:latin typeface="Century Gothic" panose="020B0502020202020204"/>
         <a:ea typeface=""/>
         <a:cs typeface=""/>
-        <a:font script="Jpan" typeface="ＭＳ Ｐゴシック"/>
-        <a:font script="Hang" typeface="맑은 고딕"/>
-        <a:font script="Hans" typeface="宋体"/>
-        <a:font script="Hant" typeface="新細明體"/>
-        <a:font script="Arab" typeface="Times New Roman"/>
-        <a:font script="Hebr" typeface="Times New Roman"/>
-        <a:font script="Thai" typeface="Angsana New"/>
-        <a:font script="Ethi" typeface="Nyala"/>
-        <a:font script="Beng" typeface="Vrinda"/>
-        <a:font script="Gujr" typeface="Shruti"/>
-        <a:font script="Khmr" typeface="MoolBoran"/>
-        <a:font script="Knda" typeface="Tunga"/>
-        <a:font script="Guru" typeface="Raavi"/>
-        <a:font script="Cans" typeface="Euphemia"/>
-        <a:font script="Cher" typeface="Plantagenet Cherokee"/>
-        <a:font script="Yiii" typeface="Microsoft Yi Baiti"/>
-        <a:font script="Tibt" typeface="Microsoft Himalaya"/>
-        <a:font script="Thaa" typeface="MV Boli"/>
-        <a:font script="Deva" typeface="Mangal"/>
-        <a:font script="Telu" typeface="Gautami"/>
-        <a:font script="Taml" typeface="Latha"/>
-        <a:font script="Syrc" typeface="Estrangelo Edessa"/>
-        <a:font script="Orya" typeface="Kalinga"/>
-        <a:font script="Mlym" typeface="Kartika"/>
-        <a:font script="Laoo" typeface="DokChampa"/>
-        <a:font script="Sinh" typeface="Iskoola Pota"/>
-        <a:font script="Mong" typeface="Mongolian Baiti"/>
-        <a:font script="Viet" typeface="Times New Roman"/>
-        <a:font script="Uigh" typeface="Microsoft Uighur"/>
-        <a:font script="Geor" typeface="Sylfaen"/>
-      </a:majorFont>
-      <a:minorFont>
-        <a:latin typeface="Calibri" panose="020F0502020204030204"/>
-        <a:ea typeface=""/>
-        <a:cs typeface=""/>
-        <a:font script="Jpan" typeface="ＭＳ Ｐゴシック"/>
-        <a:font script="Hang" typeface="맑은 고딕"/>
-        <a:font script="Hans" typeface="宋体"/>
-        <a:font script="Hant" typeface="新細明體"/>
-        <a:font script="Arab" typeface="Arial"/>
-        <a:font script="Hebr" typeface="Arial"/>
-        <a:font script="Thai" typeface="Cordia New"/>
+        <a:font script="Jpan" typeface="メイリオ"/>
+        <a:font script="Hang" typeface="HY중고딕"/>
+        <a:font script="Hans" typeface="幼圆"/>
+        <a:font script="Hant" typeface="微軟正黑體"/>
+        <a:font script="Arab" typeface="Tahoma"/>
+        <a:font script="Hebr" typeface="Gisha"/>
+        <a:font script="Thai" typeface="DilleniaUPC"/>
         <a:font script="Ethi" typeface="Nyala"/>
         <a:font script="Beng" typeface="Vrinda"/>
         <a:font script="Gujr" typeface="Shruti"/>
@@ -3833,13 +8850,121 @@
         <a:font script="Laoo" typeface="DokChampa"/>
         <a:font script="Sinh" typeface="Iskoola Pota"/>
         <a:font script="Mong" typeface="Mongolian Baiti"/>
-        <a:font script="Viet" typeface="Arial"/>
+        <a:font script="Viet" typeface="Tahoma"/>
+        <a:font script="Uigh" typeface="Microsoft Uighur"/>
+        <a:font script="Geor" typeface="Sylfaen"/>
+      </a:majorFont>
+      <a:minorFont>
+        <a:latin typeface="Century Gothic" panose="020B0502020202020204"/>
+        <a:ea typeface=""/>
+        <a:cs typeface=""/>
+        <a:font script="Jpan" typeface="メイリオ"/>
+        <a:font script="Hang" typeface="HY중고딕"/>
+        <a:font script="Hans" typeface="幼圆"/>
+        <a:font script="Hant" typeface="微軟正黑體"/>
+        <a:font script="Arab" typeface="Tahoma"/>
+        <a:font script="Hebr" typeface="Gisha"/>
+        <a:font script="Thai" typeface="DilleniaUPC"/>
+        <a:font script="Ethi" typeface="Nyala"/>
+        <a:font script="Beng" typeface="Vrinda"/>
+        <a:font script="Gujr" typeface="Shruti"/>
+        <a:font script="Khmr" typeface="DaunPenh"/>
+        <a:font script="Knda" typeface="Tunga"/>
+        <a:font script="Guru" typeface="Raavi"/>
+        <a:font script="Cans" typeface="Euphemia"/>
+        <a:font script="Cher" typeface="Plantagenet Cherokee"/>
+        <a:font script="Yiii" typeface="Microsoft Yi Baiti"/>
+        <a:font script="Tibt" typeface="Microsoft Himalaya"/>
+        <a:font script="Thaa" typeface="MV Boli"/>
+        <a:font script="Deva" typeface="Mangal"/>
+        <a:font script="Telu" typeface="Gautami"/>
+        <a:font script="Taml" typeface="Latha"/>
+        <a:font script="Syrc" typeface="Estrangelo Edessa"/>
+        <a:font script="Orya" typeface="Kalinga"/>
+        <a:font script="Mlym" typeface="Kartika"/>
+        <a:font script="Laoo" typeface="DokChampa"/>
+        <a:font script="Sinh" typeface="Iskoola Pota"/>
+        <a:font script="Mong" typeface="Mongolian Baiti"/>
+        <a:font script="Viet" typeface="Tahoma"/>
         <a:font script="Uigh" typeface="Microsoft Uighur"/>
         <a:font script="Geor" typeface="Sylfaen"/>
       </a:minorFont>
     </a:fontScheme>
-    <a:fmtScheme name="Office">
+    <a:fmtScheme name="Wisp">
       <a:fillStyleLst>
+        <a:solidFill>
+          <a:schemeClr val="phClr"/>
+        </a:solidFill>
+        <a:solidFill>
+          <a:schemeClr val="phClr">
+            <a:tint val="70000"/>
+            <a:lumMod val="104000"/>
+          </a:schemeClr>
+        </a:solidFill>
+        <a:gradFill rotWithShape="1">
+          <a:gsLst>
+            <a:gs pos="0">
+              <a:schemeClr val="phClr">
+                <a:tint val="96000"/>
+                <a:lumMod val="104000"/>
+              </a:schemeClr>
+            </a:gs>
+            <a:gs pos="100000">
+              <a:schemeClr val="phClr">
+                <a:shade val="98000"/>
+                <a:lumMod val="94000"/>
+              </a:schemeClr>
+            </a:gs>
+          </a:gsLst>
+          <a:lin ang="5400000" scaled="0"/>
+        </a:gradFill>
+      </a:fillStyleLst>
+      <a:lnStyleLst>
+        <a:ln w="9525" cap="rnd" cmpd="sng" algn="ctr">
+          <a:solidFill>
+            <a:schemeClr val="phClr">
+              <a:shade val="90000"/>
+            </a:schemeClr>
+          </a:solidFill>
+          <a:prstDash val="solid"/>
+        </a:ln>
+        <a:ln w="15875" cap="rnd" cmpd="sng" algn="ctr">
+          <a:solidFill>
+            <a:schemeClr val="phClr"/>
+          </a:solidFill>
+          <a:prstDash val="solid"/>
+        </a:ln>
+        <a:ln w="22225" cap="rnd" cmpd="sng" algn="ctr">
+          <a:solidFill>
+            <a:schemeClr val="phClr"/>
+          </a:solidFill>
+          <a:prstDash val="solid"/>
+        </a:ln>
+      </a:lnStyleLst>
+      <a:effectStyleLst>
+        <a:effectStyle>
+          <a:effectLst/>
+        </a:effectStyle>
+        <a:effectStyle>
+          <a:effectLst>
+            <a:outerShdw blurRad="38100" dist="25400" dir="5400000" rotWithShape="0">
+              <a:srgbClr val="000000">
+                <a:alpha val="25000"/>
+              </a:srgbClr>
+            </a:outerShdw>
+          </a:effectLst>
+        </a:effectStyle>
+        <a:effectStyle>
+          <a:effectLst>
+            <a:outerShdw blurRad="50800" dist="38100" dir="5400000" rotWithShape="0">
+              <a:srgbClr val="000000">
+                <a:alpha val="60000"/>
+              </a:srgbClr>
+            </a:outerShdw>
+          </a:effectLst>
+        </a:effectStyle>
+      </a:effectStyleLst>
+      <a:bgFillStyleLst>
         <a:solidFill>
           <a:schemeClr val="phClr"/>
         </a:solidFill>
@@ -3847,23 +8972,15 @@
           <a:gsLst>
             <a:gs pos="0">
               <a:schemeClr val="phClr">
-                <a:lumMod val="110000"/>
-                <a:satMod val="105000"/>
-                <a:tint val="67000"/>
-              </a:schemeClr>
-            </a:gs>
-            <a:gs pos="50000">
-              <a:schemeClr val="phClr">
-                <a:lumMod val="105000"/>
-                <a:satMod val="103000"/>
-                <a:tint val="73000"/>
+                <a:tint val="90000"/>
+                <a:lumMod val="120000"/>
               </a:schemeClr>
             </a:gs>
             <a:gs pos="100000">
               <a:schemeClr val="phClr">
-                <a:lumMod val="105000"/>
-                <a:satMod val="109000"/>
-                <a:tint val="81000"/>
+                <a:shade val="98000"/>
+                <a:satMod val="120000"/>
+                <a:lumMod val="98000"/>
               </a:schemeClr>
             </a:gs>
           </a:gsLst>
@@ -3873,105 +8990,22 @@
           <a:gsLst>
             <a:gs pos="0">
               <a:schemeClr val="phClr">
-                <a:satMod val="103000"/>
-                <a:lumMod val="102000"/>
-                <a:tint val="94000"/>
-              </a:schemeClr>
-            </a:gs>
-            <a:gs pos="50000">
-              <a:schemeClr val="phClr">
-                <a:satMod val="110000"/>
-                <a:lumMod val="100000"/>
-                <a:shade val="100000"/>
+                <a:tint val="90000"/>
+                <a:satMod val="92000"/>
+                <a:lumMod val="120000"/>
               </a:schemeClr>
             </a:gs>
             <a:gs pos="100000">
               <a:schemeClr val="phClr">
-                <a:lumMod val="99000"/>
+                <a:shade val="98000"/>
                 <a:satMod val="120000"/>
-                <a:shade val="78000"/>
+                <a:lumMod val="98000"/>
               </a:schemeClr>
             </a:gs>
           </a:gsLst>
-          <a:lin ang="5400000" scaled="0"/>
-        </a:gradFill>
-      </a:fillStyleLst>
-      <a:lnStyleLst>
-        <a:ln w="6350" cap="flat" cmpd="sng" algn="ctr">
-          <a:solidFill>
-            <a:schemeClr val="phClr"/>
-          </a:solidFill>
-          <a:prstDash val="solid"/>
-          <a:miter lim="800000"/>
-        </a:ln>
-        <a:ln w="12700" cap="flat" cmpd="sng" algn="ctr">
-          <a:solidFill>
-            <a:schemeClr val="phClr"/>
-          </a:solidFill>
-          <a:prstDash val="solid"/>
-          <a:miter lim="800000"/>
-        </a:ln>
-        <a:ln w="19050" cap="flat" cmpd="sng" algn="ctr">
-          <a:solidFill>
-            <a:schemeClr val="phClr"/>
-          </a:solidFill>
-          <a:prstDash val="solid"/>
-          <a:miter lim="800000"/>
-        </a:ln>
-      </a:lnStyleLst>
-      <a:effectStyleLst>
-        <a:effectStyle>
-          <a:effectLst/>
-        </a:effectStyle>
-        <a:effectStyle>
-          <a:effectLst/>
-        </a:effectStyle>
-        <a:effectStyle>
-          <a:effectLst>
-            <a:outerShdw blurRad="57150" dist="19050" dir="5400000" algn="ctr" rotWithShape="0">
-              <a:srgbClr val="000000">
-                <a:alpha val="63000"/>
-              </a:srgbClr>
-            </a:outerShdw>
-          </a:effectLst>
-        </a:effectStyle>
-      </a:effectStyleLst>
-      <a:bgFillStyleLst>
-        <a:solidFill>
-          <a:schemeClr val="phClr"/>
-        </a:solidFill>
-        <a:solidFill>
-          <a:schemeClr val="phClr">
-            <a:tint val="95000"/>
-            <a:satMod val="170000"/>
-          </a:schemeClr>
-        </a:solidFill>
-        <a:gradFill rotWithShape="1">
-          <a:gsLst>
-            <a:gs pos="0">
-              <a:schemeClr val="phClr">
-                <a:tint val="93000"/>
-                <a:satMod val="150000"/>
-                <a:shade val="98000"/>
-                <a:lumMod val="102000"/>
-              </a:schemeClr>
-            </a:gs>
-            <a:gs pos="50000">
-              <a:schemeClr val="phClr">
-                <a:tint val="98000"/>
-                <a:satMod val="130000"/>
-                <a:shade val="90000"/>
-                <a:lumMod val="103000"/>
-              </a:schemeClr>
-            </a:gs>
-            <a:gs pos="100000">
-              <a:schemeClr val="phClr">
-                <a:shade val="63000"/>
-                <a:satMod val="120000"/>
-              </a:schemeClr>
-            </a:gs>
-          </a:gsLst>
-          <a:lin ang="5400000" scaled="0"/>
+          <a:path path="circle">
+            <a:fillToRect l="50000" t="50000" r="100000" b="100000"/>
+          </a:path>
         </a:gradFill>
       </a:bgFillStyleLst>
     </a:fmtScheme>
@@ -3980,7 +9014,7 @@
   <a:extraClrSchemeLst/>
   <a:extLst>
     <a:ext uri="{05A4C25C-085E-4340-85A3-A5531E510DB2}">
-      <thm15:themeFamily xmlns:thm15="http://schemas.microsoft.com/office/thememl/2012/main" name="Office Theme" id="{62F939B6-93AF-4DB8-9C6B-D6C7DFDC589F}" vid="{4A3C46E8-61CC-4603-A589-7422A47A8E4A}"/>
+      <thm15:themeFamily xmlns:thm15="http://schemas.microsoft.com/office/thememl/2012/main" name="Wisp" id="{7CB32D59-10C0-40DD-B7BD-2E94284A981C}" vid="{24B1A44C-C006-48B2-A4D7-E5549B3D8CD4}"/>
     </a:ext>
   </a:extLst>
 </a:theme>

--- a/angular-js/Getting Started with AngularJS.pptx
+++ b/angular-js/Getting Started with AngularJS.pptx
@@ -9,7 +9,7 @@
     <p:sldId id="258" r:id="rId3"/>
     <p:sldId id="257" r:id="rId4"/>
     <p:sldId id="259" r:id="rId5"/>
-    <p:sldId id="260" r:id="rId6"/>
+    <p:sldId id="264" r:id="rId6"/>
     <p:sldId id="261" r:id="rId7"/>
     <p:sldId id="262" r:id="rId8"/>
     <p:sldId id="263" r:id="rId9"/>
@@ -113,7 +113,7 @@
   </p:defaultTextStyle>
   <p:extLst>
     <p:ext uri="{EFAFB233-063F-42B5-8137-9DF3F51BA10A}">
-      <p15:sldGuideLst xmlns:p15="http://schemas.microsoft.com/office/powerpoint/2012/main"/>
+      <p15:sldGuideLst xmlns:p15="http://schemas.microsoft.com/office/powerpoint/2012/main" xmlns=""/>
     </p:ext>
   </p:extLst>
 </p:presentation>
@@ -307,7 +307,7 @@
           <a:p>
             <a:fld id="{1FBC307E-BFDF-4D62-B554-0C8B7619B15D}" type="datetimeFigureOut">
               <a:rPr lang="en-US" smtClean="0"/>
-              <a:t>11/6/2014</a:t>
+              <a:t>11/7/2014</a:t>
             </a:fld>
             <a:endParaRPr lang="en-US"/>
           </a:p>
@@ -645,7 +645,7 @@
           <a:p>
             <a:fld id="{1FBC307E-BFDF-4D62-B554-0C8B7619B15D}" type="datetimeFigureOut">
               <a:rPr lang="en-US" smtClean="0"/>
-              <a:t>11/6/2014</a:t>
+              <a:t>11/7/2014</a:t>
             </a:fld>
             <a:endParaRPr lang="en-US"/>
           </a:p>
@@ -1046,7 +1046,7 @@
           <a:p>
             <a:fld id="{1FBC307E-BFDF-4D62-B554-0C8B7619B15D}" type="datetimeFigureOut">
               <a:rPr lang="en-US" smtClean="0"/>
-              <a:t>11/6/2014</a:t>
+              <a:t>11/7/2014</a:t>
             </a:fld>
             <a:endParaRPr lang="en-US"/>
           </a:p>
@@ -1382,7 +1382,7 @@
           <a:p>
             <a:fld id="{1FBC307E-BFDF-4D62-B554-0C8B7619B15D}" type="datetimeFigureOut">
               <a:rPr lang="en-US" smtClean="0"/>
-              <a:t>11/6/2014</a:t>
+              <a:t>11/7/2014</a:t>
             </a:fld>
             <a:endParaRPr lang="en-US"/>
           </a:p>
@@ -1702,7 +1702,7 @@
           <a:p>
             <a:fld id="{1FBC307E-BFDF-4D62-B554-0C8B7619B15D}" type="datetimeFigureOut">
               <a:rPr lang="en-US" smtClean="0"/>
-              <a:t>11/6/2014</a:t>
+              <a:t>11/7/2014</a:t>
             </a:fld>
             <a:endParaRPr lang="en-US"/>
           </a:p>
@@ -2098,7 +2098,7 @@
           <a:p>
             <a:fld id="{1FBC307E-BFDF-4D62-B554-0C8B7619B15D}" type="datetimeFigureOut">
               <a:rPr lang="en-US" smtClean="0"/>
-              <a:t>11/6/2014</a:t>
+              <a:t>11/7/2014</a:t>
             </a:fld>
             <a:endParaRPr lang="en-US"/>
           </a:p>
@@ -2355,7 +2355,7 @@
           <a:p>
             <a:fld id="{1FBC307E-BFDF-4D62-B554-0C8B7619B15D}" type="datetimeFigureOut">
               <a:rPr lang="en-US" smtClean="0"/>
-              <a:t>11/6/2014</a:t>
+              <a:t>11/7/2014</a:t>
             </a:fld>
             <a:endParaRPr lang="en-US"/>
           </a:p>
@@ -2617,7 +2617,7 @@
           <a:p>
             <a:fld id="{1FBC307E-BFDF-4D62-B554-0C8B7619B15D}" type="datetimeFigureOut">
               <a:rPr lang="en-US" smtClean="0"/>
-              <a:t>11/6/2014</a:t>
+              <a:t>11/7/2014</a:t>
             </a:fld>
             <a:endParaRPr lang="en-US"/>
           </a:p>
@@ -2879,7 +2879,7 @@
           <a:p>
             <a:fld id="{1FBC307E-BFDF-4D62-B554-0C8B7619B15D}" type="datetimeFigureOut">
               <a:rPr lang="en-US" smtClean="0"/>
-              <a:t>11/6/2014</a:t>
+              <a:t>11/7/2014</a:t>
             </a:fld>
             <a:endParaRPr lang="en-US"/>
           </a:p>
@@ -3208,7 +3208,7 @@
           <a:p>
             <a:fld id="{1FBC307E-BFDF-4D62-B554-0C8B7619B15D}" type="datetimeFigureOut">
               <a:rPr lang="en-US" smtClean="0"/>
-              <a:t>11/6/2014</a:t>
+              <a:t>11/7/2014</a:t>
             </a:fld>
             <a:endParaRPr lang="en-US"/>
           </a:p>
@@ -3531,7 +3531,7 @@
           <a:p>
             <a:fld id="{1FBC307E-BFDF-4D62-B554-0C8B7619B15D}" type="datetimeFigureOut">
               <a:rPr lang="en-US" smtClean="0"/>
-              <a:t>11/6/2014</a:t>
+              <a:t>11/7/2014</a:t>
             </a:fld>
             <a:endParaRPr lang="en-US"/>
           </a:p>
@@ -3988,7 +3988,7 @@
           <a:p>
             <a:fld id="{1FBC307E-BFDF-4D62-B554-0C8B7619B15D}" type="datetimeFigureOut">
               <a:rPr lang="en-US" smtClean="0"/>
-              <a:t>11/6/2014</a:t>
+              <a:t>11/7/2014</a:t>
             </a:fld>
             <a:endParaRPr lang="en-US"/>
           </a:p>
@@ -4193,7 +4193,7 @@
           <a:p>
             <a:fld id="{1FBC307E-BFDF-4D62-B554-0C8B7619B15D}" type="datetimeFigureOut">
               <a:rPr lang="en-US" smtClean="0"/>
-              <a:t>11/6/2014</a:t>
+              <a:t>11/7/2014</a:t>
             </a:fld>
             <a:endParaRPr lang="en-US"/>
           </a:p>
@@ -4370,7 +4370,7 @@
           <a:p>
             <a:fld id="{1FBC307E-BFDF-4D62-B554-0C8B7619B15D}" type="datetimeFigureOut">
               <a:rPr lang="en-US" smtClean="0"/>
-              <a:t>11/6/2014</a:t>
+              <a:t>11/7/2014</a:t>
             </a:fld>
             <a:endParaRPr lang="en-US"/>
           </a:p>
@@ -4703,7 +4703,7 @@
           <a:p>
             <a:fld id="{1FBC307E-BFDF-4D62-B554-0C8B7619B15D}" type="datetimeFigureOut">
               <a:rPr lang="en-US" smtClean="0"/>
-              <a:t>11/6/2014</a:t>
+              <a:t>11/7/2014</a:t>
             </a:fld>
             <a:endParaRPr lang="en-US"/>
           </a:p>
@@ -5048,7 +5048,7 @@
           <a:p>
             <a:fld id="{1FBC307E-BFDF-4D62-B554-0C8B7619B15D}" type="datetimeFigureOut">
               <a:rPr lang="en-US" smtClean="0"/>
-              <a:t>11/6/2014</a:t>
+              <a:t>11/7/2014</a:t>
             </a:fld>
             <a:endParaRPr lang="en-US"/>
           </a:p>
@@ -7165,7 +7165,7 @@
           <a:p>
             <a:fld id="{1FBC307E-BFDF-4D62-B554-0C8B7619B15D}" type="datetimeFigureOut">
               <a:rPr lang="en-US" smtClean="0"/>
-              <a:t>11/6/2014</a:t>
+              <a:t>11/7/2014</a:t>
             </a:fld>
             <a:endParaRPr lang="en-US"/>
           </a:p>
@@ -7707,23 +7707,23 @@
           <a:p>
             <a:r>
               <a:rPr lang="en-US" dirty="0" smtClean="0"/>
-              <a:t>Getting Started with </a:t>
+              <a:t>Getting Started </a:t>
             </a:r>
             <a:r>
               <a:rPr lang="en-US" dirty="0" smtClean="0"/>
-              <a:t>AngularJS </a:t>
+              <a:t>with </a:t>
+            </a:r>
+            <a:r>
+              <a:rPr lang="en-US" dirty="0" err="1" smtClean="0"/>
+              <a:t>AngularJS</a:t>
             </a:r>
             <a:r>
               <a:rPr lang="en-US" dirty="0" smtClean="0"/>
-              <a:t>as a </a:t>
+              <a:t> as </a:t>
             </a:r>
             <a:r>
               <a:rPr lang="en-US" dirty="0" smtClean="0"/>
-              <a:t>.</a:t>
-            </a:r>
-            <a:r>
-              <a:rPr lang="en-US" dirty="0" smtClean="0"/>
-              <a:t>NET Developer</a:t>
+              <a:t>a .NET Developer</a:t>
             </a:r>
             <a:endParaRPr lang="en-US" dirty="0"/>
           </a:p>
@@ -7754,11 +7754,7 @@
           <a:p>
             <a:r>
               <a:rPr lang="en-US" sz="3600" dirty="0" smtClean="0"/>
-              <a:t>@</a:t>
-            </a:r>
-            <a:r>
-              <a:rPr lang="en-US" sz="3600" dirty="0" smtClean="0"/>
-              <a:t>jacobladams</a:t>
+              <a:t>@jacobladams</a:t>
             </a:r>
           </a:p>
           <a:p>
@@ -8112,14 +8108,27 @@
             <p:ph type="title"/>
           </p:nvPr>
         </p:nvSpPr>
-        <p:spPr/>
+        <p:spPr>
+          <a:xfrm>
+            <a:off x="2307175" y="632275"/>
+            <a:ext cx="8911687" cy="1280890"/>
+          </a:xfrm>
+        </p:spPr>
         <p:txBody>
           <a:bodyPr/>
           <a:lstStyle/>
           <a:p>
             <a:r>
               <a:rPr lang="en-US" dirty="0" smtClean="0"/>
-              <a:t>What is AngularJS (add image)</a:t>
+              <a:t>What is </a:t>
+            </a:r>
+            <a:r>
+              <a:rPr lang="en-US" dirty="0" err="1" smtClean="0"/>
+              <a:t>AngularJS</a:t>
+            </a:r>
+            <a:r>
+              <a:rPr lang="en-US" dirty="0" smtClean="0"/>
+              <a:t>?</a:t>
             </a:r>
             <a:endParaRPr lang="en-US" dirty="0"/>
           </a:p>
@@ -8152,15 +8161,7 @@
             </a:pPr>
             <a:r>
               <a:rPr lang="en-US" sz="3200" dirty="0" smtClean="0"/>
-              <a:t>JavaScript MVW (</a:t>
-            </a:r>
-            <a:r>
-              <a:rPr lang="en-US" sz="3200" dirty="0" smtClean="0"/>
-              <a:t>Model–View-Whatever</a:t>
-            </a:r>
-            <a:r>
-              <a:rPr lang="en-US" sz="3200" dirty="0" smtClean="0"/>
-              <a:t>) framework</a:t>
+              <a:t>JavaScript MVW (Model–View-Whatever) framework</a:t>
             </a:r>
           </a:p>
           <a:p>
@@ -8200,6 +8201,47 @@
           </a:p>
         </p:txBody>
       </p:sp>
+      <p:pic>
+        <p:nvPicPr>
+          <p:cNvPr id="6" name="Picture 3" descr="C:\Users\adamsjl\Desktop\AngularJS-medium.png"/>
+          <p:cNvPicPr>
+            <a:picLocks noChangeAspect="1" noChangeArrowheads="1"/>
+          </p:cNvPicPr>
+          <p:nvPr/>
+        </p:nvPicPr>
+        <p:blipFill>
+          <a:blip r:embed="rId2">
+            <a:extLst>
+              <a:ext uri="{28A0092B-C50C-407E-A947-70E740481C1C}">
+                <a14:useLocalDpi xmlns:a14="http://schemas.microsoft.com/office/drawing/2010/main" val="0"/>
+              </a:ext>
+            </a:extLst>
+          </a:blip>
+          <a:srcRect/>
+          <a:stretch>
+            <a:fillRect/>
+          </a:stretch>
+        </p:blipFill>
+        <p:spPr bwMode="auto">
+          <a:xfrm>
+            <a:off x="8004465" y="488196"/>
+            <a:ext cx="3613312" cy="931937"/>
+          </a:xfrm>
+          <a:prstGeom prst="rect">
+            <a:avLst/>
+          </a:prstGeom>
+          <a:noFill/>
+          <a:extLst>
+            <a:ext uri="{909E8E84-426E-40DD-AFC4-6F175D3DCCD1}">
+              <a14:hiddenFill xmlns:a14="http://schemas.microsoft.com/office/drawing/2010/main">
+                <a:solidFill>
+                  <a:srgbClr val="FFFFFF"/>
+                </a:solidFill>
+              </a14:hiddenFill>
+            </a:ext>
+          </a:extLst>
+        </p:spPr>
+      </p:pic>
     </p:spTree>
     <p:extLst>
       <p:ext uri="{BB962C8B-B14F-4D97-AF65-F5344CB8AC3E}">
@@ -8407,69 +8449,80 @@
           <a:chExt cx="0" cy="0"/>
         </a:xfrm>
       </p:grpSpPr>
-      <p:sp>
-        <p:nvSpPr>
-          <p:cNvPr id="2" name="Title 1"/>
-          <p:cNvSpPr>
-            <a:spLocks noGrp="1"/>
-          </p:cNvSpPr>
-          <p:nvPr>
-            <p:ph type="title"/>
-          </p:nvPr>
-        </p:nvSpPr>
-        <p:spPr/>
-        <p:txBody>
-          <a:bodyPr/>
-          <a:lstStyle/>
-          <a:p>
-            <a:r>
-              <a:rPr lang="en-US" dirty="0" smtClean="0"/>
-              <a:t>Basic Demo</a:t>
-            </a:r>
-            <a:endParaRPr lang="en-US" dirty="0"/>
-          </a:p>
-        </p:txBody>
-      </p:sp>
-      <p:sp>
-        <p:nvSpPr>
-          <p:cNvPr id="3" name="Content Placeholder 2"/>
-          <p:cNvSpPr>
-            <a:spLocks noGrp="1"/>
-          </p:cNvSpPr>
-          <p:nvPr>
-            <p:ph idx="1"/>
-          </p:nvPr>
-        </p:nvSpPr>
-        <p:spPr/>
-        <p:txBody>
-          <a:bodyPr/>
-          <a:lstStyle/>
-          <a:p>
-            <a:r>
-              <a:rPr lang="en-US" dirty="0" smtClean="0"/>
-              <a:t>(Hello world image)</a:t>
-            </a:r>
-            <a:endParaRPr lang="en-US" dirty="0"/>
-          </a:p>
-        </p:txBody>
-      </p:sp>
+      <p:pic>
+        <p:nvPicPr>
+          <p:cNvPr id="2050" name="Picture 2"/>
+          <p:cNvPicPr>
+            <a:picLocks noChangeAspect="1" noChangeArrowheads="1"/>
+          </p:cNvPicPr>
+          <p:nvPr/>
+        </p:nvPicPr>
+        <p:blipFill>
+          <a:blip r:embed="rId2">
+            <a:extLst>
+              <a:ext uri="{28A0092B-C50C-407E-A947-70E740481C1C}">
+                <a14:useLocalDpi xmlns:a14="http://schemas.microsoft.com/office/drawing/2010/main" val="0"/>
+              </a:ext>
+            </a:extLst>
+          </a:blip>
+          <a:srcRect/>
+          <a:stretch>
+            <a:fillRect/>
+          </a:stretch>
+        </p:blipFill>
+        <p:spPr bwMode="auto">
+          <a:xfrm>
+            <a:off x="1896836" y="0"/>
+            <a:ext cx="10295164" cy="6864077"/>
+          </a:xfrm>
+          <a:prstGeom prst="rect">
+            <a:avLst/>
+          </a:prstGeom>
+          <a:noFill/>
+          <a:ln>
+            <a:noFill/>
+          </a:ln>
+          <a:effectLst/>
+          <a:extLst>
+            <a:ext uri="{909E8E84-426E-40DD-AFC4-6F175D3DCCD1}">
+              <a14:hiddenFill xmlns:a14="http://schemas.microsoft.com/office/drawing/2010/main">
+                <a:solidFill>
+                  <a:schemeClr val="accent1"/>
+                </a:solidFill>
+              </a14:hiddenFill>
+            </a:ext>
+            <a:ext uri="{91240B29-F687-4F45-9708-019B960494DF}">
+              <a14:hiddenLine xmlns:a14="http://schemas.microsoft.com/office/drawing/2010/main" w="9525">
+                <a:solidFill>
+                  <a:schemeClr val="tx1"/>
+                </a:solidFill>
+                <a:miter lim="800000"/>
+                <a:headEnd/>
+                <a:tailEnd/>
+              </a14:hiddenLine>
+            </a:ext>
+            <a:ext uri="{AF507438-7753-43E0-B8FC-AC1667EBCBE1}">
+              <a14:hiddenEffects xmlns:a14="http://schemas.microsoft.com/office/drawing/2010/main">
+                <a:effectLst>
+                  <a:outerShdw dist="35921" dir="2700000" algn="ctr" rotWithShape="0">
+                    <a:schemeClr val="bg2"/>
+                  </a:outerShdw>
+                </a:effectLst>
+              </a14:hiddenEffects>
+            </a:ext>
+          </a:extLst>
+        </p:spPr>
+      </p:pic>
     </p:spTree>
     <p:extLst>
       <p:ext uri="{BB962C8B-B14F-4D97-AF65-F5344CB8AC3E}">
-        <p14:creationId xmlns:p14="http://schemas.microsoft.com/office/powerpoint/2010/main" val="4265676560"/>
+        <p14:creationId xmlns:p14="http://schemas.microsoft.com/office/powerpoint/2010/main" val="3310384366"/>
       </p:ext>
     </p:extLst>
   </p:cSld>
   <p:clrMapOvr>
     <a:masterClrMapping/>
   </p:clrMapOvr>
-  <p:timing>
-    <p:tnLst>
-      <p:par>
-        <p:cTn id="1" dur="indefinite" restart="never" nodeType="tmRoot"/>
-      </p:par>
-    </p:tnLst>
-  </p:timing>
 </p:sld>
 </file>
 
@@ -8577,7 +8630,6 @@
               <a:rPr lang="en-US" sz="2600" dirty="0" smtClean="0"/>
               <a:t>For Building Web Applications</a:t>
             </a:r>
-            <a:endParaRPr lang="en-US" sz="2600" dirty="0" smtClean="0"/>
           </a:p>
         </p:txBody>
       </p:sp>
@@ -9014,7 +9066,7 @@
   <a:extraClrSchemeLst/>
   <a:extLst>
     <a:ext uri="{05A4C25C-085E-4340-85A3-A5531E510DB2}">
-      <thm15:themeFamily xmlns:thm15="http://schemas.microsoft.com/office/thememl/2012/main" name="Wisp" id="{7CB32D59-10C0-40DD-B7BD-2E94284A981C}" vid="{24B1A44C-C006-48B2-A4D7-E5549B3D8CD4}"/>
+      <thm15:themeFamily xmlns:thm15="http://schemas.microsoft.com/office/thememl/2012/main" xmlns="" name="Wisp" id="{7CB32D59-10C0-40DD-B7BD-2E94284A981C}" vid="{24B1A44C-C006-48B2-A4D7-E5549B3D8CD4}"/>
     </a:ext>
   </a:extLst>
 </a:theme>

--- a/angular-js/Getting Started with AngularJS.pptx
+++ b/angular-js/Getting Started with AngularJS.pptx
@@ -6,7 +6,7 @@
     <p:sldMasterId id="2147483957" r:id="rId2"/>
   </p:sldMasterIdLst>
   <p:notesMasterIdLst>
-    <p:notesMasterId r:id="rId13"/>
+    <p:notesMasterId r:id="rId14"/>
   </p:notesMasterIdLst>
   <p:sldIdLst>
     <p:sldId id="256" r:id="rId3"/>
@@ -19,6 +19,7 @@
     <p:sldId id="261" r:id="rId10"/>
     <p:sldId id="262" r:id="rId11"/>
     <p:sldId id="263" r:id="rId12"/>
+    <p:sldId id="268" r:id="rId13"/>
   </p:sldIdLst>
   <p:sldSz cx="9144000" cy="6858000" type="screen4x3"/>
   <p:notesSz cx="6858000" cy="9144000"/>
@@ -218,7 +219,7 @@
           <a:p>
             <a:fld id="{AC33384C-A5DC-48EC-9B26-0C8A1E65CE5A}" type="datetimeFigureOut">
               <a:rPr lang="en-US" smtClean="0"/>
-              <a:t>11/10/2014</a:t>
+              <a:t>11/11/2014</a:t>
             </a:fld>
             <a:endParaRPr lang="en-US"/>
           </a:p>
@@ -958,7 +959,7 @@
           <a:p>
             <a:fld id="{1FBC307E-BFDF-4D62-B554-0C8B7619B15D}" type="datetimeFigureOut">
               <a:rPr lang="en-US" smtClean="0"/>
-              <a:t>11/10/2014</a:t>
+              <a:t>11/11/2014</a:t>
             </a:fld>
             <a:endParaRPr lang="en-US"/>
           </a:p>
@@ -1290,7 +1291,7 @@
           <a:p>
             <a:fld id="{1FBC307E-BFDF-4D62-B554-0C8B7619B15D}" type="datetimeFigureOut">
               <a:rPr lang="en-US" smtClean="0"/>
-              <a:t>11/10/2014</a:t>
+              <a:t>11/11/2014</a:t>
             </a:fld>
             <a:endParaRPr lang="en-US"/>
           </a:p>
@@ -1689,7 +1690,7 @@
           <a:p>
             <a:fld id="{1FBC307E-BFDF-4D62-B554-0C8B7619B15D}" type="datetimeFigureOut">
               <a:rPr lang="en-US" smtClean="0"/>
-              <a:t>11/10/2014</a:t>
+              <a:t>11/11/2014</a:t>
             </a:fld>
             <a:endParaRPr lang="en-US"/>
           </a:p>
@@ -2023,7 +2024,7 @@
           <a:p>
             <a:fld id="{1FBC307E-BFDF-4D62-B554-0C8B7619B15D}" type="datetimeFigureOut">
               <a:rPr lang="en-US" smtClean="0"/>
-              <a:t>11/10/2014</a:t>
+              <a:t>11/11/2014</a:t>
             </a:fld>
             <a:endParaRPr lang="en-US"/>
           </a:p>
@@ -2341,7 +2342,7 @@
           <a:p>
             <a:fld id="{1FBC307E-BFDF-4D62-B554-0C8B7619B15D}" type="datetimeFigureOut">
               <a:rPr lang="en-US" smtClean="0"/>
-              <a:t>11/10/2014</a:t>
+              <a:t>11/11/2014</a:t>
             </a:fld>
             <a:endParaRPr lang="en-US"/>
           </a:p>
@@ -2735,7 +2736,7 @@
           <a:p>
             <a:fld id="{1FBC307E-BFDF-4D62-B554-0C8B7619B15D}" type="datetimeFigureOut">
               <a:rPr lang="en-US" smtClean="0"/>
-              <a:t>11/10/2014</a:t>
+              <a:t>11/11/2014</a:t>
             </a:fld>
             <a:endParaRPr lang="en-US"/>
           </a:p>
@@ -2990,7 +2991,7 @@
           <a:p>
             <a:fld id="{1FBC307E-BFDF-4D62-B554-0C8B7619B15D}" type="datetimeFigureOut">
               <a:rPr lang="en-US" smtClean="0"/>
-              <a:t>11/10/2014</a:t>
+              <a:t>11/11/2014</a:t>
             </a:fld>
             <a:endParaRPr lang="en-US"/>
           </a:p>
@@ -3250,7 +3251,7 @@
           <a:p>
             <a:fld id="{1FBC307E-BFDF-4D62-B554-0C8B7619B15D}" type="datetimeFigureOut">
               <a:rPr lang="en-US" smtClean="0"/>
-              <a:t>11/10/2014</a:t>
+              <a:t>11/11/2014</a:t>
             </a:fld>
             <a:endParaRPr lang="en-US"/>
           </a:p>
@@ -3579,7 +3580,7 @@
                 </a:solidFill>
               </a:rPr>
               <a:pPr/>
-              <a:t>11/10/2014</a:t>
+              <a:t>11/11/2014</a:t>
             </a:fld>
             <a:endParaRPr lang="en-US">
               <a:solidFill>
@@ -3781,7 +3782,7 @@
                 </a:solidFill>
               </a:rPr>
               <a:pPr/>
-              <a:t>11/10/2014</a:t>
+              <a:t>11/11/2014</a:t>
             </a:fld>
             <a:endParaRPr lang="en-US">
               <a:solidFill>
@@ -4059,7 +4060,7 @@
                 </a:solidFill>
               </a:rPr>
               <a:pPr/>
-              <a:t>11/10/2014</a:t>
+              <a:t>11/11/2014</a:t>
             </a:fld>
             <a:endParaRPr lang="en-US">
               <a:solidFill>
@@ -4264,7 +4265,7 @@
           <a:p>
             <a:fld id="{1FBC307E-BFDF-4D62-B554-0C8B7619B15D}" type="datetimeFigureOut">
               <a:rPr lang="en-US" smtClean="0"/>
-              <a:t>11/10/2014</a:t>
+              <a:t>11/11/2014</a:t>
             </a:fld>
             <a:endParaRPr lang="en-US"/>
           </a:p>
@@ -4639,7 +4640,7 @@
                 </a:solidFill>
               </a:rPr>
               <a:pPr/>
-              <a:t>11/10/2014</a:t>
+              <a:t>11/11/2014</a:t>
             </a:fld>
             <a:endParaRPr lang="en-US">
               <a:solidFill>
@@ -5093,7 +5094,7 @@
                 </a:solidFill>
               </a:rPr>
               <a:pPr/>
-              <a:t>11/10/2014</a:t>
+              <a:t>11/11/2014</a:t>
             </a:fld>
             <a:endParaRPr lang="en-US">
               <a:solidFill>
@@ -5243,7 +5244,7 @@
                 </a:solidFill>
               </a:rPr>
               <a:pPr/>
-              <a:t>11/10/2014</a:t>
+              <a:t>11/11/2014</a:t>
             </a:fld>
             <a:endParaRPr lang="en-US">
               <a:solidFill>
@@ -5370,7 +5371,7 @@
                 </a:solidFill>
               </a:rPr>
               <a:pPr/>
-              <a:t>11/10/2014</a:t>
+              <a:t>11/11/2014</a:t>
             </a:fld>
             <a:endParaRPr lang="en-US">
               <a:solidFill>
@@ -5679,7 +5680,7 @@
                 </a:solidFill>
               </a:rPr>
               <a:pPr/>
-              <a:t>11/10/2014</a:t>
+              <a:t>11/11/2014</a:t>
             </a:fld>
             <a:endParaRPr lang="en-US">
               <a:solidFill>
@@ -5964,7 +5965,7 @@
                 </a:solidFill>
               </a:rPr>
               <a:pPr/>
-              <a:t>11/10/2014</a:t>
+              <a:t>11/11/2014</a:t>
             </a:fld>
             <a:endParaRPr lang="en-US">
               <a:solidFill>
@@ -6166,7 +6167,7 @@
                 </a:solidFill>
               </a:rPr>
               <a:pPr/>
-              <a:t>11/10/2014</a:t>
+              <a:t>11/11/2014</a:t>
             </a:fld>
             <a:endParaRPr lang="en-US">
               <a:solidFill>
@@ -6378,7 +6379,7 @@
                 </a:solidFill>
               </a:rPr>
               <a:pPr/>
-              <a:t>11/10/2014</a:t>
+              <a:t>11/11/2014</a:t>
             </a:fld>
             <a:endParaRPr lang="en-US">
               <a:solidFill>
@@ -6650,7 +6651,7 @@
           <a:p>
             <a:fld id="{1FBC307E-BFDF-4D62-B554-0C8B7619B15D}" type="datetimeFigureOut">
               <a:rPr lang="en-US" smtClean="0"/>
-              <a:t>11/10/2014</a:t>
+              <a:t>11/11/2014</a:t>
             </a:fld>
             <a:endParaRPr lang="en-US"/>
           </a:p>
@@ -6971,7 +6972,7 @@
           <a:p>
             <a:fld id="{1FBC307E-BFDF-4D62-B554-0C8B7619B15D}" type="datetimeFigureOut">
               <a:rPr lang="en-US" smtClean="0"/>
-              <a:t>11/10/2014</a:t>
+              <a:t>11/11/2014</a:t>
             </a:fld>
             <a:endParaRPr lang="en-US"/>
           </a:p>
@@ -7426,7 +7427,7 @@
           <a:p>
             <a:fld id="{1FBC307E-BFDF-4D62-B554-0C8B7619B15D}" type="datetimeFigureOut">
               <a:rPr lang="en-US" smtClean="0"/>
-              <a:t>11/10/2014</a:t>
+              <a:t>11/11/2014</a:t>
             </a:fld>
             <a:endParaRPr lang="en-US"/>
           </a:p>
@@ -7634,7 +7635,7 @@
           <a:p>
             <a:fld id="{1FBC307E-BFDF-4D62-B554-0C8B7619B15D}" type="datetimeFigureOut">
               <a:rPr lang="en-US" smtClean="0"/>
-              <a:t>11/10/2014</a:t>
+              <a:t>11/11/2014</a:t>
             </a:fld>
             <a:endParaRPr lang="en-US"/>
           </a:p>
@@ -7809,7 +7810,7 @@
           <a:p>
             <a:fld id="{1FBC307E-BFDF-4D62-B554-0C8B7619B15D}" type="datetimeFigureOut">
               <a:rPr lang="en-US" smtClean="0"/>
-              <a:t>11/10/2014</a:t>
+              <a:t>11/11/2014</a:t>
             </a:fld>
             <a:endParaRPr lang="en-US"/>
           </a:p>
@@ -8140,7 +8141,7 @@
           <a:p>
             <a:fld id="{1FBC307E-BFDF-4D62-B554-0C8B7619B15D}" type="datetimeFigureOut">
               <a:rPr lang="en-US" smtClean="0"/>
-              <a:t>11/10/2014</a:t>
+              <a:t>11/11/2014</a:t>
             </a:fld>
             <a:endParaRPr lang="en-US"/>
           </a:p>
@@ -8483,7 +8484,7 @@
           <a:p>
             <a:fld id="{1FBC307E-BFDF-4D62-B554-0C8B7619B15D}" type="datetimeFigureOut">
               <a:rPr lang="en-US" smtClean="0"/>
-              <a:t>11/10/2014</a:t>
+              <a:t>11/11/2014</a:t>
             </a:fld>
             <a:endParaRPr lang="en-US"/>
           </a:p>
@@ -10598,7 +10599,7 @@
           <a:p>
             <a:fld id="{1FBC307E-BFDF-4D62-B554-0C8B7619B15D}" type="datetimeFigureOut">
               <a:rPr lang="en-US" smtClean="0"/>
-              <a:t>11/10/2014</a:t>
+              <a:t>11/11/2014</a:t>
             </a:fld>
             <a:endParaRPr lang="en-US"/>
           </a:p>
@@ -11282,7 +11283,7 @@
                 </a:solidFill>
               </a:rPr>
               <a:pPr/>
-              <a:t>11/10/2014</a:t>
+              <a:t>11/11/2014</a:t>
             </a:fld>
             <a:endParaRPr lang="en-US">
               <a:solidFill>
@@ -11800,16 +11801,23 @@
             <p:ph type="ctrTitle"/>
           </p:nvPr>
         </p:nvSpPr>
-        <p:spPr/>
-        <p:txBody>
-          <a:bodyPr/>
+        <p:spPr>
+          <a:xfrm>
+            <a:off x="1942415" y="2899064"/>
+            <a:ext cx="6600451" cy="2262781"/>
+          </a:xfrm>
+        </p:spPr>
+        <p:txBody>
+          <a:bodyPr>
+            <a:normAutofit/>
+          </a:bodyPr>
           <a:lstStyle/>
           <a:p>
             <a:r>
-              <a:rPr lang="en-US" dirty="0" smtClean="0"/>
+              <a:rPr lang="en-US" sz="4800" dirty="0" smtClean="0"/>
               <a:t>GIVE MEH TEH CODEZ!</a:t>
             </a:r>
-            <a:endParaRPr lang="en-US" dirty="0"/>
+            <a:endParaRPr lang="en-US" sz="4800" dirty="0"/>
           </a:p>
         </p:txBody>
       </p:sp>
@@ -11836,6 +11844,228 @@
     <p:extLst>
       <p:ext uri="{BB962C8B-B14F-4D97-AF65-F5344CB8AC3E}">
         <p14:creationId xmlns:p14="http://schemas.microsoft.com/office/powerpoint/2010/main" val="1375240444"/>
+      </p:ext>
+    </p:extLst>
+  </p:cSld>
+  <p:clrMapOvr>
+    <a:masterClrMapping/>
+  </p:clrMapOvr>
+  <p:timing>
+    <p:tnLst>
+      <p:par>
+        <p:cTn id="1" dur="indefinite" restart="never" nodeType="tmRoot"/>
+      </p:par>
+    </p:tnLst>
+  </p:timing>
+</p:sld>
+</file>
+
+<file path=ppt/slides/slide11.xml><?xml version="1.0" encoding="utf-8"?>
+<p:sld xmlns:a="http://schemas.openxmlformats.org/drawingml/2006/main" xmlns:r="http://schemas.openxmlformats.org/officeDocument/2006/relationships" xmlns:p="http://schemas.openxmlformats.org/presentationml/2006/main">
+  <p:cSld>
+    <p:spTree>
+      <p:nvGrpSpPr>
+        <p:cNvPr id="1" name=""/>
+        <p:cNvGrpSpPr/>
+        <p:nvPr/>
+      </p:nvGrpSpPr>
+      <p:grpSpPr>
+        <a:xfrm>
+          <a:off x="0" y="0"/>
+          <a:ext cx="0" cy="0"/>
+          <a:chOff x="0" y="0"/>
+          <a:chExt cx="0" cy="0"/>
+        </a:xfrm>
+      </p:grpSpPr>
+      <p:sp>
+        <p:nvSpPr>
+          <p:cNvPr id="3" name="Content Placeholder 2"/>
+          <p:cNvSpPr>
+            <a:spLocks noGrp="1"/>
+          </p:cNvSpPr>
+          <p:nvPr>
+            <p:ph idx="1"/>
+          </p:nvPr>
+        </p:nvSpPr>
+        <p:spPr>
+          <a:xfrm>
+            <a:off x="1942415" y="2133599"/>
+            <a:ext cx="6591985" cy="4215245"/>
+          </a:xfrm>
+        </p:spPr>
+        <p:txBody>
+          <a:bodyPr>
+            <a:normAutofit fontScale="77500" lnSpcReduction="20000"/>
+          </a:bodyPr>
+          <a:lstStyle/>
+          <a:p>
+            <a:pPr marL="0" indent="0">
+              <a:buNone/>
+            </a:pPr>
+            <a:r>
+              <a:rPr lang="en-US" sz="3600" b="1" dirty="0">
+                <a:solidFill>
+                  <a:schemeClr val="tx1"/>
+                </a:solidFill>
+              </a:rPr>
+              <a:t>Jake Adams</a:t>
+            </a:r>
+          </a:p>
+          <a:p>
+            <a:pPr marL="0" indent="0">
+              <a:buNone/>
+            </a:pPr>
+            <a:r>
+              <a:rPr lang="en-US" sz="2600" dirty="0"/>
+              <a:t>Software Architect</a:t>
+            </a:r>
+          </a:p>
+          <a:p>
+            <a:pPr marL="0" indent="0">
+              <a:buNone/>
+            </a:pPr>
+            <a:r>
+              <a:rPr lang="en-US" sz="2600" dirty="0"/>
+              <a:t>Thompson Coburn LLP</a:t>
+            </a:r>
+          </a:p>
+          <a:p>
+            <a:pPr marL="0" indent="0">
+              <a:buNone/>
+            </a:pPr>
+            <a:endParaRPr lang="en-US" sz="2900" dirty="0"/>
+          </a:p>
+          <a:p>
+            <a:pPr marL="0" indent="0">
+              <a:buNone/>
+            </a:pPr>
+            <a:r>
+              <a:rPr lang="en-US" sz="2600" dirty="0"/>
+              <a:t>Email: </a:t>
+            </a:r>
+            <a:r>
+              <a:rPr lang="en-US" sz="2600" b="1" dirty="0">
+                <a:solidFill>
+                  <a:schemeClr val="tx1"/>
+                </a:solidFill>
+              </a:rPr>
+              <a:t>jacobladams</a:t>
+            </a:r>
+            <a:r>
+              <a:rPr lang="en-US" sz="2600" dirty="0"/>
+              <a:t>@gmail.com</a:t>
+            </a:r>
+          </a:p>
+          <a:p>
+            <a:pPr marL="0" indent="0">
+              <a:buNone/>
+            </a:pPr>
+            <a:r>
+              <a:rPr lang="en-US" sz="2600" dirty="0"/>
+              <a:t>Twitter: @</a:t>
+            </a:r>
+            <a:r>
+              <a:rPr lang="en-US" sz="2600" b="1" dirty="0">
+                <a:solidFill>
+                  <a:schemeClr val="tx1"/>
+                </a:solidFill>
+              </a:rPr>
+              <a:t>jacobladams</a:t>
+            </a:r>
+          </a:p>
+          <a:p>
+            <a:pPr marL="0" indent="0">
+              <a:buNone/>
+            </a:pPr>
+            <a:r>
+              <a:rPr lang="en-US" sz="2600" dirty="0"/>
+              <a:t>geekswithblogs.com/</a:t>
+            </a:r>
+            <a:r>
+              <a:rPr lang="en-US" sz="2600" b="1" dirty="0">
+                <a:solidFill>
+                  <a:schemeClr val="tx1"/>
+                </a:solidFill>
+              </a:rPr>
+              <a:t>jacobladams</a:t>
+            </a:r>
+            <a:r>
+              <a:rPr lang="en-US" sz="2600" dirty="0"/>
+              <a:t> </a:t>
+            </a:r>
+          </a:p>
+          <a:p>
+            <a:pPr marL="0" indent="0">
+              <a:buNone/>
+            </a:pPr>
+            <a:r>
+              <a:rPr lang="en-US" sz="2600" dirty="0"/>
+              <a:t>github.com/</a:t>
+            </a:r>
+            <a:r>
+              <a:rPr lang="en-US" sz="2600" b="1" dirty="0">
+                <a:solidFill>
+                  <a:schemeClr val="tx1"/>
+                </a:solidFill>
+              </a:rPr>
+              <a:t>jacobladams</a:t>
+            </a:r>
+            <a:r>
+              <a:rPr lang="en-US" sz="2600" dirty="0"/>
+              <a:t> </a:t>
+            </a:r>
+          </a:p>
+          <a:p>
+            <a:pPr marL="0" indent="0">
+              <a:buNone/>
+            </a:pPr>
+            <a:endParaRPr lang="en-US" sz="2900" dirty="0"/>
+          </a:p>
+          <a:p>
+            <a:pPr marL="0" indent="0">
+              <a:buNone/>
+            </a:pPr>
+            <a:r>
+              <a:rPr lang="en-US" sz="2300" dirty="0"/>
+              <a:t>Bit.ly bundle of links for this presentation - </a:t>
+            </a:r>
+            <a:r>
+              <a:rPr lang="en-US" sz="2300" b="1" dirty="0">
+                <a:solidFill>
+                  <a:schemeClr val="tx1"/>
+                </a:solidFill>
+              </a:rPr>
+              <a:t>http://bit.ly/jakeangular </a:t>
+            </a:r>
+          </a:p>
+          <a:p>
+            <a:endParaRPr lang="en-US" sz="3300" dirty="0"/>
+          </a:p>
+        </p:txBody>
+      </p:sp>
+      <p:sp>
+        <p:nvSpPr>
+          <p:cNvPr id="4" name="Title 3"/>
+          <p:cNvSpPr>
+            <a:spLocks noGrp="1"/>
+          </p:cNvSpPr>
+          <p:nvPr>
+            <p:ph type="title"/>
+          </p:nvPr>
+        </p:nvSpPr>
+        <p:spPr/>
+        <p:txBody>
+          <a:bodyPr/>
+          <a:lstStyle/>
+          <a:p>
+            <a:endParaRPr lang="en-US"/>
+          </a:p>
+        </p:txBody>
+      </p:sp>
+    </p:spTree>
+    <p:extLst>
+      <p:ext uri="{BB962C8B-B14F-4D97-AF65-F5344CB8AC3E}">
+        <p14:creationId xmlns:p14="http://schemas.microsoft.com/office/powerpoint/2010/main" val="1803985349"/>
       </p:ext>
     </p:extLst>
   </p:cSld>
@@ -14165,7 +14395,7 @@
         </p:spPr>
         <p:txBody>
           <a:bodyPr>
-            <a:normAutofit fontScale="55000" lnSpcReduction="20000"/>
+            <a:normAutofit fontScale="77500" lnSpcReduction="20000"/>
           </a:bodyPr>
           <a:lstStyle/>
           <a:p>
@@ -14173,7 +14403,7 @@
               <a:buNone/>
             </a:pPr>
             <a:r>
-              <a:rPr lang="en-US" sz="4400" b="1" dirty="0">
+              <a:rPr lang="en-US" sz="3600" b="1" dirty="0">
                 <a:solidFill>
                   <a:schemeClr val="tx1"/>
                 </a:solidFill>
@@ -14186,7 +14416,7 @@
               <a:buNone/>
             </a:pPr>
             <a:r>
-              <a:rPr lang="en-US" sz="3300" dirty="0"/>
+              <a:rPr lang="en-US" sz="2600" dirty="0"/>
               <a:t>Software Architect</a:t>
             </a:r>
           </a:p>
@@ -14195,7 +14425,7 @@
               <a:buNone/>
             </a:pPr>
             <a:r>
-              <a:rPr lang="en-US" sz="3300" dirty="0"/>
+              <a:rPr lang="en-US" sz="2600" dirty="0"/>
               <a:t>Thompson Coburn LLP</a:t>
             </a:r>
           </a:p>
@@ -14203,18 +14433,18 @@
             <a:pPr marL="0" indent="0">
               <a:buNone/>
             </a:pPr>
-            <a:endParaRPr lang="en-US" sz="3300" dirty="0"/>
+            <a:endParaRPr lang="en-US" sz="2900" dirty="0"/>
           </a:p>
           <a:p>
             <a:pPr marL="0" indent="0">
               <a:buNone/>
             </a:pPr>
             <a:r>
-              <a:rPr lang="en-US" sz="3300" dirty="0"/>
+              <a:rPr lang="en-US" sz="2600" dirty="0"/>
               <a:t>Email: </a:t>
             </a:r>
             <a:r>
-              <a:rPr lang="en-US" sz="3300" b="1" dirty="0">
+              <a:rPr lang="en-US" sz="2600" b="1" dirty="0">
                 <a:solidFill>
                   <a:schemeClr val="tx1"/>
                 </a:solidFill>
@@ -14222,7 +14452,7 @@
               <a:t>jacobladams</a:t>
             </a:r>
             <a:r>
-              <a:rPr lang="en-US" sz="3300" dirty="0"/>
+              <a:rPr lang="en-US" sz="2600" dirty="0"/>
               <a:t>@gmail.com</a:t>
             </a:r>
           </a:p>
@@ -14231,11 +14461,11 @@
               <a:buNone/>
             </a:pPr>
             <a:r>
-              <a:rPr lang="en-US" sz="3300" dirty="0"/>
+              <a:rPr lang="en-US" sz="2600" dirty="0"/>
               <a:t>Twitter: @</a:t>
             </a:r>
             <a:r>
-              <a:rPr lang="en-US" sz="3300" b="1" dirty="0">
+              <a:rPr lang="en-US" sz="2600" b="1" dirty="0">
                 <a:solidFill>
                   <a:schemeClr val="tx1"/>
                 </a:solidFill>
@@ -14248,11 +14478,11 @@
               <a:buNone/>
             </a:pPr>
             <a:r>
-              <a:rPr lang="en-US" sz="3300" dirty="0"/>
+              <a:rPr lang="en-US" sz="2600" dirty="0"/>
               <a:t>geekswithblogs.com/</a:t>
             </a:r>
             <a:r>
-              <a:rPr lang="en-US" sz="3300" b="1" dirty="0">
+              <a:rPr lang="en-US" sz="2600" b="1" dirty="0">
                 <a:solidFill>
                   <a:schemeClr val="tx1"/>
                 </a:solidFill>
@@ -14260,7 +14490,7 @@
               <a:t>jacobladams</a:t>
             </a:r>
             <a:r>
-              <a:rPr lang="en-US" sz="3300" dirty="0"/>
+              <a:rPr lang="en-US" sz="2600" dirty="0"/>
               <a:t> </a:t>
             </a:r>
           </a:p>
@@ -14269,11 +14499,11 @@
               <a:buNone/>
             </a:pPr>
             <a:r>
-              <a:rPr lang="en-US" sz="3300" dirty="0"/>
+              <a:rPr lang="en-US" sz="2600" dirty="0"/>
               <a:t>github.com/</a:t>
             </a:r>
             <a:r>
-              <a:rPr lang="en-US" sz="3300" b="1" dirty="0">
+              <a:rPr lang="en-US" sz="2600" b="1" dirty="0">
                 <a:solidFill>
                   <a:schemeClr val="tx1"/>
                 </a:solidFill>
@@ -14281,7 +14511,7 @@
               <a:t>jacobladams</a:t>
             </a:r>
             <a:r>
-              <a:rPr lang="en-US" sz="3300" dirty="0"/>
+              <a:rPr lang="en-US" sz="2600" dirty="0"/>
               <a:t> </a:t>
             </a:r>
           </a:p>
@@ -14289,39 +14519,18 @@
             <a:pPr marL="0" indent="0">
               <a:buNone/>
             </a:pPr>
-            <a:r>
-              <a:rPr lang="en-US" sz="3300" dirty="0"/>
-              <a:t>speakerrate.com/</a:t>
-            </a:r>
-            <a:r>
-              <a:rPr lang="en-US" sz="3300" b="1" dirty="0">
-                <a:solidFill>
-                  <a:schemeClr val="tx1"/>
-                </a:solidFill>
-              </a:rPr>
-              <a:t>jacobladams</a:t>
-            </a:r>
-            <a:r>
-              <a:rPr lang="en-US" sz="3300" dirty="0"/>
-              <a:t> </a:t>
-            </a:r>
+            <a:endParaRPr lang="en-US" sz="2900" dirty="0"/>
           </a:p>
           <a:p>
             <a:pPr marL="0" indent="0">
               <a:buNone/>
             </a:pPr>
-            <a:endParaRPr lang="en-US" sz="3300" dirty="0"/>
-          </a:p>
-          <a:p>
-            <a:pPr marL="0" indent="0">
-              <a:buNone/>
-            </a:pPr>
-            <a:r>
-              <a:rPr lang="en-US" sz="3300" dirty="0"/>
+            <a:r>
+              <a:rPr lang="en-US" sz="2300" dirty="0"/>
               <a:t>Bit.ly bundle of links for this presentation - </a:t>
             </a:r>
             <a:r>
-              <a:rPr lang="en-US" sz="3300" b="1" dirty="0">
+              <a:rPr lang="en-US" sz="2300" b="1" dirty="0">
                 <a:solidFill>
                   <a:schemeClr val="tx1"/>
                 </a:solidFill>

--- a/angular-js/Getting Started with AngularJS.pptx
+++ b/angular-js/Getting Started with AngularJS.pptx
@@ -5,7 +5,7 @@
     <p:sldMasterId id="2147483940" r:id="rId1"/>
   </p:sldMasterIdLst>
   <p:notesMasterIdLst>
-    <p:notesMasterId r:id="rId15"/>
+    <p:notesMasterId r:id="rId16"/>
   </p:notesMasterIdLst>
   <p:sldIdLst>
     <p:sldId id="256" r:id="rId2"/>
@@ -19,8 +19,9 @@
     <p:sldId id="263" r:id="rId10"/>
     <p:sldId id="270" r:id="rId11"/>
     <p:sldId id="271" r:id="rId12"/>
-    <p:sldId id="269" r:id="rId13"/>
-    <p:sldId id="268" r:id="rId14"/>
+    <p:sldId id="274" r:id="rId13"/>
+    <p:sldId id="269" r:id="rId14"/>
+    <p:sldId id="268" r:id="rId15"/>
   </p:sldIdLst>
   <p:sldSz cx="9144000" cy="6858000" type="screen4x3"/>
   <p:notesSz cx="6858000" cy="9144000"/>
@@ -220,7 +221,7 @@
           <a:p>
             <a:fld id="{AC33384C-A5DC-48EC-9B26-0C8A1E65CE5A}" type="datetimeFigureOut">
               <a:rPr lang="en-US" smtClean="0"/>
-              <a:t>2/22/2015</a:t>
+              <a:t>2/23/2015</a:t>
             </a:fld>
             <a:endParaRPr lang="en-US"/>
           </a:p>
@@ -676,7 +677,7 @@
           <a:p>
             <a:fld id="{1FBC307E-BFDF-4D62-B554-0C8B7619B15D}" type="datetimeFigureOut">
               <a:rPr lang="en-US" smtClean="0"/>
-              <a:t>2/22/2015</a:t>
+              <a:t>2/23/2015</a:t>
             </a:fld>
             <a:endParaRPr lang="en-US"/>
           </a:p>
@@ -1008,7 +1009,7 @@
           <a:p>
             <a:fld id="{1FBC307E-BFDF-4D62-B554-0C8B7619B15D}" type="datetimeFigureOut">
               <a:rPr lang="en-US" smtClean="0"/>
-              <a:t>2/22/2015</a:t>
+              <a:t>2/23/2015</a:t>
             </a:fld>
             <a:endParaRPr lang="en-US"/>
           </a:p>
@@ -1407,7 +1408,7 @@
           <a:p>
             <a:fld id="{1FBC307E-BFDF-4D62-B554-0C8B7619B15D}" type="datetimeFigureOut">
               <a:rPr lang="en-US" smtClean="0"/>
-              <a:t>2/22/2015</a:t>
+              <a:t>2/23/2015</a:t>
             </a:fld>
             <a:endParaRPr lang="en-US"/>
           </a:p>
@@ -1741,7 +1742,7 @@
           <a:p>
             <a:fld id="{1FBC307E-BFDF-4D62-B554-0C8B7619B15D}" type="datetimeFigureOut">
               <a:rPr lang="en-US" smtClean="0"/>
-              <a:t>2/22/2015</a:t>
+              <a:t>2/23/2015</a:t>
             </a:fld>
             <a:endParaRPr lang="en-US"/>
           </a:p>
@@ -2059,7 +2060,7 @@
           <a:p>
             <a:fld id="{1FBC307E-BFDF-4D62-B554-0C8B7619B15D}" type="datetimeFigureOut">
               <a:rPr lang="en-US" smtClean="0"/>
-              <a:t>2/22/2015</a:t>
+              <a:t>2/23/2015</a:t>
             </a:fld>
             <a:endParaRPr lang="en-US"/>
           </a:p>
@@ -2453,7 +2454,7 @@
           <a:p>
             <a:fld id="{1FBC307E-BFDF-4D62-B554-0C8B7619B15D}" type="datetimeFigureOut">
               <a:rPr lang="en-US" smtClean="0"/>
-              <a:t>2/22/2015</a:t>
+              <a:t>2/23/2015</a:t>
             </a:fld>
             <a:endParaRPr lang="en-US"/>
           </a:p>
@@ -2708,7 +2709,7 @@
           <a:p>
             <a:fld id="{1FBC307E-BFDF-4D62-B554-0C8B7619B15D}" type="datetimeFigureOut">
               <a:rPr lang="en-US" smtClean="0"/>
-              <a:t>2/22/2015</a:t>
+              <a:t>2/23/2015</a:t>
             </a:fld>
             <a:endParaRPr lang="en-US"/>
           </a:p>
@@ -2968,7 +2969,7 @@
           <a:p>
             <a:fld id="{1FBC307E-BFDF-4D62-B554-0C8B7619B15D}" type="datetimeFigureOut">
               <a:rPr lang="en-US" smtClean="0"/>
-              <a:t>2/22/2015</a:t>
+              <a:t>2/23/2015</a:t>
             </a:fld>
             <a:endParaRPr lang="en-US"/>
           </a:p>
@@ -3228,7 +3229,7 @@
           <a:p>
             <a:fld id="{1FBC307E-BFDF-4D62-B554-0C8B7619B15D}" type="datetimeFigureOut">
               <a:rPr lang="en-US" smtClean="0"/>
-              <a:t>2/22/2015</a:t>
+              <a:t>2/23/2015</a:t>
             </a:fld>
             <a:endParaRPr lang="en-US"/>
           </a:p>
@@ -3555,7 +3556,7 @@
           <a:p>
             <a:fld id="{1FBC307E-BFDF-4D62-B554-0C8B7619B15D}" type="datetimeFigureOut">
               <a:rPr lang="en-US" smtClean="0"/>
-              <a:t>2/22/2015</a:t>
+              <a:t>2/23/2015</a:t>
             </a:fld>
             <a:endParaRPr lang="en-US"/>
           </a:p>
@@ -3876,7 +3877,7 @@
           <a:p>
             <a:fld id="{1FBC307E-BFDF-4D62-B554-0C8B7619B15D}" type="datetimeFigureOut">
               <a:rPr lang="en-US" smtClean="0"/>
-              <a:t>2/22/2015</a:t>
+              <a:t>2/23/2015</a:t>
             </a:fld>
             <a:endParaRPr lang="en-US"/>
           </a:p>
@@ -4331,7 +4332,7 @@
           <a:p>
             <a:fld id="{1FBC307E-BFDF-4D62-B554-0C8B7619B15D}" type="datetimeFigureOut">
               <a:rPr lang="en-US" smtClean="0"/>
-              <a:t>2/22/2015</a:t>
+              <a:t>2/23/2015</a:t>
             </a:fld>
             <a:endParaRPr lang="en-US"/>
           </a:p>
@@ -4539,7 +4540,7 @@
           <a:p>
             <a:fld id="{1FBC307E-BFDF-4D62-B554-0C8B7619B15D}" type="datetimeFigureOut">
               <a:rPr lang="en-US" smtClean="0"/>
-              <a:t>2/22/2015</a:t>
+              <a:t>2/23/2015</a:t>
             </a:fld>
             <a:endParaRPr lang="en-US"/>
           </a:p>
@@ -4714,7 +4715,7 @@
           <a:p>
             <a:fld id="{1FBC307E-BFDF-4D62-B554-0C8B7619B15D}" type="datetimeFigureOut">
               <a:rPr lang="en-US" smtClean="0"/>
-              <a:t>2/22/2015</a:t>
+              <a:t>2/23/2015</a:t>
             </a:fld>
             <a:endParaRPr lang="en-US"/>
           </a:p>
@@ -5045,7 +5046,7 @@
           <a:p>
             <a:fld id="{1FBC307E-BFDF-4D62-B554-0C8B7619B15D}" type="datetimeFigureOut">
               <a:rPr lang="en-US" smtClean="0"/>
-              <a:t>2/22/2015</a:t>
+              <a:t>2/23/2015</a:t>
             </a:fld>
             <a:endParaRPr lang="en-US"/>
           </a:p>
@@ -5388,7 +5389,7 @@
           <a:p>
             <a:fld id="{1FBC307E-BFDF-4D62-B554-0C8B7619B15D}" type="datetimeFigureOut">
               <a:rPr lang="en-US" smtClean="0"/>
-              <a:t>2/22/2015</a:t>
+              <a:t>2/23/2015</a:t>
             </a:fld>
             <a:endParaRPr lang="en-US"/>
           </a:p>
@@ -7503,7 +7504,7 @@
           <a:p>
             <a:fld id="{1FBC307E-BFDF-4D62-B554-0C8B7619B15D}" type="datetimeFigureOut">
               <a:rPr lang="en-US" smtClean="0"/>
-              <a:t>2/22/2015</a:t>
+              <a:t>2/23/2015</a:t>
             </a:fld>
             <a:endParaRPr lang="en-US"/>
           </a:p>
@@ -8109,6 +8110,13 @@
   <p:clrMapOvr>
     <a:masterClrMapping/>
   </p:clrMapOvr>
+  <p:timing>
+    <p:tnLst>
+      <p:par>
+        <p:cTn id="1" dur="indefinite" restart="never" nodeType="tmRoot"/>
+      </p:par>
+    </p:tnLst>
+  </p:timing>
 </p:sld>
 </file>
 
@@ -8203,6 +8211,13 @@
   <p:clrMapOvr>
     <a:masterClrMapping/>
   </p:clrMapOvr>
+  <p:timing>
+    <p:tnLst>
+      <p:par>
+        <p:cTn id="1" dur="indefinite" restart="never" nodeType="tmRoot"/>
+      </p:par>
+    </p:tnLst>
+  </p:timing>
 </p:sld>
 </file>
 
@@ -8289,6 +8304,13 @@
   <p:clrMapOvr>
     <a:masterClrMapping/>
   </p:clrMapOvr>
+  <p:timing>
+    <p:tnLst>
+      <p:par>
+        <p:cTn id="1" dur="indefinite" restart="never" nodeType="tmRoot"/>
+      </p:par>
+    </p:tnLst>
+  </p:timing>
 </p:sld>
 </file>
 
@@ -8325,44 +8347,12 @@
           <a:lstStyle/>
           <a:p>
             <a:r>
+              <a:rPr lang="en-US" dirty="0" err="1" smtClean="0"/>
+              <a:t>AngularJS</a:t>
+            </a:r>
+            <a:r>
               <a:rPr lang="en-US" dirty="0" smtClean="0"/>
-              <a:t>Further Learning</a:t>
-            </a:r>
-            <a:endParaRPr lang="en-US" dirty="0"/>
-          </a:p>
-        </p:txBody>
-      </p:sp>
-      <p:sp>
-        <p:nvSpPr>
-          <p:cNvPr id="3" name="Content Placeholder 2"/>
-          <p:cNvSpPr>
-            <a:spLocks noGrp="1"/>
-          </p:cNvSpPr>
-          <p:nvPr>
-            <p:ph idx="1"/>
-          </p:nvPr>
-        </p:nvSpPr>
-        <p:spPr/>
-        <p:txBody>
-          <a:bodyPr/>
-          <a:lstStyle/>
-          <a:p>
-            <a:r>
-              <a:rPr lang="en-US" dirty="0" err="1" smtClean="0"/>
-              <a:t>Pluralsight</a:t>
-            </a:r>
-            <a:endParaRPr lang="en-US" dirty="0" smtClean="0"/>
-          </a:p>
-          <a:p>
-            <a:r>
-              <a:rPr lang="en-US" dirty="0" smtClean="0"/>
-              <a:t>Code School</a:t>
-            </a:r>
-          </a:p>
-          <a:p>
-            <a:r>
-              <a:rPr lang="en-US" dirty="0" smtClean="0"/>
-              <a:t>Adventures in Angular</a:t>
+              <a:t> 2.0</a:t>
             </a:r>
             <a:endParaRPr lang="en-US" dirty="0"/>
           </a:p>
@@ -8371,13 +8361,20 @@
     </p:spTree>
     <p:extLst>
       <p:ext uri="{BB962C8B-B14F-4D97-AF65-F5344CB8AC3E}">
-        <p14:creationId xmlns:p14="http://schemas.microsoft.com/office/powerpoint/2010/main" val="885975201"/>
+        <p14:creationId xmlns:p14="http://schemas.microsoft.com/office/powerpoint/2010/main" val="2643025898"/>
       </p:ext>
     </p:extLst>
   </p:cSld>
   <p:clrMapOvr>
     <a:masterClrMapping/>
   </p:clrMapOvr>
+  <p:timing>
+    <p:tnLst>
+      <p:par>
+        <p:cTn id="1" dur="indefinite" restart="never" nodeType="tmRoot"/>
+      </p:par>
+    </p:tnLst>
+  </p:timing>
 </p:sld>
 </file>
 
@@ -8400,6 +8397,102 @@
       </p:grpSpPr>
       <p:sp>
         <p:nvSpPr>
+          <p:cNvPr id="2" name="Title 1"/>
+          <p:cNvSpPr>
+            <a:spLocks noGrp="1"/>
+          </p:cNvSpPr>
+          <p:nvPr>
+            <p:ph type="title"/>
+          </p:nvPr>
+        </p:nvSpPr>
+        <p:spPr/>
+        <p:txBody>
+          <a:bodyPr/>
+          <a:lstStyle/>
+          <a:p>
+            <a:r>
+              <a:rPr lang="en-US" dirty="0" smtClean="0"/>
+              <a:t>Further Learning</a:t>
+            </a:r>
+            <a:endParaRPr lang="en-US" dirty="0"/>
+          </a:p>
+        </p:txBody>
+      </p:sp>
+      <p:sp>
+        <p:nvSpPr>
+          <p:cNvPr id="3" name="Content Placeholder 2"/>
+          <p:cNvSpPr>
+            <a:spLocks noGrp="1"/>
+          </p:cNvSpPr>
+          <p:nvPr>
+            <p:ph idx="1"/>
+          </p:nvPr>
+        </p:nvSpPr>
+        <p:spPr/>
+        <p:txBody>
+          <a:bodyPr/>
+          <a:lstStyle/>
+          <a:p>
+            <a:r>
+              <a:rPr lang="en-US" dirty="0" err="1" smtClean="0"/>
+              <a:t>Pluralsight</a:t>
+            </a:r>
+            <a:endParaRPr lang="en-US" dirty="0" smtClean="0"/>
+          </a:p>
+          <a:p>
+            <a:r>
+              <a:rPr lang="en-US" dirty="0" smtClean="0"/>
+              <a:t>Code School</a:t>
+            </a:r>
+          </a:p>
+          <a:p>
+            <a:r>
+              <a:rPr lang="en-US" dirty="0" smtClean="0"/>
+              <a:t>Adventures in Angular</a:t>
+            </a:r>
+            <a:endParaRPr lang="en-US" dirty="0"/>
+          </a:p>
+        </p:txBody>
+      </p:sp>
+    </p:spTree>
+    <p:extLst>
+      <p:ext uri="{BB962C8B-B14F-4D97-AF65-F5344CB8AC3E}">
+        <p14:creationId xmlns:p14="http://schemas.microsoft.com/office/powerpoint/2010/main" val="885975201"/>
+      </p:ext>
+    </p:extLst>
+  </p:cSld>
+  <p:clrMapOvr>
+    <a:masterClrMapping/>
+  </p:clrMapOvr>
+  <p:timing>
+    <p:tnLst>
+      <p:par>
+        <p:cTn id="1" dur="indefinite" restart="never" nodeType="tmRoot"/>
+      </p:par>
+    </p:tnLst>
+  </p:timing>
+</p:sld>
+</file>
+
+<file path=ppt/slides/slide14.xml><?xml version="1.0" encoding="utf-8"?>
+<p:sld xmlns:a="http://schemas.openxmlformats.org/drawingml/2006/main" xmlns:r="http://schemas.openxmlformats.org/officeDocument/2006/relationships" xmlns:p="http://schemas.openxmlformats.org/presentationml/2006/main">
+  <p:cSld>
+    <p:spTree>
+      <p:nvGrpSpPr>
+        <p:cNvPr id="1" name=""/>
+        <p:cNvGrpSpPr/>
+        <p:nvPr/>
+      </p:nvGrpSpPr>
+      <p:grpSpPr>
+        <a:xfrm>
+          <a:off x="0" y="0"/>
+          <a:ext cx="0" cy="0"/>
+          <a:chOff x="0" y="0"/>
+          <a:chExt cx="0" cy="0"/>
+        </a:xfrm>
+      </p:grpSpPr>
+      <p:sp>
+        <p:nvSpPr>
           <p:cNvPr id="3" name="Content Placeholder 2"/>
           <p:cNvSpPr>
             <a:spLocks noGrp="1"/>
@@ -8579,7 +8672,11 @@
           <a:bodyPr/>
           <a:lstStyle/>
           <a:p>
-            <a:endParaRPr lang="en-US"/>
+            <a:r>
+              <a:rPr lang="en-US" dirty="0" smtClean="0"/>
+              <a:t>`</a:t>
+            </a:r>
+            <a:endParaRPr lang="en-US" dirty="0"/>
           </a:p>
         </p:txBody>
       </p:sp>
@@ -9550,6 +9647,13 @@
   <p:clrMapOvr>
     <a:masterClrMapping/>
   </p:clrMapOvr>
+  <p:timing>
+    <p:tnLst>
+      <p:par>
+        <p:cTn id="1" dur="indefinite" restart="never" nodeType="tmRoot"/>
+      </p:par>
+    </p:tnLst>
+  </p:timing>
 </p:sld>
 </file>
 
@@ -9826,6 +9930,13 @@
   <p:clrMapOvr>
     <a:masterClrMapping/>
   </p:clrMapOvr>
+  <p:timing>
+    <p:tnLst>
+      <p:par>
+        <p:cTn id="1" dur="indefinite" restart="never" nodeType="tmRoot"/>
+      </p:par>
+    </p:tnLst>
+  </p:timing>
 </p:sld>
 </file>
 
